--- a/Day4/C++ Course Games Academy 2015-05-22 Day 4.pptx
+++ b/Day4/C++ Course Games Academy 2015-05-22 Day 4.pptx
@@ -1,40 +1,40 @@
 
 <file path=ppt/presentation.xml><?xml version="1.0" encoding="utf-8"?>
-<p:presentation xmlns:a="http://schemas.openxmlformats.org/drawingml/2006/main" xmlns:r="http://schemas.openxmlformats.org/officeDocument/2006/relationships" xmlns:mc="http://schemas.openxmlformats.org/markup-compatibility/2006" xmlns:mv="urn:schemas-microsoft-com:mac:vml" xmlns:p="http://schemas.openxmlformats.org/presentationml/2006/main" xmlns:c="http://schemas.openxmlformats.org/drawingml/2006/chart" xmlns:dgm="http://schemas.openxmlformats.org/drawingml/2006/diagram" xmlns:o="urn:schemas-microsoft-com:office:office" xmlns:v="urn:schemas-microsoft-com:vml" xmlns:pvml="urn:schemas-microsoft-com:office:powerpoint" xmlns:com="http://schemas.openxmlformats.org/drawingml/2006/compatibility" xmlns:p14="http://schemas.microsoft.com/office/powerpoint/2010/main" autoCompressPictures="0" strictFirstAndLastChars="0" saveSubsetFonts="1">
+<p:presentation xmlns:a="http://schemas.openxmlformats.org/drawingml/2006/main" xmlns:r="http://schemas.openxmlformats.org/officeDocument/2006/relationships" xmlns:p="http://schemas.openxmlformats.org/presentationml/2006/main" strictFirstAndLastChars="0" saveSubsetFonts="1" autoCompressPictures="0">
   <p:sldMasterIdLst>
-    <p:sldMasterId id="2147483654" r:id="rId4"/>
+    <p:sldMasterId id="2147483654" r:id="rId1"/>
   </p:sldMasterIdLst>
   <p:notesMasterIdLst>
-    <p:notesMasterId r:id="rId5"/>
+    <p:notesMasterId r:id="rId24"/>
   </p:notesMasterIdLst>
   <p:sldIdLst>
-    <p:sldId id="256" r:id="rId6"/>
-    <p:sldId id="257" r:id="rId7"/>
-    <p:sldId id="258" r:id="rId8"/>
-    <p:sldId id="259" r:id="rId9"/>
-    <p:sldId id="260" r:id="rId10"/>
-    <p:sldId id="261" r:id="rId11"/>
-    <p:sldId id="262" r:id="rId12"/>
-    <p:sldId id="263" r:id="rId13"/>
-    <p:sldId id="264" r:id="rId14"/>
-    <p:sldId id="265" r:id="rId15"/>
-    <p:sldId id="266" r:id="rId16"/>
-    <p:sldId id="267" r:id="rId17"/>
-    <p:sldId id="268" r:id="rId18"/>
-    <p:sldId id="269" r:id="rId19"/>
-    <p:sldId id="270" r:id="rId20"/>
-    <p:sldId id="271" r:id="rId21"/>
-    <p:sldId id="272" r:id="rId22"/>
-    <p:sldId id="273" r:id="rId23"/>
-    <p:sldId id="274" r:id="rId24"/>
-    <p:sldId id="275" r:id="rId25"/>
-    <p:sldId id="276" r:id="rId26"/>
-    <p:sldId id="277" r:id="rId27"/>
+    <p:sldId id="256" r:id="rId2"/>
+    <p:sldId id="257" r:id="rId3"/>
+    <p:sldId id="258" r:id="rId4"/>
+    <p:sldId id="259" r:id="rId5"/>
+    <p:sldId id="260" r:id="rId6"/>
+    <p:sldId id="261" r:id="rId7"/>
+    <p:sldId id="262" r:id="rId8"/>
+    <p:sldId id="263" r:id="rId9"/>
+    <p:sldId id="264" r:id="rId10"/>
+    <p:sldId id="265" r:id="rId11"/>
+    <p:sldId id="266" r:id="rId12"/>
+    <p:sldId id="267" r:id="rId13"/>
+    <p:sldId id="268" r:id="rId14"/>
+    <p:sldId id="269" r:id="rId15"/>
+    <p:sldId id="270" r:id="rId16"/>
+    <p:sldId id="271" r:id="rId17"/>
+    <p:sldId id="272" r:id="rId18"/>
+    <p:sldId id="273" r:id="rId19"/>
+    <p:sldId id="274" r:id="rId20"/>
+    <p:sldId id="275" r:id="rId21"/>
+    <p:sldId id="276" r:id="rId22"/>
+    <p:sldId id="277" r:id="rId23"/>
   </p:sldIdLst>
-  <p:sldSz cy="5143500" cx="9144000"/>
+  <p:sldSz cx="9144000" cy="5143500" type="screen16x9"/>
   <p:notesSz cx="6858000" cy="9144000"/>
   <p:defaultTextStyle>
-    <a:defPPr marR="0" rtl="0" algn="l">
+    <a:defPPr marR="0" algn="l" rtl="0">
       <a:lnSpc>
         <a:spcPct val="100000"/>
       </a:lnSpc>
@@ -45,7 +45,7 @@
         <a:spcPts val="0"/>
       </a:spcAft>
     </a:defPPr>
-    <a:lvl1pPr marR="0" rtl="0" algn="l">
+    <a:lvl1pPr marR="0" algn="l" rtl="0">
       <a:lnSpc>
         <a:spcPct val="100000"/>
       </a:lnSpc>
@@ -56,7 +56,7 @@
         <a:spcPts val="0"/>
       </a:spcAft>
       <a:buNone/>
-      <a:defRPr b="0" baseline="0" i="0" sz="1400" u="none" cap="none" strike="noStrike">
+      <a:defRPr sz="1400" b="0" i="0" u="none" strike="noStrike" cap="none" baseline="0">
         <a:solidFill>
           <a:srgbClr val="000000"/>
         </a:solidFill>
@@ -64,10 +64,9 @@
         <a:ea typeface="Arial"/>
         <a:cs typeface="Arial"/>
         <a:sym typeface="Arial"/>
-        <a:rtl val="0"/>
       </a:defRPr>
     </a:lvl1pPr>
-    <a:lvl2pPr marR="0" rtl="0" algn="l">
+    <a:lvl2pPr marR="0" algn="l" rtl="0">
       <a:lnSpc>
         <a:spcPct val="100000"/>
       </a:lnSpc>
@@ -78,7 +77,7 @@
         <a:spcPts val="0"/>
       </a:spcAft>
       <a:buNone/>
-      <a:defRPr b="0" baseline="0" i="0" sz="1400" u="none" cap="none" strike="noStrike">
+      <a:defRPr sz="1400" b="0" i="0" u="none" strike="noStrike" cap="none" baseline="0">
         <a:solidFill>
           <a:srgbClr val="000000"/>
         </a:solidFill>
@@ -86,10 +85,9 @@
         <a:ea typeface="Arial"/>
         <a:cs typeface="Arial"/>
         <a:sym typeface="Arial"/>
-        <a:rtl val="0"/>
       </a:defRPr>
     </a:lvl2pPr>
-    <a:lvl3pPr marR="0" rtl="0" algn="l">
+    <a:lvl3pPr marR="0" algn="l" rtl="0">
       <a:lnSpc>
         <a:spcPct val="100000"/>
       </a:lnSpc>
@@ -100,7 +98,7 @@
         <a:spcPts val="0"/>
       </a:spcAft>
       <a:buNone/>
-      <a:defRPr b="0" baseline="0" i="0" sz="1400" u="none" cap="none" strike="noStrike">
+      <a:defRPr sz="1400" b="0" i="0" u="none" strike="noStrike" cap="none" baseline="0">
         <a:solidFill>
           <a:srgbClr val="000000"/>
         </a:solidFill>
@@ -108,10 +106,9 @@
         <a:ea typeface="Arial"/>
         <a:cs typeface="Arial"/>
         <a:sym typeface="Arial"/>
-        <a:rtl val="0"/>
       </a:defRPr>
     </a:lvl3pPr>
-    <a:lvl4pPr marR="0" rtl="0" algn="l">
+    <a:lvl4pPr marR="0" algn="l" rtl="0">
       <a:lnSpc>
         <a:spcPct val="100000"/>
       </a:lnSpc>
@@ -122,7 +119,7 @@
         <a:spcPts val="0"/>
       </a:spcAft>
       <a:buNone/>
-      <a:defRPr b="0" baseline="0" i="0" sz="1400" u="none" cap="none" strike="noStrike">
+      <a:defRPr sz="1400" b="0" i="0" u="none" strike="noStrike" cap="none" baseline="0">
         <a:solidFill>
           <a:srgbClr val="000000"/>
         </a:solidFill>
@@ -130,10 +127,9 @@
         <a:ea typeface="Arial"/>
         <a:cs typeface="Arial"/>
         <a:sym typeface="Arial"/>
-        <a:rtl val="0"/>
       </a:defRPr>
     </a:lvl4pPr>
-    <a:lvl5pPr marR="0" rtl="0" algn="l">
+    <a:lvl5pPr marR="0" algn="l" rtl="0">
       <a:lnSpc>
         <a:spcPct val="100000"/>
       </a:lnSpc>
@@ -144,7 +140,7 @@
         <a:spcPts val="0"/>
       </a:spcAft>
       <a:buNone/>
-      <a:defRPr b="0" baseline="0" i="0" sz="1400" u="none" cap="none" strike="noStrike">
+      <a:defRPr sz="1400" b="0" i="0" u="none" strike="noStrike" cap="none" baseline="0">
         <a:solidFill>
           <a:srgbClr val="000000"/>
         </a:solidFill>
@@ -152,10 +148,9 @@
         <a:ea typeface="Arial"/>
         <a:cs typeface="Arial"/>
         <a:sym typeface="Arial"/>
-        <a:rtl val="0"/>
       </a:defRPr>
     </a:lvl5pPr>
-    <a:lvl6pPr marR="0" rtl="0" algn="l">
+    <a:lvl6pPr marR="0" algn="l" rtl="0">
       <a:lnSpc>
         <a:spcPct val="100000"/>
       </a:lnSpc>
@@ -166,7 +161,7 @@
         <a:spcPts val="0"/>
       </a:spcAft>
       <a:buNone/>
-      <a:defRPr b="0" baseline="0" i="0" sz="1400" u="none" cap="none" strike="noStrike">
+      <a:defRPr sz="1400" b="0" i="0" u="none" strike="noStrike" cap="none" baseline="0">
         <a:solidFill>
           <a:srgbClr val="000000"/>
         </a:solidFill>
@@ -174,10 +169,9 @@
         <a:ea typeface="Arial"/>
         <a:cs typeface="Arial"/>
         <a:sym typeface="Arial"/>
-        <a:rtl val="0"/>
       </a:defRPr>
     </a:lvl6pPr>
-    <a:lvl7pPr marR="0" rtl="0" algn="l">
+    <a:lvl7pPr marR="0" algn="l" rtl="0">
       <a:lnSpc>
         <a:spcPct val="100000"/>
       </a:lnSpc>
@@ -188,7 +182,7 @@
         <a:spcPts val="0"/>
       </a:spcAft>
       <a:buNone/>
-      <a:defRPr b="0" baseline="0" i="0" sz="1400" u="none" cap="none" strike="noStrike">
+      <a:defRPr sz="1400" b="0" i="0" u="none" strike="noStrike" cap="none" baseline="0">
         <a:solidFill>
           <a:srgbClr val="000000"/>
         </a:solidFill>
@@ -196,10 +190,9 @@
         <a:ea typeface="Arial"/>
         <a:cs typeface="Arial"/>
         <a:sym typeface="Arial"/>
-        <a:rtl val="0"/>
       </a:defRPr>
     </a:lvl7pPr>
-    <a:lvl8pPr marR="0" rtl="0" algn="l">
+    <a:lvl8pPr marR="0" algn="l" rtl="0">
       <a:lnSpc>
         <a:spcPct val="100000"/>
       </a:lnSpc>
@@ -210,7 +203,7 @@
         <a:spcPts val="0"/>
       </a:spcAft>
       <a:buNone/>
-      <a:defRPr b="0" baseline="0" i="0" sz="1400" u="none" cap="none" strike="noStrike">
+      <a:defRPr sz="1400" b="0" i="0" u="none" strike="noStrike" cap="none" baseline="0">
         <a:solidFill>
           <a:srgbClr val="000000"/>
         </a:solidFill>
@@ -218,10 +211,9 @@
         <a:ea typeface="Arial"/>
         <a:cs typeface="Arial"/>
         <a:sym typeface="Arial"/>
-        <a:rtl val="0"/>
       </a:defRPr>
     </a:lvl8pPr>
-    <a:lvl9pPr marR="0" rtl="0" algn="l">
+    <a:lvl9pPr marR="0" algn="l" rtl="0">
       <a:lnSpc>
         <a:spcPct val="100000"/>
       </a:lnSpc>
@@ -232,7 +224,7 @@
         <a:spcPts val="0"/>
       </a:spcAft>
       <a:buNone/>
-      <a:defRPr b="0" baseline="0" i="0" sz="1400" u="none" cap="none" strike="noStrike">
+      <a:defRPr sz="1400" b="0" i="0" u="none" strike="noStrike" cap="none" baseline="0">
         <a:solidFill>
           <a:srgbClr val="000000"/>
         </a:solidFill>
@@ -240,7 +232,6 @@
         <a:ea typeface="Arial"/>
         <a:cs typeface="Arial"/>
         <a:sym typeface="Arial"/>
-        <a:rtl val="0"/>
       </a:defRPr>
     </a:lvl9pPr>
   </p:defaultTextStyle>
@@ -248,8 +239,13 @@
 </file>
 
 <file path=ppt/notesMasters/notesMaster1.xml><?xml version="1.0" encoding="utf-8"?>
-<p:notesMaster xmlns:a="http://schemas.openxmlformats.org/drawingml/2006/main" xmlns:r="http://schemas.openxmlformats.org/officeDocument/2006/relationships" xmlns:mc="http://schemas.openxmlformats.org/markup-compatibility/2006" xmlns:mv="urn:schemas-microsoft-com:mac:vml" xmlns:p="http://schemas.openxmlformats.org/presentationml/2006/main" xmlns:c="http://schemas.openxmlformats.org/drawingml/2006/chart" xmlns:dgm="http://schemas.openxmlformats.org/drawingml/2006/diagram" xmlns:o="urn:schemas-microsoft-com:office:office" xmlns:v="urn:schemas-microsoft-com:vml" xmlns:pvml="urn:schemas-microsoft-com:office:powerpoint" xmlns:com="http://schemas.openxmlformats.org/drawingml/2006/compatibility" xmlns:p14="http://schemas.microsoft.com/office/powerpoint/2010/main">
+<p:notesMaster xmlns:a="http://schemas.openxmlformats.org/drawingml/2006/main" xmlns:r="http://schemas.openxmlformats.org/officeDocument/2006/relationships" xmlns:p="http://schemas.openxmlformats.org/presentationml/2006/main">
   <p:cSld>
+    <p:bg>
+      <p:bgRef idx="1001">
+        <a:schemeClr val="bg1"/>
+      </p:bgRef>
+    </p:bg>
     <p:spTree>
       <p:nvGrpSpPr>
         <p:cNvPr id="1" name="Shape 1"/>
@@ -267,9 +263,11 @@
       <p:sp>
         <p:nvSpPr>
           <p:cNvPr id="2" name="Shape 2"/>
-          <p:cNvSpPr/>
+          <p:cNvSpPr>
+            <a:spLocks noGrp="1" noRot="1" noChangeAspect="1"/>
+          </p:cNvSpPr>
           <p:nvPr>
-            <p:ph idx="2" type="sldImg"/>
+            <p:ph type="sldImg" idx="2"/>
           </p:nvPr>
         </p:nvSpPr>
         <p:spPr>
@@ -278,8 +276,13 @@
             <a:ext cx="6096299" cy="3429000"/>
           </a:xfrm>
           <a:custGeom>
+            <a:avLst/>
+            <a:gdLst/>
+            <a:ahLst/>
+            <a:cxnLst/>
+            <a:rect l="0" t="0" r="0" b="0"/>
             <a:pathLst>
-              <a:path extrusionOk="0" h="120000" w="120000">
+              <a:path w="120000" h="120000" extrusionOk="0">
                 <a:moveTo>
                   <a:pt x="0" y="0"/>
                 </a:moveTo>
@@ -297,23 +300,25 @@
             </a:pathLst>
           </a:custGeom>
           <a:noFill/>
-          <a:ln cap="flat" w="9525">
+          <a:ln w="9525" cap="flat">
             <a:solidFill>
               <a:srgbClr val="000000"/>
             </a:solidFill>
             <a:prstDash val="solid"/>
             <a:round/>
-            <a:headEnd len="med" w="med" type="none"/>
-            <a:tailEnd len="med" w="med" type="none"/>
+            <a:headEnd type="none" w="med" len="med"/>
+            <a:tailEnd type="none" w="med" len="med"/>
           </a:ln>
         </p:spPr>
       </p:sp>
       <p:sp>
         <p:nvSpPr>
           <p:cNvPr id="3" name="Shape 3"/>
-          <p:cNvSpPr txBox="1"/>
+          <p:cNvSpPr txBox="1">
+            <a:spLocks noGrp="1"/>
+          </p:cNvSpPr>
           <p:nvPr>
-            <p:ph idx="1" type="body"/>
+            <p:ph type="body" idx="1"/>
           </p:nvPr>
         </p:nvSpPr>
         <p:spPr>
@@ -330,7 +335,7 @@
           </a:ln>
         </p:spPr>
         <p:txBody>
-          <a:bodyPr anchorCtr="0" anchor="t" bIns="91425" lIns="91425" rIns="91425" tIns="91425"/>
+          <a:bodyPr lIns="91425" tIns="91425" rIns="91425" bIns="91425" anchor="t" anchorCtr="0"/>
           <a:lstStyle>
             <a:lvl1pPr>
               <a:spcBef>
@@ -387,21 +392,115 @@
               <a:defRPr sz="1100"/>
             </a:lvl9pPr>
           </a:lstStyle>
-          <a:p/>
+          <a:p>
+            <a:endParaRPr/>
+          </a:p>
         </p:txBody>
       </p:sp>
     </p:spTree>
   </p:cSld>
-  <p:clrMap accent1="accent1" accent2="accent2" accent3="accent3" accent4="accent4" accent5="accent5" accent6="accent6" bg1="lt1" bg2="dk2" tx1="dk1" tx2="lt2" folHlink="folHlink" hlink="hlink"/>
+  <p:clrMap bg1="lt1" tx1="dk1" bg2="dk2" tx2="lt2" accent1="accent1" accent2="accent2" accent3="accent3" accent4="accent4" accent5="accent5" accent6="accent6" hlink="hlink" folHlink="folHlink"/>
+  <p:notesStyle>
+    <a:lvl1pPr marL="0" algn="l" defTabSz="914400" rtl="0" eaLnBrk="1" latinLnBrk="0" hangingPunct="1">
+      <a:defRPr sz="1200" kern="1200">
+        <a:solidFill>
+          <a:schemeClr val="tx1"/>
+        </a:solidFill>
+        <a:latin typeface="+mn-lt"/>
+        <a:ea typeface="+mn-ea"/>
+        <a:cs typeface="+mn-cs"/>
+      </a:defRPr>
+    </a:lvl1pPr>
+    <a:lvl2pPr marL="457200" algn="l" defTabSz="914400" rtl="0" eaLnBrk="1" latinLnBrk="0" hangingPunct="1">
+      <a:defRPr sz="1200" kern="1200">
+        <a:solidFill>
+          <a:schemeClr val="tx1"/>
+        </a:solidFill>
+        <a:latin typeface="+mn-lt"/>
+        <a:ea typeface="+mn-ea"/>
+        <a:cs typeface="+mn-cs"/>
+      </a:defRPr>
+    </a:lvl2pPr>
+    <a:lvl3pPr marL="914400" algn="l" defTabSz="914400" rtl="0" eaLnBrk="1" latinLnBrk="0" hangingPunct="1">
+      <a:defRPr sz="1200" kern="1200">
+        <a:solidFill>
+          <a:schemeClr val="tx1"/>
+        </a:solidFill>
+        <a:latin typeface="+mn-lt"/>
+        <a:ea typeface="+mn-ea"/>
+        <a:cs typeface="+mn-cs"/>
+      </a:defRPr>
+    </a:lvl3pPr>
+    <a:lvl4pPr marL="1371600" algn="l" defTabSz="914400" rtl="0" eaLnBrk="1" latinLnBrk="0" hangingPunct="1">
+      <a:defRPr sz="1200" kern="1200">
+        <a:solidFill>
+          <a:schemeClr val="tx1"/>
+        </a:solidFill>
+        <a:latin typeface="+mn-lt"/>
+        <a:ea typeface="+mn-ea"/>
+        <a:cs typeface="+mn-cs"/>
+      </a:defRPr>
+    </a:lvl4pPr>
+    <a:lvl5pPr marL="1828800" algn="l" defTabSz="914400" rtl="0" eaLnBrk="1" latinLnBrk="0" hangingPunct="1">
+      <a:defRPr sz="1200" kern="1200">
+        <a:solidFill>
+          <a:schemeClr val="tx1"/>
+        </a:solidFill>
+        <a:latin typeface="+mn-lt"/>
+        <a:ea typeface="+mn-ea"/>
+        <a:cs typeface="+mn-cs"/>
+      </a:defRPr>
+    </a:lvl5pPr>
+    <a:lvl6pPr marL="2286000" algn="l" defTabSz="914400" rtl="0" eaLnBrk="1" latinLnBrk="0" hangingPunct="1">
+      <a:defRPr sz="1200" kern="1200">
+        <a:solidFill>
+          <a:schemeClr val="tx1"/>
+        </a:solidFill>
+        <a:latin typeface="+mn-lt"/>
+        <a:ea typeface="+mn-ea"/>
+        <a:cs typeface="+mn-cs"/>
+      </a:defRPr>
+    </a:lvl6pPr>
+    <a:lvl7pPr marL="2743200" algn="l" defTabSz="914400" rtl="0" eaLnBrk="1" latinLnBrk="0" hangingPunct="1">
+      <a:defRPr sz="1200" kern="1200">
+        <a:solidFill>
+          <a:schemeClr val="tx1"/>
+        </a:solidFill>
+        <a:latin typeface="+mn-lt"/>
+        <a:ea typeface="+mn-ea"/>
+        <a:cs typeface="+mn-cs"/>
+      </a:defRPr>
+    </a:lvl7pPr>
+    <a:lvl8pPr marL="3200400" algn="l" defTabSz="914400" rtl="0" eaLnBrk="1" latinLnBrk="0" hangingPunct="1">
+      <a:defRPr sz="1200" kern="1200">
+        <a:solidFill>
+          <a:schemeClr val="tx1"/>
+        </a:solidFill>
+        <a:latin typeface="+mn-lt"/>
+        <a:ea typeface="+mn-ea"/>
+        <a:cs typeface="+mn-cs"/>
+      </a:defRPr>
+    </a:lvl8pPr>
+    <a:lvl9pPr marL="3657600" algn="l" defTabSz="914400" rtl="0" eaLnBrk="1" latinLnBrk="0" hangingPunct="1">
+      <a:defRPr sz="1200" kern="1200">
+        <a:solidFill>
+          <a:schemeClr val="tx1"/>
+        </a:solidFill>
+        <a:latin typeface="+mn-lt"/>
+        <a:ea typeface="+mn-ea"/>
+        <a:cs typeface="+mn-cs"/>
+      </a:defRPr>
+    </a:lvl9pPr>
+  </p:notesStyle>
 </p:notesMaster>
 </file>
 
 <file path=ppt/notesSlides/notesSlide1.xml><?xml version="1.0" encoding="utf-8"?>
-<p:notes xmlns:a="http://schemas.openxmlformats.org/drawingml/2006/main" xmlns:r="http://schemas.openxmlformats.org/officeDocument/2006/relationships" xmlns:mc="http://schemas.openxmlformats.org/markup-compatibility/2006" xmlns:mv="urn:schemas-microsoft-com:mac:vml" xmlns:p="http://schemas.openxmlformats.org/presentationml/2006/main" xmlns:c="http://schemas.openxmlformats.org/drawingml/2006/chart" xmlns:dgm="http://schemas.openxmlformats.org/drawingml/2006/diagram" xmlns:o="urn:schemas-microsoft-com:office:office" xmlns:v="urn:schemas-microsoft-com:vml" xmlns:pvml="urn:schemas-microsoft-com:office:powerpoint" xmlns:com="http://schemas.openxmlformats.org/drawingml/2006/compatibility" xmlns:p14="http://schemas.microsoft.com/office/powerpoint/2010/main" showMasterPhAnim="0" showMasterSp="0">
+<p:notes xmlns:a="http://schemas.openxmlformats.org/drawingml/2006/main" xmlns:r="http://schemas.openxmlformats.org/officeDocument/2006/relationships" xmlns:p="http://schemas.openxmlformats.org/presentationml/2006/main" showMasterSp="0" showMasterPhAnim="0">
   <p:cSld>
     <p:spTree>
       <p:nvGrpSpPr>
-        <p:cNvPr id="42" name="Shape 42"/>
+        <p:cNvPr id="1" name="Shape 42"/>
         <p:cNvGrpSpPr/>
         <p:nvPr/>
       </p:nvGrpSpPr>
@@ -416,9 +515,11 @@
       <p:sp>
         <p:nvSpPr>
           <p:cNvPr id="43" name="Shape 43"/>
-          <p:cNvSpPr/>
+          <p:cNvSpPr>
+            <a:spLocks noGrp="1" noRot="1" noChangeAspect="1"/>
+          </p:cNvSpPr>
           <p:nvPr>
-            <p:ph idx="2" type="sldImg"/>
+            <p:ph type="sldImg" idx="2"/>
           </p:nvPr>
         </p:nvSpPr>
         <p:spPr>
@@ -427,8 +528,13 @@
             <a:ext cx="6096299" cy="3429000"/>
           </a:xfrm>
           <a:custGeom>
+            <a:avLst/>
+            <a:gdLst/>
+            <a:ahLst/>
+            <a:cxnLst/>
+            <a:rect l="0" t="0" r="0" b="0"/>
             <a:pathLst>
-              <a:path extrusionOk="0" h="120000" w="120000">
+              <a:path w="120000" h="120000" extrusionOk="0">
                 <a:moveTo>
                   <a:pt x="0" y="0"/>
                 </a:moveTo>
@@ -446,23 +552,25 @@
             </a:pathLst>
           </a:custGeom>
           <a:noFill/>
-          <a:ln cap="flat" w="9525">
+          <a:ln w="9525" cap="flat">
             <a:solidFill>
               <a:srgbClr val="000000"/>
             </a:solidFill>
             <a:prstDash val="solid"/>
             <a:round/>
-            <a:headEnd len="med" w="med" type="none"/>
-            <a:tailEnd len="med" w="med" type="none"/>
+            <a:headEnd type="none" w="med" len="med"/>
+            <a:tailEnd type="none" w="med" len="med"/>
           </a:ln>
         </p:spPr>
       </p:sp>
       <p:sp>
         <p:nvSpPr>
           <p:cNvPr id="44" name="Shape 44"/>
-          <p:cNvSpPr txBox="1"/>
+          <p:cNvSpPr txBox="1">
+            <a:spLocks noGrp="1"/>
+          </p:cNvSpPr>
           <p:nvPr>
-            <p:ph idx="1" type="body"/>
+            <p:ph type="body" idx="1"/>
           </p:nvPr>
         </p:nvSpPr>
         <p:spPr>
@@ -475,7 +583,7 @@
           </a:prstGeom>
         </p:spPr>
         <p:txBody>
-          <a:bodyPr anchorCtr="0" anchor="t" bIns="91425" lIns="91425" rIns="91425" tIns="91425">
+          <a:bodyPr lIns="91425" tIns="91425" rIns="91425" bIns="91425" anchor="t" anchorCtr="0">
             <a:noAutofit/>
           </a:bodyPr>
           <a:lstStyle/>
@@ -486,9 +594,6 @@
               </a:spcBef>
               <a:buNone/>
             </a:pPr>
-            <a:r>
-              <a:t/>
-            </a:r>
             <a:endParaRPr/>
           </a:p>
         </p:txBody>
@@ -502,11 +607,11 @@
 </file>
 
 <file path=ppt/notesSlides/notesSlide10.xml><?xml version="1.0" encoding="utf-8"?>
-<p:notes xmlns:a="http://schemas.openxmlformats.org/drawingml/2006/main" xmlns:r="http://schemas.openxmlformats.org/officeDocument/2006/relationships" xmlns:mc="http://schemas.openxmlformats.org/markup-compatibility/2006" xmlns:mv="urn:schemas-microsoft-com:mac:vml" xmlns:p="http://schemas.openxmlformats.org/presentationml/2006/main" xmlns:c="http://schemas.openxmlformats.org/drawingml/2006/chart" xmlns:dgm="http://schemas.openxmlformats.org/drawingml/2006/diagram" xmlns:o="urn:schemas-microsoft-com:office:office" xmlns:v="urn:schemas-microsoft-com:vml" xmlns:pvml="urn:schemas-microsoft-com:office:powerpoint" xmlns:com="http://schemas.openxmlformats.org/drawingml/2006/compatibility" xmlns:p14="http://schemas.microsoft.com/office/powerpoint/2010/main" showMasterPhAnim="0" showMasterSp="0">
+<p:notes xmlns:a="http://schemas.openxmlformats.org/drawingml/2006/main" xmlns:r="http://schemas.openxmlformats.org/officeDocument/2006/relationships" xmlns:p="http://schemas.openxmlformats.org/presentationml/2006/main" showMasterSp="0" showMasterPhAnim="0">
   <p:cSld>
     <p:spTree>
       <p:nvGrpSpPr>
-        <p:cNvPr id="98" name="Shape 98"/>
+        <p:cNvPr id="1" name="Shape 98"/>
         <p:cNvGrpSpPr/>
         <p:nvPr/>
       </p:nvGrpSpPr>
@@ -521,9 +626,11 @@
       <p:sp>
         <p:nvSpPr>
           <p:cNvPr id="99" name="Shape 99"/>
-          <p:cNvSpPr/>
+          <p:cNvSpPr>
+            <a:spLocks noGrp="1" noRot="1" noChangeAspect="1"/>
+          </p:cNvSpPr>
           <p:nvPr>
-            <p:ph idx="2" type="sldImg"/>
+            <p:ph type="sldImg" idx="2"/>
           </p:nvPr>
         </p:nvSpPr>
         <p:spPr>
@@ -532,8 +639,13 @@
             <a:ext cx="6096299" cy="3429000"/>
           </a:xfrm>
           <a:custGeom>
+            <a:avLst/>
+            <a:gdLst/>
+            <a:ahLst/>
+            <a:cxnLst/>
+            <a:rect l="0" t="0" r="0" b="0"/>
             <a:pathLst>
-              <a:path extrusionOk="0" h="120000" w="120000">
+              <a:path w="120000" h="120000" extrusionOk="0">
                 <a:moveTo>
                   <a:pt x="0" y="0"/>
                 </a:moveTo>
@@ -551,23 +663,25 @@
             </a:pathLst>
           </a:custGeom>
           <a:noFill/>
-          <a:ln cap="flat" w="9525">
+          <a:ln w="9525" cap="flat">
             <a:solidFill>
               <a:srgbClr val="000000"/>
             </a:solidFill>
             <a:prstDash val="solid"/>
             <a:round/>
-            <a:headEnd len="med" w="med" type="none"/>
-            <a:tailEnd len="med" w="med" type="none"/>
+            <a:headEnd type="none" w="med" len="med"/>
+            <a:tailEnd type="none" w="med" len="med"/>
           </a:ln>
         </p:spPr>
       </p:sp>
       <p:sp>
         <p:nvSpPr>
           <p:cNvPr id="100" name="Shape 100"/>
-          <p:cNvSpPr txBox="1"/>
+          <p:cNvSpPr txBox="1">
+            <a:spLocks noGrp="1"/>
+          </p:cNvSpPr>
           <p:nvPr>
-            <p:ph idx="1" type="body"/>
+            <p:ph type="body" idx="1"/>
           </p:nvPr>
         </p:nvSpPr>
         <p:spPr>
@@ -580,7 +694,7 @@
           </a:prstGeom>
         </p:spPr>
         <p:txBody>
-          <a:bodyPr anchorCtr="0" anchor="t" bIns="91425" lIns="91425" rIns="91425" tIns="91425">
+          <a:bodyPr lIns="91425" tIns="91425" rIns="91425" bIns="91425" anchor="t" anchorCtr="0">
             <a:noAutofit/>
           </a:bodyPr>
           <a:lstStyle/>
@@ -607,11 +721,11 @@
 </file>
 
 <file path=ppt/notesSlides/notesSlide11.xml><?xml version="1.0" encoding="utf-8"?>
-<p:notes xmlns:a="http://schemas.openxmlformats.org/drawingml/2006/main" xmlns:r="http://schemas.openxmlformats.org/officeDocument/2006/relationships" xmlns:mc="http://schemas.openxmlformats.org/markup-compatibility/2006" xmlns:mv="urn:schemas-microsoft-com:mac:vml" xmlns:p="http://schemas.openxmlformats.org/presentationml/2006/main" xmlns:c="http://schemas.openxmlformats.org/drawingml/2006/chart" xmlns:dgm="http://schemas.openxmlformats.org/drawingml/2006/diagram" xmlns:o="urn:schemas-microsoft-com:office:office" xmlns:v="urn:schemas-microsoft-com:vml" xmlns:pvml="urn:schemas-microsoft-com:office:powerpoint" xmlns:com="http://schemas.openxmlformats.org/drawingml/2006/compatibility" xmlns:p14="http://schemas.microsoft.com/office/powerpoint/2010/main" showMasterPhAnim="0" showMasterSp="0">
+<p:notes xmlns:a="http://schemas.openxmlformats.org/drawingml/2006/main" xmlns:r="http://schemas.openxmlformats.org/officeDocument/2006/relationships" xmlns:p="http://schemas.openxmlformats.org/presentationml/2006/main" showMasterSp="0" showMasterPhAnim="0">
   <p:cSld>
     <p:spTree>
       <p:nvGrpSpPr>
-        <p:cNvPr id="104" name="Shape 104"/>
+        <p:cNvPr id="1" name="Shape 104"/>
         <p:cNvGrpSpPr/>
         <p:nvPr/>
       </p:nvGrpSpPr>
@@ -626,9 +740,11 @@
       <p:sp>
         <p:nvSpPr>
           <p:cNvPr id="105" name="Shape 105"/>
-          <p:cNvSpPr/>
+          <p:cNvSpPr>
+            <a:spLocks noGrp="1" noRot="1" noChangeAspect="1"/>
+          </p:cNvSpPr>
           <p:nvPr>
-            <p:ph idx="2" type="sldImg"/>
+            <p:ph type="sldImg" idx="2"/>
           </p:nvPr>
         </p:nvSpPr>
         <p:spPr>
@@ -637,8 +753,13 @@
             <a:ext cx="6096299" cy="3429000"/>
           </a:xfrm>
           <a:custGeom>
+            <a:avLst/>
+            <a:gdLst/>
+            <a:ahLst/>
+            <a:cxnLst/>
+            <a:rect l="0" t="0" r="0" b="0"/>
             <a:pathLst>
-              <a:path extrusionOk="0" h="120000" w="120000">
+              <a:path w="120000" h="120000" extrusionOk="0">
                 <a:moveTo>
                   <a:pt x="0" y="0"/>
                 </a:moveTo>
@@ -656,23 +777,25 @@
             </a:pathLst>
           </a:custGeom>
           <a:noFill/>
-          <a:ln cap="flat" w="9525">
+          <a:ln w="9525" cap="flat">
             <a:solidFill>
               <a:srgbClr val="000000"/>
             </a:solidFill>
             <a:prstDash val="solid"/>
             <a:round/>
-            <a:headEnd len="med" w="med" type="none"/>
-            <a:tailEnd len="med" w="med" type="none"/>
+            <a:headEnd type="none" w="med" len="med"/>
+            <a:tailEnd type="none" w="med" len="med"/>
           </a:ln>
         </p:spPr>
       </p:sp>
       <p:sp>
         <p:nvSpPr>
           <p:cNvPr id="106" name="Shape 106"/>
-          <p:cNvSpPr txBox="1"/>
+          <p:cNvSpPr txBox="1">
+            <a:spLocks noGrp="1"/>
+          </p:cNvSpPr>
           <p:nvPr>
-            <p:ph idx="1" type="body"/>
+            <p:ph type="body" idx="1"/>
           </p:nvPr>
         </p:nvSpPr>
         <p:spPr>
@@ -685,7 +808,7 @@
           </a:prstGeom>
         </p:spPr>
         <p:txBody>
-          <a:bodyPr anchorCtr="0" anchor="t" bIns="91425" lIns="91425" rIns="91425" tIns="91425">
+          <a:bodyPr lIns="91425" tIns="91425" rIns="91425" bIns="91425" anchor="t" anchorCtr="0">
             <a:noAutofit/>
           </a:bodyPr>
           <a:lstStyle/>
@@ -729,7 +852,7 @@
                 <a:solidFill>
                   <a:schemeClr val="hlink"/>
                 </a:solidFill>
-                <a:hlinkClick r:id="rId2"/>
+                <a:hlinkClick r:id="rId3"/>
               </a:rPr>
               <a:t>https://wiki.unrealengine.com/First_Person_Shooter_C%2B%2B_Tutorial</a:t>
             </a:r>
@@ -745,11 +868,11 @@
 </file>
 
 <file path=ppt/notesSlides/notesSlide12.xml><?xml version="1.0" encoding="utf-8"?>
-<p:notes xmlns:a="http://schemas.openxmlformats.org/drawingml/2006/main" xmlns:r="http://schemas.openxmlformats.org/officeDocument/2006/relationships" xmlns:mc="http://schemas.openxmlformats.org/markup-compatibility/2006" xmlns:mv="urn:schemas-microsoft-com:mac:vml" xmlns:p="http://schemas.openxmlformats.org/presentationml/2006/main" xmlns:c="http://schemas.openxmlformats.org/drawingml/2006/chart" xmlns:dgm="http://schemas.openxmlformats.org/drawingml/2006/diagram" xmlns:o="urn:schemas-microsoft-com:office:office" xmlns:v="urn:schemas-microsoft-com:vml" xmlns:pvml="urn:schemas-microsoft-com:office:powerpoint" xmlns:com="http://schemas.openxmlformats.org/drawingml/2006/compatibility" xmlns:p14="http://schemas.microsoft.com/office/powerpoint/2010/main" showMasterPhAnim="0" showMasterSp="0">
+<p:notes xmlns:a="http://schemas.openxmlformats.org/drawingml/2006/main" xmlns:r="http://schemas.openxmlformats.org/officeDocument/2006/relationships" xmlns:p="http://schemas.openxmlformats.org/presentationml/2006/main" showMasterSp="0" showMasterPhAnim="0">
   <p:cSld>
     <p:spTree>
       <p:nvGrpSpPr>
-        <p:cNvPr id="110" name="Shape 110"/>
+        <p:cNvPr id="1" name="Shape 110"/>
         <p:cNvGrpSpPr/>
         <p:nvPr/>
       </p:nvGrpSpPr>
@@ -764,9 +887,11 @@
       <p:sp>
         <p:nvSpPr>
           <p:cNvPr id="111" name="Shape 111"/>
-          <p:cNvSpPr/>
+          <p:cNvSpPr>
+            <a:spLocks noGrp="1" noRot="1" noChangeAspect="1"/>
+          </p:cNvSpPr>
           <p:nvPr>
-            <p:ph idx="2" type="sldImg"/>
+            <p:ph type="sldImg" idx="2"/>
           </p:nvPr>
         </p:nvSpPr>
         <p:spPr>
@@ -775,8 +900,13 @@
             <a:ext cx="6096299" cy="3429000"/>
           </a:xfrm>
           <a:custGeom>
+            <a:avLst/>
+            <a:gdLst/>
+            <a:ahLst/>
+            <a:cxnLst/>
+            <a:rect l="0" t="0" r="0" b="0"/>
             <a:pathLst>
-              <a:path extrusionOk="0" h="120000" w="120000">
+              <a:path w="120000" h="120000" extrusionOk="0">
                 <a:moveTo>
                   <a:pt x="0" y="0"/>
                 </a:moveTo>
@@ -794,23 +924,25 @@
             </a:pathLst>
           </a:custGeom>
           <a:noFill/>
-          <a:ln cap="flat" w="9525">
+          <a:ln w="9525" cap="flat">
             <a:solidFill>
               <a:srgbClr val="000000"/>
             </a:solidFill>
             <a:prstDash val="solid"/>
             <a:round/>
-            <a:headEnd len="med" w="med" type="none"/>
-            <a:tailEnd len="med" w="med" type="none"/>
+            <a:headEnd type="none" w="med" len="med"/>
+            <a:tailEnd type="none" w="med" len="med"/>
           </a:ln>
         </p:spPr>
       </p:sp>
       <p:sp>
         <p:nvSpPr>
           <p:cNvPr id="112" name="Shape 112"/>
-          <p:cNvSpPr txBox="1"/>
+          <p:cNvSpPr txBox="1">
+            <a:spLocks noGrp="1"/>
+          </p:cNvSpPr>
           <p:nvPr>
-            <p:ph idx="1" type="body"/>
+            <p:ph type="body" idx="1"/>
           </p:nvPr>
         </p:nvSpPr>
         <p:spPr>
@@ -823,7 +955,7 @@
           </a:prstGeom>
         </p:spPr>
         <p:txBody>
-          <a:bodyPr anchorCtr="0" anchor="t" bIns="91425" lIns="91425" rIns="91425" tIns="91425">
+          <a:bodyPr lIns="91425" tIns="91425" rIns="91425" bIns="91425" anchor="t" anchorCtr="0">
             <a:noAutofit/>
           </a:bodyPr>
           <a:lstStyle/>
@@ -863,7 +995,7 @@
                 <a:solidFill>
                   <a:schemeClr val="hlink"/>
                 </a:solidFill>
-                <a:hlinkClick r:id="rId2"/>
+                <a:hlinkClick r:id="rId3"/>
               </a:rPr>
               <a:t>https://docs.unrealengine.com/latest/INT/Programming/QuickStart/2/index.html</a:t>
             </a:r>
@@ -879,11 +1011,11 @@
 </file>
 
 <file path=ppt/notesSlides/notesSlide13.xml><?xml version="1.0" encoding="utf-8"?>
-<p:notes xmlns:a="http://schemas.openxmlformats.org/drawingml/2006/main" xmlns:r="http://schemas.openxmlformats.org/officeDocument/2006/relationships" xmlns:mc="http://schemas.openxmlformats.org/markup-compatibility/2006" xmlns:mv="urn:schemas-microsoft-com:mac:vml" xmlns:p="http://schemas.openxmlformats.org/presentationml/2006/main" xmlns:c="http://schemas.openxmlformats.org/drawingml/2006/chart" xmlns:dgm="http://schemas.openxmlformats.org/drawingml/2006/diagram" xmlns:o="urn:schemas-microsoft-com:office:office" xmlns:v="urn:schemas-microsoft-com:vml" xmlns:pvml="urn:schemas-microsoft-com:office:powerpoint" xmlns:com="http://schemas.openxmlformats.org/drawingml/2006/compatibility" xmlns:p14="http://schemas.microsoft.com/office/powerpoint/2010/main" showMasterPhAnim="0" showMasterSp="0">
+<p:notes xmlns:a="http://schemas.openxmlformats.org/drawingml/2006/main" xmlns:r="http://schemas.openxmlformats.org/officeDocument/2006/relationships" xmlns:p="http://schemas.openxmlformats.org/presentationml/2006/main" showMasterSp="0" showMasterPhAnim="0">
   <p:cSld>
     <p:spTree>
       <p:nvGrpSpPr>
-        <p:cNvPr id="117" name="Shape 117"/>
+        <p:cNvPr id="1" name="Shape 117"/>
         <p:cNvGrpSpPr/>
         <p:nvPr/>
       </p:nvGrpSpPr>
@@ -898,9 +1030,11 @@
       <p:sp>
         <p:nvSpPr>
           <p:cNvPr id="118" name="Shape 118"/>
-          <p:cNvSpPr/>
+          <p:cNvSpPr>
+            <a:spLocks noGrp="1" noRot="1" noChangeAspect="1"/>
+          </p:cNvSpPr>
           <p:nvPr>
-            <p:ph idx="2" type="sldImg"/>
+            <p:ph type="sldImg" idx="2"/>
           </p:nvPr>
         </p:nvSpPr>
         <p:spPr>
@@ -909,8 +1043,13 @@
             <a:ext cx="6096299" cy="3429000"/>
           </a:xfrm>
           <a:custGeom>
+            <a:avLst/>
+            <a:gdLst/>
+            <a:ahLst/>
+            <a:cxnLst/>
+            <a:rect l="0" t="0" r="0" b="0"/>
             <a:pathLst>
-              <a:path extrusionOk="0" h="120000" w="120000">
+              <a:path w="120000" h="120000" extrusionOk="0">
                 <a:moveTo>
                   <a:pt x="0" y="0"/>
                 </a:moveTo>
@@ -928,23 +1067,25 @@
             </a:pathLst>
           </a:custGeom>
           <a:noFill/>
-          <a:ln cap="flat" w="9525">
+          <a:ln w="9525" cap="flat">
             <a:solidFill>
               <a:srgbClr val="000000"/>
             </a:solidFill>
             <a:prstDash val="solid"/>
             <a:round/>
-            <a:headEnd len="med" w="med" type="none"/>
-            <a:tailEnd len="med" w="med" type="none"/>
+            <a:headEnd type="none" w="med" len="med"/>
+            <a:tailEnd type="none" w="med" len="med"/>
           </a:ln>
         </p:spPr>
       </p:sp>
       <p:sp>
         <p:nvSpPr>
           <p:cNvPr id="119" name="Shape 119"/>
-          <p:cNvSpPr txBox="1"/>
+          <p:cNvSpPr txBox="1">
+            <a:spLocks noGrp="1"/>
+          </p:cNvSpPr>
           <p:nvPr>
-            <p:ph idx="1" type="body"/>
+            <p:ph type="body" idx="1"/>
           </p:nvPr>
         </p:nvSpPr>
         <p:spPr>
@@ -957,7 +1098,7 @@
           </a:prstGeom>
         </p:spPr>
         <p:txBody>
-          <a:bodyPr anchorCtr="0" anchor="t" bIns="91425" lIns="91425" rIns="91425" tIns="91425">
+          <a:bodyPr lIns="91425" tIns="91425" rIns="91425" bIns="91425" anchor="t" anchorCtr="0">
             <a:noAutofit/>
           </a:bodyPr>
           <a:lstStyle/>
@@ -1032,11 +1173,11 @@
 </file>
 
 <file path=ppt/notesSlides/notesSlide14.xml><?xml version="1.0" encoding="utf-8"?>
-<p:notes xmlns:a="http://schemas.openxmlformats.org/drawingml/2006/main" xmlns:r="http://schemas.openxmlformats.org/officeDocument/2006/relationships" xmlns:mc="http://schemas.openxmlformats.org/markup-compatibility/2006" xmlns:mv="urn:schemas-microsoft-com:mac:vml" xmlns:p="http://schemas.openxmlformats.org/presentationml/2006/main" xmlns:c="http://schemas.openxmlformats.org/drawingml/2006/chart" xmlns:dgm="http://schemas.openxmlformats.org/drawingml/2006/diagram" xmlns:o="urn:schemas-microsoft-com:office:office" xmlns:v="urn:schemas-microsoft-com:vml" xmlns:pvml="urn:schemas-microsoft-com:office:powerpoint" xmlns:com="http://schemas.openxmlformats.org/drawingml/2006/compatibility" xmlns:p14="http://schemas.microsoft.com/office/powerpoint/2010/main" showMasterPhAnim="0" showMasterSp="0">
+<p:notes xmlns:a="http://schemas.openxmlformats.org/drawingml/2006/main" xmlns:r="http://schemas.openxmlformats.org/officeDocument/2006/relationships" xmlns:p="http://schemas.openxmlformats.org/presentationml/2006/main" showMasterSp="0" showMasterPhAnim="0">
   <p:cSld>
     <p:spTree>
       <p:nvGrpSpPr>
-        <p:cNvPr id="124" name="Shape 124"/>
+        <p:cNvPr id="1" name="Shape 124"/>
         <p:cNvGrpSpPr/>
         <p:nvPr/>
       </p:nvGrpSpPr>
@@ -1051,9 +1192,11 @@
       <p:sp>
         <p:nvSpPr>
           <p:cNvPr id="125" name="Shape 125"/>
-          <p:cNvSpPr/>
+          <p:cNvSpPr>
+            <a:spLocks noGrp="1" noRot="1" noChangeAspect="1"/>
+          </p:cNvSpPr>
           <p:nvPr>
-            <p:ph idx="2" type="sldImg"/>
+            <p:ph type="sldImg" idx="2"/>
           </p:nvPr>
         </p:nvSpPr>
         <p:spPr>
@@ -1062,8 +1205,13 @@
             <a:ext cx="6096299" cy="3429000"/>
           </a:xfrm>
           <a:custGeom>
+            <a:avLst/>
+            <a:gdLst/>
+            <a:ahLst/>
+            <a:cxnLst/>
+            <a:rect l="0" t="0" r="0" b="0"/>
             <a:pathLst>
-              <a:path extrusionOk="0" h="120000" w="120000">
+              <a:path w="120000" h="120000" extrusionOk="0">
                 <a:moveTo>
                   <a:pt x="0" y="0"/>
                 </a:moveTo>
@@ -1081,23 +1229,25 @@
             </a:pathLst>
           </a:custGeom>
           <a:noFill/>
-          <a:ln cap="flat" w="9525">
+          <a:ln w="9525" cap="flat">
             <a:solidFill>
               <a:srgbClr val="000000"/>
             </a:solidFill>
             <a:prstDash val="solid"/>
             <a:round/>
-            <a:headEnd len="med" w="med" type="none"/>
-            <a:tailEnd len="med" w="med" type="none"/>
+            <a:headEnd type="none" w="med" len="med"/>
+            <a:tailEnd type="none" w="med" len="med"/>
           </a:ln>
         </p:spPr>
       </p:sp>
       <p:sp>
         <p:nvSpPr>
           <p:cNvPr id="126" name="Shape 126"/>
-          <p:cNvSpPr txBox="1"/>
+          <p:cNvSpPr txBox="1">
+            <a:spLocks noGrp="1"/>
+          </p:cNvSpPr>
           <p:nvPr>
-            <p:ph idx="1" type="body"/>
+            <p:ph type="body" idx="1"/>
           </p:nvPr>
         </p:nvSpPr>
         <p:spPr>
@@ -1110,7 +1260,7 @@
           </a:prstGeom>
         </p:spPr>
         <p:txBody>
-          <a:bodyPr anchorCtr="0" anchor="t" bIns="91425" lIns="91425" rIns="91425" tIns="91425">
+          <a:bodyPr lIns="91425" tIns="91425" rIns="91425" bIns="91425" anchor="t" anchorCtr="0">
             <a:noAutofit/>
           </a:bodyPr>
           <a:lstStyle/>
@@ -1161,11 +1311,11 @@
 </file>
 
 <file path=ppt/notesSlides/notesSlide15.xml><?xml version="1.0" encoding="utf-8"?>
-<p:notes xmlns:a="http://schemas.openxmlformats.org/drawingml/2006/main" xmlns:r="http://schemas.openxmlformats.org/officeDocument/2006/relationships" xmlns:mc="http://schemas.openxmlformats.org/markup-compatibility/2006" xmlns:mv="urn:schemas-microsoft-com:mac:vml" xmlns:p="http://schemas.openxmlformats.org/presentationml/2006/main" xmlns:c="http://schemas.openxmlformats.org/drawingml/2006/chart" xmlns:dgm="http://schemas.openxmlformats.org/drawingml/2006/diagram" xmlns:o="urn:schemas-microsoft-com:office:office" xmlns:v="urn:schemas-microsoft-com:vml" xmlns:pvml="urn:schemas-microsoft-com:office:powerpoint" xmlns:com="http://schemas.openxmlformats.org/drawingml/2006/compatibility" xmlns:p14="http://schemas.microsoft.com/office/powerpoint/2010/main" showMasterPhAnim="0" showMasterSp="0">
+<p:notes xmlns:a="http://schemas.openxmlformats.org/drawingml/2006/main" xmlns:r="http://schemas.openxmlformats.org/officeDocument/2006/relationships" xmlns:p="http://schemas.openxmlformats.org/presentationml/2006/main" showMasterSp="0" showMasterPhAnim="0">
   <p:cSld>
     <p:spTree>
       <p:nvGrpSpPr>
-        <p:cNvPr id="130" name="Shape 130"/>
+        <p:cNvPr id="1" name="Shape 130"/>
         <p:cNvGrpSpPr/>
         <p:nvPr/>
       </p:nvGrpSpPr>
@@ -1180,9 +1330,11 @@
       <p:sp>
         <p:nvSpPr>
           <p:cNvPr id="131" name="Shape 131"/>
-          <p:cNvSpPr/>
+          <p:cNvSpPr>
+            <a:spLocks noGrp="1" noRot="1" noChangeAspect="1"/>
+          </p:cNvSpPr>
           <p:nvPr>
-            <p:ph idx="2" type="sldImg"/>
+            <p:ph type="sldImg" idx="2"/>
           </p:nvPr>
         </p:nvSpPr>
         <p:spPr>
@@ -1191,8 +1343,13 @@
             <a:ext cx="6096299" cy="3429000"/>
           </a:xfrm>
           <a:custGeom>
+            <a:avLst/>
+            <a:gdLst/>
+            <a:ahLst/>
+            <a:cxnLst/>
+            <a:rect l="0" t="0" r="0" b="0"/>
             <a:pathLst>
-              <a:path extrusionOk="0" h="120000" w="120000">
+              <a:path w="120000" h="120000" extrusionOk="0">
                 <a:moveTo>
                   <a:pt x="0" y="0"/>
                 </a:moveTo>
@@ -1210,23 +1367,25 @@
             </a:pathLst>
           </a:custGeom>
           <a:noFill/>
-          <a:ln cap="flat" w="9525">
+          <a:ln w="9525" cap="flat">
             <a:solidFill>
               <a:srgbClr val="000000"/>
             </a:solidFill>
             <a:prstDash val="solid"/>
             <a:round/>
-            <a:headEnd len="med" w="med" type="none"/>
-            <a:tailEnd len="med" w="med" type="none"/>
+            <a:headEnd type="none" w="med" len="med"/>
+            <a:tailEnd type="none" w="med" len="med"/>
           </a:ln>
         </p:spPr>
       </p:sp>
       <p:sp>
         <p:nvSpPr>
           <p:cNvPr id="132" name="Shape 132"/>
-          <p:cNvSpPr txBox="1"/>
+          <p:cNvSpPr txBox="1">
+            <a:spLocks noGrp="1"/>
+          </p:cNvSpPr>
           <p:nvPr>
-            <p:ph idx="1" type="body"/>
+            <p:ph type="body" idx="1"/>
           </p:nvPr>
         </p:nvSpPr>
         <p:spPr>
@@ -1239,7 +1398,7 @@
           </a:prstGeom>
         </p:spPr>
         <p:txBody>
-          <a:bodyPr anchorCtr="0" anchor="t" bIns="91425" lIns="91425" rIns="91425" tIns="91425">
+          <a:bodyPr lIns="91425" tIns="91425" rIns="91425" bIns="91425" anchor="t" anchorCtr="0">
             <a:noAutofit/>
           </a:bodyPr>
           <a:lstStyle/>
@@ -1266,11 +1425,11 @@
 </file>
 
 <file path=ppt/notesSlides/notesSlide16.xml><?xml version="1.0" encoding="utf-8"?>
-<p:notes xmlns:a="http://schemas.openxmlformats.org/drawingml/2006/main" xmlns:r="http://schemas.openxmlformats.org/officeDocument/2006/relationships" xmlns:mc="http://schemas.openxmlformats.org/markup-compatibility/2006" xmlns:mv="urn:schemas-microsoft-com:mac:vml" xmlns:p="http://schemas.openxmlformats.org/presentationml/2006/main" xmlns:c="http://schemas.openxmlformats.org/drawingml/2006/chart" xmlns:dgm="http://schemas.openxmlformats.org/drawingml/2006/diagram" xmlns:o="urn:schemas-microsoft-com:office:office" xmlns:v="urn:schemas-microsoft-com:vml" xmlns:pvml="urn:schemas-microsoft-com:office:powerpoint" xmlns:com="http://schemas.openxmlformats.org/drawingml/2006/compatibility" xmlns:p14="http://schemas.microsoft.com/office/powerpoint/2010/main" showMasterPhAnim="0" showMasterSp="0">
+<p:notes xmlns:a="http://schemas.openxmlformats.org/drawingml/2006/main" xmlns:r="http://schemas.openxmlformats.org/officeDocument/2006/relationships" xmlns:p="http://schemas.openxmlformats.org/presentationml/2006/main" showMasterSp="0" showMasterPhAnim="0">
   <p:cSld>
     <p:spTree>
       <p:nvGrpSpPr>
-        <p:cNvPr id="136" name="Shape 136"/>
+        <p:cNvPr id="1" name="Shape 136"/>
         <p:cNvGrpSpPr/>
         <p:nvPr/>
       </p:nvGrpSpPr>
@@ -1285,9 +1444,11 @@
       <p:sp>
         <p:nvSpPr>
           <p:cNvPr id="137" name="Shape 137"/>
-          <p:cNvSpPr/>
+          <p:cNvSpPr>
+            <a:spLocks noGrp="1" noRot="1" noChangeAspect="1"/>
+          </p:cNvSpPr>
           <p:nvPr>
-            <p:ph idx="2" type="sldImg"/>
+            <p:ph type="sldImg" idx="2"/>
           </p:nvPr>
         </p:nvSpPr>
         <p:spPr>
@@ -1296,8 +1457,13 @@
             <a:ext cx="6096299" cy="3429000"/>
           </a:xfrm>
           <a:custGeom>
+            <a:avLst/>
+            <a:gdLst/>
+            <a:ahLst/>
+            <a:cxnLst/>
+            <a:rect l="0" t="0" r="0" b="0"/>
             <a:pathLst>
-              <a:path extrusionOk="0" h="120000" w="120000">
+              <a:path w="120000" h="120000" extrusionOk="0">
                 <a:moveTo>
                   <a:pt x="0" y="0"/>
                 </a:moveTo>
@@ -1315,23 +1481,25 @@
             </a:pathLst>
           </a:custGeom>
           <a:noFill/>
-          <a:ln cap="flat" w="9525">
+          <a:ln w="9525" cap="flat">
             <a:solidFill>
               <a:srgbClr val="000000"/>
             </a:solidFill>
             <a:prstDash val="solid"/>
             <a:round/>
-            <a:headEnd len="med" w="med" type="none"/>
-            <a:tailEnd len="med" w="med" type="none"/>
+            <a:headEnd type="none" w="med" len="med"/>
+            <a:tailEnd type="none" w="med" len="med"/>
           </a:ln>
         </p:spPr>
       </p:sp>
       <p:sp>
         <p:nvSpPr>
           <p:cNvPr id="138" name="Shape 138"/>
-          <p:cNvSpPr txBox="1"/>
+          <p:cNvSpPr txBox="1">
+            <a:spLocks noGrp="1"/>
+          </p:cNvSpPr>
           <p:nvPr>
-            <p:ph idx="1" type="body"/>
+            <p:ph type="body" idx="1"/>
           </p:nvPr>
         </p:nvSpPr>
         <p:spPr>
@@ -1344,7 +1512,7 @@
           </a:prstGeom>
         </p:spPr>
         <p:txBody>
-          <a:bodyPr anchorCtr="0" anchor="t" bIns="91425" lIns="91425" rIns="91425" tIns="91425">
+          <a:bodyPr lIns="91425" tIns="91425" rIns="91425" bIns="91425" anchor="t" anchorCtr="0">
             <a:noAutofit/>
           </a:bodyPr>
           <a:lstStyle/>
@@ -1355,9 +1523,6 @@
               </a:spcBef>
               <a:buNone/>
             </a:pPr>
-            <a:r>
-              <a:t/>
-            </a:r>
             <a:endParaRPr/>
           </a:p>
         </p:txBody>
@@ -1371,11 +1536,11 @@
 </file>
 
 <file path=ppt/notesSlides/notesSlide17.xml><?xml version="1.0" encoding="utf-8"?>
-<p:notes xmlns:a="http://schemas.openxmlformats.org/drawingml/2006/main" xmlns:r="http://schemas.openxmlformats.org/officeDocument/2006/relationships" xmlns:mc="http://schemas.openxmlformats.org/markup-compatibility/2006" xmlns:mv="urn:schemas-microsoft-com:mac:vml" xmlns:p="http://schemas.openxmlformats.org/presentationml/2006/main" xmlns:c="http://schemas.openxmlformats.org/drawingml/2006/chart" xmlns:dgm="http://schemas.openxmlformats.org/drawingml/2006/diagram" xmlns:o="urn:schemas-microsoft-com:office:office" xmlns:v="urn:schemas-microsoft-com:vml" xmlns:pvml="urn:schemas-microsoft-com:office:powerpoint" xmlns:com="http://schemas.openxmlformats.org/drawingml/2006/compatibility" xmlns:p14="http://schemas.microsoft.com/office/powerpoint/2010/main" showMasterPhAnim="0" showMasterSp="0">
+<p:notes xmlns:a="http://schemas.openxmlformats.org/drawingml/2006/main" xmlns:r="http://schemas.openxmlformats.org/officeDocument/2006/relationships" xmlns:p="http://schemas.openxmlformats.org/presentationml/2006/main" showMasterSp="0" showMasterPhAnim="0">
   <p:cSld>
     <p:spTree>
       <p:nvGrpSpPr>
-        <p:cNvPr id="142" name="Shape 142"/>
+        <p:cNvPr id="1" name="Shape 142"/>
         <p:cNvGrpSpPr/>
         <p:nvPr/>
       </p:nvGrpSpPr>
@@ -1390,9 +1555,11 @@
       <p:sp>
         <p:nvSpPr>
           <p:cNvPr id="143" name="Shape 143"/>
-          <p:cNvSpPr/>
+          <p:cNvSpPr>
+            <a:spLocks noGrp="1" noRot="1" noChangeAspect="1"/>
+          </p:cNvSpPr>
           <p:nvPr>
-            <p:ph idx="2" type="sldImg"/>
+            <p:ph type="sldImg" idx="2"/>
           </p:nvPr>
         </p:nvSpPr>
         <p:spPr>
@@ -1401,8 +1568,13 @@
             <a:ext cx="6096299" cy="3429000"/>
           </a:xfrm>
           <a:custGeom>
+            <a:avLst/>
+            <a:gdLst/>
+            <a:ahLst/>
+            <a:cxnLst/>
+            <a:rect l="0" t="0" r="0" b="0"/>
             <a:pathLst>
-              <a:path extrusionOk="0" h="120000" w="120000">
+              <a:path w="120000" h="120000" extrusionOk="0">
                 <a:moveTo>
                   <a:pt x="0" y="0"/>
                 </a:moveTo>
@@ -1420,23 +1592,25 @@
             </a:pathLst>
           </a:custGeom>
           <a:noFill/>
-          <a:ln cap="flat" w="9525">
+          <a:ln w="9525" cap="flat">
             <a:solidFill>
               <a:srgbClr val="000000"/>
             </a:solidFill>
             <a:prstDash val="solid"/>
             <a:round/>
-            <a:headEnd len="med" w="med" type="none"/>
-            <a:tailEnd len="med" w="med" type="none"/>
+            <a:headEnd type="none" w="med" len="med"/>
+            <a:tailEnd type="none" w="med" len="med"/>
           </a:ln>
         </p:spPr>
       </p:sp>
       <p:sp>
         <p:nvSpPr>
           <p:cNvPr id="144" name="Shape 144"/>
-          <p:cNvSpPr txBox="1"/>
+          <p:cNvSpPr txBox="1">
+            <a:spLocks noGrp="1"/>
+          </p:cNvSpPr>
           <p:nvPr>
-            <p:ph idx="1" type="body"/>
+            <p:ph type="body" idx="1"/>
           </p:nvPr>
         </p:nvSpPr>
         <p:spPr>
@@ -1449,7 +1623,7 @@
           </a:prstGeom>
         </p:spPr>
         <p:txBody>
-          <a:bodyPr anchorCtr="0" anchor="t" bIns="91425" lIns="91425" rIns="91425" tIns="91425">
+          <a:bodyPr lIns="91425" tIns="91425" rIns="91425" bIns="91425" anchor="t" anchorCtr="0">
             <a:noAutofit/>
           </a:bodyPr>
           <a:lstStyle/>
@@ -1463,23 +1637,6 @@
             <a:r>
               <a:rPr lang="en"/>
               <a:t>Interesting parts:</a:t>
-            </a:r>
-          </a:p>
-          <a:p>
-            <a:pPr rtl="0">
-              <a:spcBef>
-                <a:spcPts val="0"/>
-              </a:spcBef>
-              <a:buNone/>
-            </a:pPr>
-            <a:r>
-              <a:rPr lang="en" u="sng">
-                <a:solidFill>
-                  <a:schemeClr val="hlink"/>
-                </a:solidFill>
-                <a:hlinkClick r:id="rId2"/>
-              </a:rPr>
-              <a:t>https://docs.unrealengine.com/latest/INT/Programming/UnrealArchitecture/StringHandling/index.html</a:t>
             </a:r>
           </a:p>
           <a:p>
@@ -1496,6 +1653,23 @@
                 </a:solidFill>
                 <a:hlinkClick r:id="rId3"/>
               </a:rPr>
+              <a:t>https://docs.unrealengine.com/latest/INT/Programming/UnrealArchitecture/StringHandling/index.html</a:t>
+            </a:r>
+          </a:p>
+          <a:p>
+            <a:pPr rtl="0">
+              <a:spcBef>
+                <a:spcPts val="0"/>
+              </a:spcBef>
+              <a:buNone/>
+            </a:pPr>
+            <a:r>
+              <a:rPr lang="en" u="sng">
+                <a:solidFill>
+                  <a:schemeClr val="hlink"/>
+                </a:solidFill>
+                <a:hlinkClick r:id="rId4"/>
+              </a:rPr>
               <a:t>https://docs.unrealengine.com/latest/INT/Programming/UnrealArchitecture/SmartPointerLibrary/index.html</a:t>
             </a:r>
           </a:p>
@@ -1506,9 +1680,6 @@
               </a:spcBef>
               <a:buNone/>
             </a:pPr>
-            <a:r>
-              <a:t/>
-            </a:r>
             <a:endParaRPr/>
           </a:p>
         </p:txBody>
@@ -1522,11 +1693,11 @@
 </file>
 
 <file path=ppt/notesSlides/notesSlide18.xml><?xml version="1.0" encoding="utf-8"?>
-<p:notes xmlns:a="http://schemas.openxmlformats.org/drawingml/2006/main" xmlns:r="http://schemas.openxmlformats.org/officeDocument/2006/relationships" xmlns:mc="http://schemas.openxmlformats.org/markup-compatibility/2006" xmlns:mv="urn:schemas-microsoft-com:mac:vml" xmlns:p="http://schemas.openxmlformats.org/presentationml/2006/main" xmlns:c="http://schemas.openxmlformats.org/drawingml/2006/chart" xmlns:dgm="http://schemas.openxmlformats.org/drawingml/2006/diagram" xmlns:o="urn:schemas-microsoft-com:office:office" xmlns:v="urn:schemas-microsoft-com:vml" xmlns:pvml="urn:schemas-microsoft-com:office:powerpoint" xmlns:com="http://schemas.openxmlformats.org/drawingml/2006/compatibility" xmlns:p14="http://schemas.microsoft.com/office/powerpoint/2010/main" showMasterPhAnim="0" showMasterSp="0">
+<p:notes xmlns:a="http://schemas.openxmlformats.org/drawingml/2006/main" xmlns:r="http://schemas.openxmlformats.org/officeDocument/2006/relationships" xmlns:p="http://schemas.openxmlformats.org/presentationml/2006/main" showMasterSp="0" showMasterPhAnim="0">
   <p:cSld>
     <p:spTree>
       <p:nvGrpSpPr>
-        <p:cNvPr id="148" name="Shape 148"/>
+        <p:cNvPr id="1" name="Shape 148"/>
         <p:cNvGrpSpPr/>
         <p:nvPr/>
       </p:nvGrpSpPr>
@@ -1541,9 +1712,11 @@
       <p:sp>
         <p:nvSpPr>
           <p:cNvPr id="149" name="Shape 149"/>
-          <p:cNvSpPr/>
+          <p:cNvSpPr>
+            <a:spLocks noGrp="1" noRot="1" noChangeAspect="1"/>
+          </p:cNvSpPr>
           <p:nvPr>
-            <p:ph idx="2" type="sldImg"/>
+            <p:ph type="sldImg" idx="2"/>
           </p:nvPr>
         </p:nvSpPr>
         <p:spPr>
@@ -1552,8 +1725,13 @@
             <a:ext cx="6096299" cy="3429000"/>
           </a:xfrm>
           <a:custGeom>
+            <a:avLst/>
+            <a:gdLst/>
+            <a:ahLst/>
+            <a:cxnLst/>
+            <a:rect l="0" t="0" r="0" b="0"/>
             <a:pathLst>
-              <a:path extrusionOk="0" h="120000" w="120000">
+              <a:path w="120000" h="120000" extrusionOk="0">
                 <a:moveTo>
                   <a:pt x="0" y="0"/>
                 </a:moveTo>
@@ -1571,23 +1749,25 @@
             </a:pathLst>
           </a:custGeom>
           <a:noFill/>
-          <a:ln cap="flat" w="9525">
+          <a:ln w="9525" cap="flat">
             <a:solidFill>
               <a:srgbClr val="000000"/>
             </a:solidFill>
             <a:prstDash val="solid"/>
             <a:round/>
-            <a:headEnd len="med" w="med" type="none"/>
-            <a:tailEnd len="med" w="med" type="none"/>
+            <a:headEnd type="none" w="med" len="med"/>
+            <a:tailEnd type="none" w="med" len="med"/>
           </a:ln>
         </p:spPr>
       </p:sp>
       <p:sp>
         <p:nvSpPr>
           <p:cNvPr id="150" name="Shape 150"/>
-          <p:cNvSpPr txBox="1"/>
+          <p:cNvSpPr txBox="1">
+            <a:spLocks noGrp="1"/>
+          </p:cNvSpPr>
           <p:nvPr>
-            <p:ph idx="1" type="body"/>
+            <p:ph type="body" idx="1"/>
           </p:nvPr>
         </p:nvSpPr>
         <p:spPr>
@@ -1600,7 +1780,7 @@
           </a:prstGeom>
         </p:spPr>
         <p:txBody>
-          <a:bodyPr anchorCtr="0" anchor="t" bIns="91425" lIns="91425" rIns="91425" tIns="91425">
+          <a:bodyPr lIns="91425" tIns="91425" rIns="91425" bIns="91425" anchor="t" anchorCtr="0">
             <a:noAutofit/>
           </a:bodyPr>
           <a:lstStyle/>
@@ -1611,9 +1791,6 @@
               </a:spcBef>
               <a:buNone/>
             </a:pPr>
-            <a:r>
-              <a:t/>
-            </a:r>
             <a:endParaRPr/>
           </a:p>
         </p:txBody>
@@ -1627,11 +1804,11 @@
 </file>
 
 <file path=ppt/notesSlides/notesSlide19.xml><?xml version="1.0" encoding="utf-8"?>
-<p:notes xmlns:a="http://schemas.openxmlformats.org/drawingml/2006/main" xmlns:r="http://schemas.openxmlformats.org/officeDocument/2006/relationships" xmlns:mc="http://schemas.openxmlformats.org/markup-compatibility/2006" xmlns:mv="urn:schemas-microsoft-com:mac:vml" xmlns:p="http://schemas.openxmlformats.org/presentationml/2006/main" xmlns:c="http://schemas.openxmlformats.org/drawingml/2006/chart" xmlns:dgm="http://schemas.openxmlformats.org/drawingml/2006/diagram" xmlns:o="urn:schemas-microsoft-com:office:office" xmlns:v="urn:schemas-microsoft-com:vml" xmlns:pvml="urn:schemas-microsoft-com:office:powerpoint" xmlns:com="http://schemas.openxmlformats.org/drawingml/2006/compatibility" xmlns:p14="http://schemas.microsoft.com/office/powerpoint/2010/main" showMasterPhAnim="0" showMasterSp="0">
+<p:notes xmlns:a="http://schemas.openxmlformats.org/drawingml/2006/main" xmlns:r="http://schemas.openxmlformats.org/officeDocument/2006/relationships" xmlns:p="http://schemas.openxmlformats.org/presentationml/2006/main" showMasterSp="0" showMasterPhAnim="0">
   <p:cSld>
     <p:spTree>
       <p:nvGrpSpPr>
-        <p:cNvPr id="154" name="Shape 154"/>
+        <p:cNvPr id="1" name="Shape 154"/>
         <p:cNvGrpSpPr/>
         <p:nvPr/>
       </p:nvGrpSpPr>
@@ -1646,19 +1823,26 @@
       <p:sp>
         <p:nvSpPr>
           <p:cNvPr id="155" name="Shape 155"/>
-          <p:cNvSpPr/>
+          <p:cNvSpPr>
+            <a:spLocks noGrp="1" noRot="1" noChangeAspect="1"/>
+          </p:cNvSpPr>
           <p:nvPr>
-            <p:ph idx="2" type="sldImg"/>
+            <p:ph type="sldImg" idx="2"/>
           </p:nvPr>
         </p:nvSpPr>
         <p:spPr>
           <a:xfrm>
-            <a:off x="381187" y="685800"/>
-            <a:ext cx="6096299" cy="3429000"/>
+            <a:off x="381000" y="685800"/>
+            <a:ext cx="6096000" cy="3429000"/>
           </a:xfrm>
           <a:custGeom>
+            <a:avLst/>
+            <a:gdLst/>
+            <a:ahLst/>
+            <a:cxnLst/>
+            <a:rect l="0" t="0" r="0" b="0"/>
             <a:pathLst>
-              <a:path extrusionOk="0" h="120000" w="120000">
+              <a:path w="120000" h="120000" extrusionOk="0">
                 <a:moveTo>
                   <a:pt x="0" y="0"/>
                 </a:moveTo>
@@ -1676,23 +1860,25 @@
             </a:pathLst>
           </a:custGeom>
           <a:noFill/>
-          <a:ln cap="flat" w="9525">
+          <a:ln w="9525" cap="flat">
             <a:solidFill>
               <a:srgbClr val="000000"/>
             </a:solidFill>
             <a:prstDash val="solid"/>
             <a:round/>
-            <a:headEnd len="med" w="med" type="none"/>
-            <a:tailEnd len="med" w="med" type="none"/>
+            <a:headEnd type="none" w="med" len="med"/>
+            <a:tailEnd type="none" w="med" len="med"/>
           </a:ln>
         </p:spPr>
       </p:sp>
       <p:sp>
         <p:nvSpPr>
           <p:cNvPr id="156" name="Shape 156"/>
-          <p:cNvSpPr txBox="1"/>
+          <p:cNvSpPr txBox="1">
+            <a:spLocks noGrp="1"/>
+          </p:cNvSpPr>
           <p:nvPr>
-            <p:ph idx="1" type="body"/>
+            <p:ph type="body" idx="1"/>
           </p:nvPr>
         </p:nvSpPr>
         <p:spPr>
@@ -1705,7 +1891,7 @@
           </a:prstGeom>
         </p:spPr>
         <p:txBody>
-          <a:bodyPr anchorCtr="0" anchor="t" bIns="91425" lIns="91425" rIns="91425" tIns="91425">
+          <a:bodyPr lIns="91425" tIns="91425" rIns="91425" bIns="91425" anchor="t" anchorCtr="0">
             <a:noAutofit/>
           </a:bodyPr>
           <a:lstStyle/>
@@ -1716,9 +1902,6 @@
               </a:spcBef>
               <a:buNone/>
             </a:pPr>
-            <a:r>
-              <a:t/>
-            </a:r>
             <a:endParaRPr/>
           </a:p>
         </p:txBody>
@@ -1732,11 +1915,11 @@
 </file>
 
 <file path=ppt/notesSlides/notesSlide2.xml><?xml version="1.0" encoding="utf-8"?>
-<p:notes xmlns:a="http://schemas.openxmlformats.org/drawingml/2006/main" xmlns:r="http://schemas.openxmlformats.org/officeDocument/2006/relationships" xmlns:mc="http://schemas.openxmlformats.org/markup-compatibility/2006" xmlns:mv="urn:schemas-microsoft-com:mac:vml" xmlns:p="http://schemas.openxmlformats.org/presentationml/2006/main" xmlns:c="http://schemas.openxmlformats.org/drawingml/2006/chart" xmlns:dgm="http://schemas.openxmlformats.org/drawingml/2006/diagram" xmlns:o="urn:schemas-microsoft-com:office:office" xmlns:v="urn:schemas-microsoft-com:vml" xmlns:pvml="urn:schemas-microsoft-com:office:powerpoint" xmlns:com="http://schemas.openxmlformats.org/drawingml/2006/compatibility" xmlns:p14="http://schemas.microsoft.com/office/powerpoint/2010/main" showMasterPhAnim="0" showMasterSp="0">
+<p:notes xmlns:a="http://schemas.openxmlformats.org/drawingml/2006/main" xmlns:r="http://schemas.openxmlformats.org/officeDocument/2006/relationships" xmlns:p="http://schemas.openxmlformats.org/presentationml/2006/main" showMasterSp="0" showMasterPhAnim="0">
   <p:cSld>
     <p:spTree>
       <p:nvGrpSpPr>
-        <p:cNvPr id="48" name="Shape 48"/>
+        <p:cNvPr id="1" name="Shape 48"/>
         <p:cNvGrpSpPr/>
         <p:nvPr/>
       </p:nvGrpSpPr>
@@ -1751,9 +1934,11 @@
       <p:sp>
         <p:nvSpPr>
           <p:cNvPr id="49" name="Shape 49"/>
-          <p:cNvSpPr/>
+          <p:cNvSpPr>
+            <a:spLocks noGrp="1" noRot="1" noChangeAspect="1"/>
+          </p:cNvSpPr>
           <p:nvPr>
-            <p:ph idx="2" type="sldImg"/>
+            <p:ph type="sldImg" idx="2"/>
           </p:nvPr>
         </p:nvSpPr>
         <p:spPr>
@@ -1762,8 +1947,13 @@
             <a:ext cx="6096299" cy="3429000"/>
           </a:xfrm>
           <a:custGeom>
+            <a:avLst/>
+            <a:gdLst/>
+            <a:ahLst/>
+            <a:cxnLst/>
+            <a:rect l="0" t="0" r="0" b="0"/>
             <a:pathLst>
-              <a:path extrusionOk="0" h="120000" w="120000">
+              <a:path w="120000" h="120000" extrusionOk="0">
                 <a:moveTo>
                   <a:pt x="0" y="0"/>
                 </a:moveTo>
@@ -1781,23 +1971,25 @@
             </a:pathLst>
           </a:custGeom>
           <a:noFill/>
-          <a:ln cap="flat" w="9525">
+          <a:ln w="9525" cap="flat">
             <a:solidFill>
               <a:srgbClr val="000000"/>
             </a:solidFill>
             <a:prstDash val="solid"/>
             <a:round/>
-            <a:headEnd len="med" w="med" type="none"/>
-            <a:tailEnd len="med" w="med" type="none"/>
+            <a:headEnd type="none" w="med" len="med"/>
+            <a:tailEnd type="none" w="med" len="med"/>
           </a:ln>
         </p:spPr>
       </p:sp>
       <p:sp>
         <p:nvSpPr>
           <p:cNvPr id="50" name="Shape 50"/>
-          <p:cNvSpPr txBox="1"/>
+          <p:cNvSpPr txBox="1">
+            <a:spLocks noGrp="1"/>
+          </p:cNvSpPr>
           <p:nvPr>
-            <p:ph idx="1" type="body"/>
+            <p:ph type="body" idx="1"/>
           </p:nvPr>
         </p:nvSpPr>
         <p:spPr>
@@ -1810,7 +2002,7 @@
           </a:prstGeom>
         </p:spPr>
         <p:txBody>
-          <a:bodyPr anchorCtr="0" anchor="t" bIns="91425" lIns="91425" rIns="91425" tIns="91425">
+          <a:bodyPr lIns="91425" tIns="91425" rIns="91425" bIns="91425" anchor="t" anchorCtr="0">
             <a:noAutofit/>
           </a:bodyPr>
           <a:lstStyle/>
@@ -1837,11 +2029,11 @@
 </file>
 
 <file path=ppt/notesSlides/notesSlide20.xml><?xml version="1.0" encoding="utf-8"?>
-<p:notes xmlns:a="http://schemas.openxmlformats.org/drawingml/2006/main" xmlns:r="http://schemas.openxmlformats.org/officeDocument/2006/relationships" xmlns:mc="http://schemas.openxmlformats.org/markup-compatibility/2006" xmlns:mv="urn:schemas-microsoft-com:mac:vml" xmlns:p="http://schemas.openxmlformats.org/presentationml/2006/main" xmlns:c="http://schemas.openxmlformats.org/drawingml/2006/chart" xmlns:dgm="http://schemas.openxmlformats.org/drawingml/2006/diagram" xmlns:o="urn:schemas-microsoft-com:office:office" xmlns:v="urn:schemas-microsoft-com:vml" xmlns:pvml="urn:schemas-microsoft-com:office:powerpoint" xmlns:com="http://schemas.openxmlformats.org/drawingml/2006/compatibility" xmlns:p14="http://schemas.microsoft.com/office/powerpoint/2010/main" showMasterPhAnim="0" showMasterSp="0">
+<p:notes xmlns:a="http://schemas.openxmlformats.org/drawingml/2006/main" xmlns:r="http://schemas.openxmlformats.org/officeDocument/2006/relationships" xmlns:p="http://schemas.openxmlformats.org/presentationml/2006/main" showMasterSp="0" showMasterPhAnim="0">
   <p:cSld>
     <p:spTree>
       <p:nvGrpSpPr>
-        <p:cNvPr id="160" name="Shape 160"/>
+        <p:cNvPr id="1" name="Shape 160"/>
         <p:cNvGrpSpPr/>
         <p:nvPr/>
       </p:nvGrpSpPr>
@@ -1856,9 +2048,11 @@
       <p:sp>
         <p:nvSpPr>
           <p:cNvPr id="161" name="Shape 161"/>
-          <p:cNvSpPr/>
+          <p:cNvSpPr>
+            <a:spLocks noGrp="1" noRot="1" noChangeAspect="1"/>
+          </p:cNvSpPr>
           <p:nvPr>
-            <p:ph idx="2" type="sldImg"/>
+            <p:ph type="sldImg" idx="2"/>
           </p:nvPr>
         </p:nvSpPr>
         <p:spPr>
@@ -1867,8 +2061,13 @@
             <a:ext cx="6096299" cy="3429000"/>
           </a:xfrm>
           <a:custGeom>
+            <a:avLst/>
+            <a:gdLst/>
+            <a:ahLst/>
+            <a:cxnLst/>
+            <a:rect l="0" t="0" r="0" b="0"/>
             <a:pathLst>
-              <a:path extrusionOk="0" h="120000" w="120000">
+              <a:path w="120000" h="120000" extrusionOk="0">
                 <a:moveTo>
                   <a:pt x="0" y="0"/>
                 </a:moveTo>
@@ -1886,23 +2085,25 @@
             </a:pathLst>
           </a:custGeom>
           <a:noFill/>
-          <a:ln cap="flat" w="9525">
+          <a:ln w="9525" cap="flat">
             <a:solidFill>
               <a:srgbClr val="000000"/>
             </a:solidFill>
             <a:prstDash val="solid"/>
             <a:round/>
-            <a:headEnd len="med" w="med" type="none"/>
-            <a:tailEnd len="med" w="med" type="none"/>
+            <a:headEnd type="none" w="med" len="med"/>
+            <a:tailEnd type="none" w="med" len="med"/>
           </a:ln>
         </p:spPr>
       </p:sp>
       <p:sp>
         <p:nvSpPr>
           <p:cNvPr id="162" name="Shape 162"/>
-          <p:cNvSpPr txBox="1"/>
+          <p:cNvSpPr txBox="1">
+            <a:spLocks noGrp="1"/>
+          </p:cNvSpPr>
           <p:nvPr>
-            <p:ph idx="1" type="body"/>
+            <p:ph type="body" idx="1"/>
           </p:nvPr>
         </p:nvSpPr>
         <p:spPr>
@@ -1915,7 +2116,7 @@
           </a:prstGeom>
         </p:spPr>
         <p:txBody>
-          <a:bodyPr anchorCtr="0" anchor="t" bIns="91425" lIns="91425" rIns="91425" tIns="91425">
+          <a:bodyPr lIns="91425" tIns="91425" rIns="91425" bIns="91425" anchor="t" anchorCtr="0">
             <a:noAutofit/>
           </a:bodyPr>
           <a:lstStyle/>
@@ -1942,11 +2143,11 @@
 </file>
 
 <file path=ppt/notesSlides/notesSlide21.xml><?xml version="1.0" encoding="utf-8"?>
-<p:notes xmlns:a="http://schemas.openxmlformats.org/drawingml/2006/main" xmlns:r="http://schemas.openxmlformats.org/officeDocument/2006/relationships" xmlns:mc="http://schemas.openxmlformats.org/markup-compatibility/2006" xmlns:mv="urn:schemas-microsoft-com:mac:vml" xmlns:p="http://schemas.openxmlformats.org/presentationml/2006/main" xmlns:c="http://schemas.openxmlformats.org/drawingml/2006/chart" xmlns:dgm="http://schemas.openxmlformats.org/drawingml/2006/diagram" xmlns:o="urn:schemas-microsoft-com:office:office" xmlns:v="urn:schemas-microsoft-com:vml" xmlns:pvml="urn:schemas-microsoft-com:office:powerpoint" xmlns:com="http://schemas.openxmlformats.org/drawingml/2006/compatibility" xmlns:p14="http://schemas.microsoft.com/office/powerpoint/2010/main" showMasterPhAnim="0" showMasterSp="0">
+<p:notes xmlns:a="http://schemas.openxmlformats.org/drawingml/2006/main" xmlns:r="http://schemas.openxmlformats.org/officeDocument/2006/relationships" xmlns:p="http://schemas.openxmlformats.org/presentationml/2006/main" showMasterSp="0" showMasterPhAnim="0">
   <p:cSld>
     <p:spTree>
       <p:nvGrpSpPr>
-        <p:cNvPr id="166" name="Shape 166"/>
+        <p:cNvPr id="1" name="Shape 166"/>
         <p:cNvGrpSpPr/>
         <p:nvPr/>
       </p:nvGrpSpPr>
@@ -1961,9 +2162,11 @@
       <p:sp>
         <p:nvSpPr>
           <p:cNvPr id="167" name="Shape 167"/>
-          <p:cNvSpPr/>
+          <p:cNvSpPr>
+            <a:spLocks noGrp="1" noRot="1" noChangeAspect="1"/>
+          </p:cNvSpPr>
           <p:nvPr>
-            <p:ph idx="2" type="sldImg"/>
+            <p:ph type="sldImg" idx="2"/>
           </p:nvPr>
         </p:nvSpPr>
         <p:spPr>
@@ -1972,8 +2175,13 @@
             <a:ext cx="6096299" cy="3429000"/>
           </a:xfrm>
           <a:custGeom>
+            <a:avLst/>
+            <a:gdLst/>
+            <a:ahLst/>
+            <a:cxnLst/>
+            <a:rect l="0" t="0" r="0" b="0"/>
             <a:pathLst>
-              <a:path extrusionOk="0" h="120000" w="120000">
+              <a:path w="120000" h="120000" extrusionOk="0">
                 <a:moveTo>
                   <a:pt x="0" y="0"/>
                 </a:moveTo>
@@ -1991,23 +2199,25 @@
             </a:pathLst>
           </a:custGeom>
           <a:noFill/>
-          <a:ln cap="flat" w="9525">
+          <a:ln w="9525" cap="flat">
             <a:solidFill>
               <a:srgbClr val="000000"/>
             </a:solidFill>
             <a:prstDash val="solid"/>
             <a:round/>
-            <a:headEnd len="med" w="med" type="none"/>
-            <a:tailEnd len="med" w="med" type="none"/>
+            <a:headEnd type="none" w="med" len="med"/>
+            <a:tailEnd type="none" w="med" len="med"/>
           </a:ln>
         </p:spPr>
       </p:sp>
       <p:sp>
         <p:nvSpPr>
           <p:cNvPr id="168" name="Shape 168"/>
-          <p:cNvSpPr txBox="1"/>
+          <p:cNvSpPr txBox="1">
+            <a:spLocks noGrp="1"/>
+          </p:cNvSpPr>
           <p:nvPr>
-            <p:ph idx="1" type="body"/>
+            <p:ph type="body" idx="1"/>
           </p:nvPr>
         </p:nvSpPr>
         <p:spPr>
@@ -2020,7 +2230,7 @@
           </a:prstGeom>
         </p:spPr>
         <p:txBody>
-          <a:bodyPr anchorCtr="0" anchor="t" bIns="91425" lIns="91425" rIns="91425" tIns="91425">
+          <a:bodyPr lIns="91425" tIns="91425" rIns="91425" bIns="91425" anchor="t" anchorCtr="0">
             <a:noAutofit/>
           </a:bodyPr>
           <a:lstStyle/>
@@ -2031,9 +2241,6 @@
               </a:spcBef>
               <a:buNone/>
             </a:pPr>
-            <a:r>
-              <a:t/>
-            </a:r>
             <a:endParaRPr/>
           </a:p>
         </p:txBody>
@@ -2047,11 +2254,11 @@
 </file>
 
 <file path=ppt/notesSlides/notesSlide22.xml><?xml version="1.0" encoding="utf-8"?>
-<p:notes xmlns:a="http://schemas.openxmlformats.org/drawingml/2006/main" xmlns:r="http://schemas.openxmlformats.org/officeDocument/2006/relationships" xmlns:mc="http://schemas.openxmlformats.org/markup-compatibility/2006" xmlns:mv="urn:schemas-microsoft-com:mac:vml" xmlns:p="http://schemas.openxmlformats.org/presentationml/2006/main" xmlns:c="http://schemas.openxmlformats.org/drawingml/2006/chart" xmlns:dgm="http://schemas.openxmlformats.org/drawingml/2006/diagram" xmlns:o="urn:schemas-microsoft-com:office:office" xmlns:v="urn:schemas-microsoft-com:vml" xmlns:pvml="urn:schemas-microsoft-com:office:powerpoint" xmlns:com="http://schemas.openxmlformats.org/drawingml/2006/compatibility" xmlns:p14="http://schemas.microsoft.com/office/powerpoint/2010/main" showMasterPhAnim="0" showMasterSp="0">
+<p:notes xmlns:a="http://schemas.openxmlformats.org/drawingml/2006/main" xmlns:r="http://schemas.openxmlformats.org/officeDocument/2006/relationships" xmlns:p="http://schemas.openxmlformats.org/presentationml/2006/main" showMasterSp="0" showMasterPhAnim="0">
   <p:cSld>
     <p:spTree>
       <p:nvGrpSpPr>
-        <p:cNvPr id="172" name="Shape 172"/>
+        <p:cNvPr id="1" name="Shape 172"/>
         <p:cNvGrpSpPr/>
         <p:nvPr/>
       </p:nvGrpSpPr>
@@ -2066,9 +2273,11 @@
       <p:sp>
         <p:nvSpPr>
           <p:cNvPr id="173" name="Shape 173"/>
-          <p:cNvSpPr/>
+          <p:cNvSpPr>
+            <a:spLocks noGrp="1" noRot="1" noChangeAspect="1"/>
+          </p:cNvSpPr>
           <p:nvPr>
-            <p:ph idx="2" type="sldImg"/>
+            <p:ph type="sldImg" idx="2"/>
           </p:nvPr>
         </p:nvSpPr>
         <p:spPr>
@@ -2077,8 +2286,13 @@
             <a:ext cx="6096299" cy="3429000"/>
           </a:xfrm>
           <a:custGeom>
+            <a:avLst/>
+            <a:gdLst/>
+            <a:ahLst/>
+            <a:cxnLst/>
+            <a:rect l="0" t="0" r="0" b="0"/>
             <a:pathLst>
-              <a:path extrusionOk="0" h="120000" w="120000">
+              <a:path w="120000" h="120000" extrusionOk="0">
                 <a:moveTo>
                   <a:pt x="0" y="0"/>
                 </a:moveTo>
@@ -2096,23 +2310,25 @@
             </a:pathLst>
           </a:custGeom>
           <a:noFill/>
-          <a:ln cap="flat" w="9525">
+          <a:ln w="9525" cap="flat">
             <a:solidFill>
               <a:srgbClr val="000000"/>
             </a:solidFill>
             <a:prstDash val="solid"/>
             <a:round/>
-            <a:headEnd len="med" w="med" type="none"/>
-            <a:tailEnd len="med" w="med" type="none"/>
+            <a:headEnd type="none" w="med" len="med"/>
+            <a:tailEnd type="none" w="med" len="med"/>
           </a:ln>
         </p:spPr>
       </p:sp>
       <p:sp>
         <p:nvSpPr>
           <p:cNvPr id="174" name="Shape 174"/>
-          <p:cNvSpPr txBox="1"/>
+          <p:cNvSpPr txBox="1">
+            <a:spLocks noGrp="1"/>
+          </p:cNvSpPr>
           <p:nvPr>
-            <p:ph idx="1" type="body"/>
+            <p:ph type="body" idx="1"/>
           </p:nvPr>
         </p:nvSpPr>
         <p:spPr>
@@ -2125,7 +2341,7 @@
           </a:prstGeom>
         </p:spPr>
         <p:txBody>
-          <a:bodyPr anchorCtr="0" anchor="t" bIns="91425" lIns="91425" rIns="91425" tIns="91425">
+          <a:bodyPr lIns="91425" tIns="91425" rIns="91425" bIns="91425" anchor="t" anchorCtr="0">
             <a:noAutofit/>
           </a:bodyPr>
           <a:lstStyle/>
@@ -2152,11 +2368,11 @@
 </file>
 
 <file path=ppt/notesSlides/notesSlide3.xml><?xml version="1.0" encoding="utf-8"?>
-<p:notes xmlns:a="http://schemas.openxmlformats.org/drawingml/2006/main" xmlns:r="http://schemas.openxmlformats.org/officeDocument/2006/relationships" xmlns:mc="http://schemas.openxmlformats.org/markup-compatibility/2006" xmlns:mv="urn:schemas-microsoft-com:mac:vml" xmlns:p="http://schemas.openxmlformats.org/presentationml/2006/main" xmlns:c="http://schemas.openxmlformats.org/drawingml/2006/chart" xmlns:dgm="http://schemas.openxmlformats.org/drawingml/2006/diagram" xmlns:o="urn:schemas-microsoft-com:office:office" xmlns:v="urn:schemas-microsoft-com:vml" xmlns:pvml="urn:schemas-microsoft-com:office:powerpoint" xmlns:com="http://schemas.openxmlformats.org/drawingml/2006/compatibility" xmlns:p14="http://schemas.microsoft.com/office/powerpoint/2010/main" showMasterPhAnim="0" showMasterSp="0">
+<p:notes xmlns:a="http://schemas.openxmlformats.org/drawingml/2006/main" xmlns:r="http://schemas.openxmlformats.org/officeDocument/2006/relationships" xmlns:p="http://schemas.openxmlformats.org/presentationml/2006/main" showMasterSp="0" showMasterPhAnim="0">
   <p:cSld>
     <p:spTree>
       <p:nvGrpSpPr>
-        <p:cNvPr id="54" name="Shape 54"/>
+        <p:cNvPr id="1" name="Shape 54"/>
         <p:cNvGrpSpPr/>
         <p:nvPr/>
       </p:nvGrpSpPr>
@@ -2171,9 +2387,11 @@
       <p:sp>
         <p:nvSpPr>
           <p:cNvPr id="55" name="Shape 55"/>
-          <p:cNvSpPr/>
+          <p:cNvSpPr>
+            <a:spLocks noGrp="1" noRot="1" noChangeAspect="1"/>
+          </p:cNvSpPr>
           <p:nvPr>
-            <p:ph idx="2" type="sldImg"/>
+            <p:ph type="sldImg" idx="2"/>
           </p:nvPr>
         </p:nvSpPr>
         <p:spPr>
@@ -2182,8 +2400,13 @@
             <a:ext cx="6096299" cy="3429000"/>
           </a:xfrm>
           <a:custGeom>
+            <a:avLst/>
+            <a:gdLst/>
+            <a:ahLst/>
+            <a:cxnLst/>
+            <a:rect l="0" t="0" r="0" b="0"/>
             <a:pathLst>
-              <a:path extrusionOk="0" h="120000" w="120000">
+              <a:path w="120000" h="120000" extrusionOk="0">
                 <a:moveTo>
                   <a:pt x="0" y="0"/>
                 </a:moveTo>
@@ -2201,23 +2424,25 @@
             </a:pathLst>
           </a:custGeom>
           <a:noFill/>
-          <a:ln cap="flat" w="9525">
+          <a:ln w="9525" cap="flat">
             <a:solidFill>
               <a:srgbClr val="000000"/>
             </a:solidFill>
             <a:prstDash val="solid"/>
             <a:round/>
-            <a:headEnd len="med" w="med" type="none"/>
-            <a:tailEnd len="med" w="med" type="none"/>
+            <a:headEnd type="none" w="med" len="med"/>
+            <a:tailEnd type="none" w="med" len="med"/>
           </a:ln>
         </p:spPr>
       </p:sp>
       <p:sp>
         <p:nvSpPr>
           <p:cNvPr id="56" name="Shape 56"/>
-          <p:cNvSpPr txBox="1"/>
+          <p:cNvSpPr txBox="1">
+            <a:spLocks noGrp="1"/>
+          </p:cNvSpPr>
           <p:nvPr>
-            <p:ph idx="1" type="body"/>
+            <p:ph type="body" idx="1"/>
           </p:nvPr>
         </p:nvSpPr>
         <p:spPr>
@@ -2230,7 +2455,7 @@
           </a:prstGeom>
         </p:spPr>
         <p:txBody>
-          <a:bodyPr anchorCtr="0" anchor="t" bIns="91425" lIns="91425" rIns="91425" tIns="91425">
+          <a:bodyPr lIns="91425" tIns="91425" rIns="91425" bIns="91425" anchor="t" anchorCtr="0">
             <a:noAutofit/>
           </a:bodyPr>
           <a:lstStyle/>
@@ -2257,11 +2482,11 @@
 </file>
 
 <file path=ppt/notesSlides/notesSlide4.xml><?xml version="1.0" encoding="utf-8"?>
-<p:notes xmlns:a="http://schemas.openxmlformats.org/drawingml/2006/main" xmlns:r="http://schemas.openxmlformats.org/officeDocument/2006/relationships" xmlns:mc="http://schemas.openxmlformats.org/markup-compatibility/2006" xmlns:mv="urn:schemas-microsoft-com:mac:vml" xmlns:p="http://schemas.openxmlformats.org/presentationml/2006/main" xmlns:c="http://schemas.openxmlformats.org/drawingml/2006/chart" xmlns:dgm="http://schemas.openxmlformats.org/drawingml/2006/diagram" xmlns:o="urn:schemas-microsoft-com:office:office" xmlns:v="urn:schemas-microsoft-com:vml" xmlns:pvml="urn:schemas-microsoft-com:office:powerpoint" xmlns:com="http://schemas.openxmlformats.org/drawingml/2006/compatibility" xmlns:p14="http://schemas.microsoft.com/office/powerpoint/2010/main" showMasterPhAnim="0" showMasterSp="0">
+<p:notes xmlns:a="http://schemas.openxmlformats.org/drawingml/2006/main" xmlns:r="http://schemas.openxmlformats.org/officeDocument/2006/relationships" xmlns:p="http://schemas.openxmlformats.org/presentationml/2006/main" showMasterSp="0" showMasterPhAnim="0">
   <p:cSld>
     <p:spTree>
       <p:nvGrpSpPr>
-        <p:cNvPr id="60" name="Shape 60"/>
+        <p:cNvPr id="1" name="Shape 60"/>
         <p:cNvGrpSpPr/>
         <p:nvPr/>
       </p:nvGrpSpPr>
@@ -2276,9 +2501,11 @@
       <p:sp>
         <p:nvSpPr>
           <p:cNvPr id="61" name="Shape 61"/>
-          <p:cNvSpPr/>
+          <p:cNvSpPr>
+            <a:spLocks noGrp="1" noRot="1" noChangeAspect="1"/>
+          </p:cNvSpPr>
           <p:nvPr>
-            <p:ph idx="2" type="sldImg"/>
+            <p:ph type="sldImg" idx="2"/>
           </p:nvPr>
         </p:nvSpPr>
         <p:spPr>
@@ -2287,8 +2514,13 @@
             <a:ext cx="6096299" cy="3429000"/>
           </a:xfrm>
           <a:custGeom>
+            <a:avLst/>
+            <a:gdLst/>
+            <a:ahLst/>
+            <a:cxnLst/>
+            <a:rect l="0" t="0" r="0" b="0"/>
             <a:pathLst>
-              <a:path extrusionOk="0" h="120000" w="120000">
+              <a:path w="120000" h="120000" extrusionOk="0">
                 <a:moveTo>
                   <a:pt x="0" y="0"/>
                 </a:moveTo>
@@ -2306,23 +2538,25 @@
             </a:pathLst>
           </a:custGeom>
           <a:noFill/>
-          <a:ln cap="flat" w="9525">
+          <a:ln w="9525" cap="flat">
             <a:solidFill>
               <a:srgbClr val="000000"/>
             </a:solidFill>
             <a:prstDash val="solid"/>
             <a:round/>
-            <a:headEnd len="med" w="med" type="none"/>
-            <a:tailEnd len="med" w="med" type="none"/>
+            <a:headEnd type="none" w="med" len="med"/>
+            <a:tailEnd type="none" w="med" len="med"/>
           </a:ln>
         </p:spPr>
       </p:sp>
       <p:sp>
         <p:nvSpPr>
           <p:cNvPr id="62" name="Shape 62"/>
-          <p:cNvSpPr txBox="1"/>
+          <p:cNvSpPr txBox="1">
+            <a:spLocks noGrp="1"/>
+          </p:cNvSpPr>
           <p:nvPr>
-            <p:ph idx="1" type="body"/>
+            <p:ph type="body" idx="1"/>
           </p:nvPr>
         </p:nvSpPr>
         <p:spPr>
@@ -2335,7 +2569,7 @@
           </a:prstGeom>
         </p:spPr>
         <p:txBody>
-          <a:bodyPr anchorCtr="0" anchor="t" bIns="91425" lIns="91425" rIns="91425" tIns="91425">
+          <a:bodyPr lIns="91425" tIns="91425" rIns="91425" bIns="91425" anchor="t" anchorCtr="0">
             <a:noAutofit/>
           </a:bodyPr>
           <a:lstStyle/>
@@ -2362,11 +2596,11 @@
 </file>
 
 <file path=ppt/notesSlides/notesSlide5.xml><?xml version="1.0" encoding="utf-8"?>
-<p:notes xmlns:a="http://schemas.openxmlformats.org/drawingml/2006/main" xmlns:r="http://schemas.openxmlformats.org/officeDocument/2006/relationships" xmlns:mc="http://schemas.openxmlformats.org/markup-compatibility/2006" xmlns:mv="urn:schemas-microsoft-com:mac:vml" xmlns:p="http://schemas.openxmlformats.org/presentationml/2006/main" xmlns:c="http://schemas.openxmlformats.org/drawingml/2006/chart" xmlns:dgm="http://schemas.openxmlformats.org/drawingml/2006/diagram" xmlns:o="urn:schemas-microsoft-com:office:office" xmlns:v="urn:schemas-microsoft-com:vml" xmlns:pvml="urn:schemas-microsoft-com:office:powerpoint" xmlns:com="http://schemas.openxmlformats.org/drawingml/2006/compatibility" xmlns:p14="http://schemas.microsoft.com/office/powerpoint/2010/main" showMasterPhAnim="0" showMasterSp="0">
+<p:notes xmlns:a="http://schemas.openxmlformats.org/drawingml/2006/main" xmlns:r="http://schemas.openxmlformats.org/officeDocument/2006/relationships" xmlns:p="http://schemas.openxmlformats.org/presentationml/2006/main" showMasterSp="0" showMasterPhAnim="0">
   <p:cSld>
     <p:spTree>
       <p:nvGrpSpPr>
-        <p:cNvPr id="66" name="Shape 66"/>
+        <p:cNvPr id="1" name="Shape 66"/>
         <p:cNvGrpSpPr/>
         <p:nvPr/>
       </p:nvGrpSpPr>
@@ -2381,9 +2615,11 @@
       <p:sp>
         <p:nvSpPr>
           <p:cNvPr id="67" name="Shape 67"/>
-          <p:cNvSpPr/>
+          <p:cNvSpPr>
+            <a:spLocks noGrp="1" noRot="1" noChangeAspect="1"/>
+          </p:cNvSpPr>
           <p:nvPr>
-            <p:ph idx="2" type="sldImg"/>
+            <p:ph type="sldImg" idx="2"/>
           </p:nvPr>
         </p:nvSpPr>
         <p:spPr>
@@ -2392,8 +2628,13 @@
             <a:ext cx="6096299" cy="3429000"/>
           </a:xfrm>
           <a:custGeom>
+            <a:avLst/>
+            <a:gdLst/>
+            <a:ahLst/>
+            <a:cxnLst/>
+            <a:rect l="0" t="0" r="0" b="0"/>
             <a:pathLst>
-              <a:path extrusionOk="0" h="120000" w="120000">
+              <a:path w="120000" h="120000" extrusionOk="0">
                 <a:moveTo>
                   <a:pt x="0" y="0"/>
                 </a:moveTo>
@@ -2411,23 +2652,25 @@
             </a:pathLst>
           </a:custGeom>
           <a:noFill/>
-          <a:ln cap="flat" w="9525">
+          <a:ln w="9525" cap="flat">
             <a:solidFill>
               <a:srgbClr val="000000"/>
             </a:solidFill>
             <a:prstDash val="solid"/>
             <a:round/>
-            <a:headEnd len="med" w="med" type="none"/>
-            <a:tailEnd len="med" w="med" type="none"/>
+            <a:headEnd type="none" w="med" len="med"/>
+            <a:tailEnd type="none" w="med" len="med"/>
           </a:ln>
         </p:spPr>
       </p:sp>
       <p:sp>
         <p:nvSpPr>
           <p:cNvPr id="68" name="Shape 68"/>
-          <p:cNvSpPr txBox="1"/>
+          <p:cNvSpPr txBox="1">
+            <a:spLocks noGrp="1"/>
+          </p:cNvSpPr>
           <p:nvPr>
-            <p:ph idx="1" type="body"/>
+            <p:ph type="body" idx="1"/>
           </p:nvPr>
         </p:nvSpPr>
         <p:spPr>
@@ -2440,7 +2683,7 @@
           </a:prstGeom>
         </p:spPr>
         <p:txBody>
-          <a:bodyPr anchorCtr="0" anchor="t" bIns="91425" lIns="91425" rIns="91425" tIns="91425">
+          <a:bodyPr lIns="91425" tIns="91425" rIns="91425" bIns="91425" anchor="t" anchorCtr="0">
             <a:noAutofit/>
           </a:bodyPr>
           <a:lstStyle/>
@@ -2451,9 +2694,6 @@
               </a:spcBef>
               <a:buNone/>
             </a:pPr>
-            <a:r>
-              <a:t/>
-            </a:r>
             <a:endParaRPr/>
           </a:p>
         </p:txBody>
@@ -2467,11 +2707,11 @@
 </file>
 
 <file path=ppt/notesSlides/notesSlide6.xml><?xml version="1.0" encoding="utf-8"?>
-<p:notes xmlns:a="http://schemas.openxmlformats.org/drawingml/2006/main" xmlns:r="http://schemas.openxmlformats.org/officeDocument/2006/relationships" xmlns:mc="http://schemas.openxmlformats.org/markup-compatibility/2006" xmlns:mv="urn:schemas-microsoft-com:mac:vml" xmlns:p="http://schemas.openxmlformats.org/presentationml/2006/main" xmlns:c="http://schemas.openxmlformats.org/drawingml/2006/chart" xmlns:dgm="http://schemas.openxmlformats.org/drawingml/2006/diagram" xmlns:o="urn:schemas-microsoft-com:office:office" xmlns:v="urn:schemas-microsoft-com:vml" xmlns:pvml="urn:schemas-microsoft-com:office:powerpoint" xmlns:com="http://schemas.openxmlformats.org/drawingml/2006/compatibility" xmlns:p14="http://schemas.microsoft.com/office/powerpoint/2010/main" showMasterPhAnim="0" showMasterSp="0">
+<p:notes xmlns:a="http://schemas.openxmlformats.org/drawingml/2006/main" xmlns:r="http://schemas.openxmlformats.org/officeDocument/2006/relationships" xmlns:p="http://schemas.openxmlformats.org/presentationml/2006/main" showMasterSp="0" showMasterPhAnim="0">
   <p:cSld>
     <p:spTree>
       <p:nvGrpSpPr>
-        <p:cNvPr id="72" name="Shape 72"/>
+        <p:cNvPr id="1" name="Shape 72"/>
         <p:cNvGrpSpPr/>
         <p:nvPr/>
       </p:nvGrpSpPr>
@@ -2486,9 +2726,11 @@
       <p:sp>
         <p:nvSpPr>
           <p:cNvPr id="73" name="Shape 73"/>
-          <p:cNvSpPr/>
+          <p:cNvSpPr>
+            <a:spLocks noGrp="1" noRot="1" noChangeAspect="1"/>
+          </p:cNvSpPr>
           <p:nvPr>
-            <p:ph idx="2" type="sldImg"/>
+            <p:ph type="sldImg" idx="2"/>
           </p:nvPr>
         </p:nvSpPr>
         <p:spPr>
@@ -2497,8 +2739,13 @@
             <a:ext cx="6096299" cy="3429000"/>
           </a:xfrm>
           <a:custGeom>
+            <a:avLst/>
+            <a:gdLst/>
+            <a:ahLst/>
+            <a:cxnLst/>
+            <a:rect l="0" t="0" r="0" b="0"/>
             <a:pathLst>
-              <a:path extrusionOk="0" h="120000" w="120000">
+              <a:path w="120000" h="120000" extrusionOk="0">
                 <a:moveTo>
                   <a:pt x="0" y="0"/>
                 </a:moveTo>
@@ -2516,23 +2763,25 @@
             </a:pathLst>
           </a:custGeom>
           <a:noFill/>
-          <a:ln cap="flat" w="9525">
+          <a:ln w="9525" cap="flat">
             <a:solidFill>
               <a:srgbClr val="000000"/>
             </a:solidFill>
             <a:prstDash val="solid"/>
             <a:round/>
-            <a:headEnd len="med" w="med" type="none"/>
-            <a:tailEnd len="med" w="med" type="none"/>
+            <a:headEnd type="none" w="med" len="med"/>
+            <a:tailEnd type="none" w="med" len="med"/>
           </a:ln>
         </p:spPr>
       </p:sp>
       <p:sp>
         <p:nvSpPr>
           <p:cNvPr id="74" name="Shape 74"/>
-          <p:cNvSpPr txBox="1"/>
+          <p:cNvSpPr txBox="1">
+            <a:spLocks noGrp="1"/>
+          </p:cNvSpPr>
           <p:nvPr>
-            <p:ph idx="1" type="body"/>
+            <p:ph type="body" idx="1"/>
           </p:nvPr>
         </p:nvSpPr>
         <p:spPr>
@@ -2545,7 +2794,7 @@
           </a:prstGeom>
         </p:spPr>
         <p:txBody>
-          <a:bodyPr anchorCtr="0" anchor="t" bIns="91425" lIns="91425" rIns="91425" tIns="91425">
+          <a:bodyPr lIns="91425" tIns="91425" rIns="91425" bIns="91425" anchor="t" anchorCtr="0">
             <a:noAutofit/>
           </a:bodyPr>
           <a:lstStyle/>
@@ -2556,9 +2805,6 @@
               </a:spcBef>
               <a:buNone/>
             </a:pPr>
-            <a:r>
-              <a:t/>
-            </a:r>
             <a:endParaRPr/>
           </a:p>
         </p:txBody>
@@ -2572,11 +2818,11 @@
 </file>
 
 <file path=ppt/notesSlides/notesSlide7.xml><?xml version="1.0" encoding="utf-8"?>
-<p:notes xmlns:a="http://schemas.openxmlformats.org/drawingml/2006/main" xmlns:r="http://schemas.openxmlformats.org/officeDocument/2006/relationships" xmlns:mc="http://schemas.openxmlformats.org/markup-compatibility/2006" xmlns:mv="urn:schemas-microsoft-com:mac:vml" xmlns:p="http://schemas.openxmlformats.org/presentationml/2006/main" xmlns:c="http://schemas.openxmlformats.org/drawingml/2006/chart" xmlns:dgm="http://schemas.openxmlformats.org/drawingml/2006/diagram" xmlns:o="urn:schemas-microsoft-com:office:office" xmlns:v="urn:schemas-microsoft-com:vml" xmlns:pvml="urn:schemas-microsoft-com:office:powerpoint" xmlns:com="http://schemas.openxmlformats.org/drawingml/2006/compatibility" xmlns:p14="http://schemas.microsoft.com/office/powerpoint/2010/main" showMasterPhAnim="0" showMasterSp="0">
+<p:notes xmlns:a="http://schemas.openxmlformats.org/drawingml/2006/main" xmlns:r="http://schemas.openxmlformats.org/officeDocument/2006/relationships" xmlns:p="http://schemas.openxmlformats.org/presentationml/2006/main" showMasterSp="0" showMasterPhAnim="0">
   <p:cSld>
     <p:spTree>
       <p:nvGrpSpPr>
-        <p:cNvPr id="78" name="Shape 78"/>
+        <p:cNvPr id="1" name="Shape 78"/>
         <p:cNvGrpSpPr/>
         <p:nvPr/>
       </p:nvGrpSpPr>
@@ -2591,9 +2837,11 @@
       <p:sp>
         <p:nvSpPr>
           <p:cNvPr id="79" name="Shape 79"/>
-          <p:cNvSpPr/>
+          <p:cNvSpPr>
+            <a:spLocks noGrp="1" noRot="1" noChangeAspect="1"/>
+          </p:cNvSpPr>
           <p:nvPr>
-            <p:ph idx="2" type="sldImg"/>
+            <p:ph type="sldImg" idx="2"/>
           </p:nvPr>
         </p:nvSpPr>
         <p:spPr>
@@ -2602,8 +2850,13 @@
             <a:ext cx="6096299" cy="3429000"/>
           </a:xfrm>
           <a:custGeom>
+            <a:avLst/>
+            <a:gdLst/>
+            <a:ahLst/>
+            <a:cxnLst/>
+            <a:rect l="0" t="0" r="0" b="0"/>
             <a:pathLst>
-              <a:path extrusionOk="0" h="120000" w="120000">
+              <a:path w="120000" h="120000" extrusionOk="0">
                 <a:moveTo>
                   <a:pt x="0" y="0"/>
                 </a:moveTo>
@@ -2621,23 +2874,25 @@
             </a:pathLst>
           </a:custGeom>
           <a:noFill/>
-          <a:ln cap="flat" w="9525">
+          <a:ln w="9525" cap="flat">
             <a:solidFill>
               <a:srgbClr val="000000"/>
             </a:solidFill>
             <a:prstDash val="solid"/>
             <a:round/>
-            <a:headEnd len="med" w="med" type="none"/>
-            <a:tailEnd len="med" w="med" type="none"/>
+            <a:headEnd type="none" w="med" len="med"/>
+            <a:tailEnd type="none" w="med" len="med"/>
           </a:ln>
         </p:spPr>
       </p:sp>
       <p:sp>
         <p:nvSpPr>
           <p:cNvPr id="80" name="Shape 80"/>
-          <p:cNvSpPr txBox="1"/>
+          <p:cNvSpPr txBox="1">
+            <a:spLocks noGrp="1"/>
+          </p:cNvSpPr>
           <p:nvPr>
-            <p:ph idx="1" type="body"/>
+            <p:ph type="body" idx="1"/>
           </p:nvPr>
         </p:nvSpPr>
         <p:spPr>
@@ -2650,7 +2905,7 @@
           </a:prstGeom>
         </p:spPr>
         <p:txBody>
-          <a:bodyPr anchorCtr="0" anchor="t" bIns="91425" lIns="91425" rIns="91425" tIns="91425">
+          <a:bodyPr lIns="91425" tIns="91425" rIns="91425" bIns="91425" anchor="t" anchorCtr="0">
             <a:noAutofit/>
           </a:bodyPr>
           <a:lstStyle/>
@@ -2661,9 +2916,6 @@
               </a:spcBef>
               <a:buNone/>
             </a:pPr>
-            <a:r>
-              <a:t/>
-            </a:r>
             <a:endParaRPr/>
           </a:p>
         </p:txBody>
@@ -2677,11 +2929,11 @@
 </file>
 
 <file path=ppt/notesSlides/notesSlide8.xml><?xml version="1.0" encoding="utf-8"?>
-<p:notes xmlns:a="http://schemas.openxmlformats.org/drawingml/2006/main" xmlns:r="http://schemas.openxmlformats.org/officeDocument/2006/relationships" xmlns:mc="http://schemas.openxmlformats.org/markup-compatibility/2006" xmlns:mv="urn:schemas-microsoft-com:mac:vml" xmlns:p="http://schemas.openxmlformats.org/presentationml/2006/main" xmlns:c="http://schemas.openxmlformats.org/drawingml/2006/chart" xmlns:dgm="http://schemas.openxmlformats.org/drawingml/2006/diagram" xmlns:o="urn:schemas-microsoft-com:office:office" xmlns:v="urn:schemas-microsoft-com:vml" xmlns:pvml="urn:schemas-microsoft-com:office:powerpoint" xmlns:com="http://schemas.openxmlformats.org/drawingml/2006/compatibility" xmlns:p14="http://schemas.microsoft.com/office/powerpoint/2010/main" showMasterPhAnim="0" showMasterSp="0">
+<p:notes xmlns:a="http://schemas.openxmlformats.org/drawingml/2006/main" xmlns:r="http://schemas.openxmlformats.org/officeDocument/2006/relationships" xmlns:p="http://schemas.openxmlformats.org/presentationml/2006/main" showMasterSp="0" showMasterPhAnim="0">
   <p:cSld>
     <p:spTree>
       <p:nvGrpSpPr>
-        <p:cNvPr id="86" name="Shape 86"/>
+        <p:cNvPr id="1" name="Shape 86"/>
         <p:cNvGrpSpPr/>
         <p:nvPr/>
       </p:nvGrpSpPr>
@@ -2696,9 +2948,11 @@
       <p:sp>
         <p:nvSpPr>
           <p:cNvPr id="87" name="Shape 87"/>
-          <p:cNvSpPr/>
+          <p:cNvSpPr>
+            <a:spLocks noGrp="1" noRot="1" noChangeAspect="1"/>
+          </p:cNvSpPr>
           <p:nvPr>
-            <p:ph idx="2" type="sldImg"/>
+            <p:ph type="sldImg" idx="2"/>
           </p:nvPr>
         </p:nvSpPr>
         <p:spPr>
@@ -2707,8 +2961,13 @@
             <a:ext cx="6096299" cy="3429000"/>
           </a:xfrm>
           <a:custGeom>
+            <a:avLst/>
+            <a:gdLst/>
+            <a:ahLst/>
+            <a:cxnLst/>
+            <a:rect l="0" t="0" r="0" b="0"/>
             <a:pathLst>
-              <a:path extrusionOk="0" h="120000" w="120000">
+              <a:path w="120000" h="120000" extrusionOk="0">
                 <a:moveTo>
                   <a:pt x="0" y="0"/>
                 </a:moveTo>
@@ -2726,23 +2985,25 @@
             </a:pathLst>
           </a:custGeom>
           <a:noFill/>
-          <a:ln cap="flat" w="9525">
+          <a:ln w="9525" cap="flat">
             <a:solidFill>
               <a:srgbClr val="000000"/>
             </a:solidFill>
             <a:prstDash val="solid"/>
             <a:round/>
-            <a:headEnd len="med" w="med" type="none"/>
-            <a:tailEnd len="med" w="med" type="none"/>
+            <a:headEnd type="none" w="med" len="med"/>
+            <a:tailEnd type="none" w="med" len="med"/>
           </a:ln>
         </p:spPr>
       </p:sp>
       <p:sp>
         <p:nvSpPr>
           <p:cNvPr id="88" name="Shape 88"/>
-          <p:cNvSpPr txBox="1"/>
+          <p:cNvSpPr txBox="1">
+            <a:spLocks noGrp="1"/>
+          </p:cNvSpPr>
           <p:nvPr>
-            <p:ph idx="1" type="body"/>
+            <p:ph type="body" idx="1"/>
           </p:nvPr>
         </p:nvSpPr>
         <p:spPr>
@@ -2755,7 +3016,7 @@
           </a:prstGeom>
         </p:spPr>
         <p:txBody>
-          <a:bodyPr anchorCtr="0" anchor="t" bIns="91425" lIns="91425" rIns="91425" tIns="91425">
+          <a:bodyPr lIns="91425" tIns="91425" rIns="91425" bIns="91425" anchor="t" anchorCtr="0">
             <a:noAutofit/>
           </a:bodyPr>
           <a:lstStyle/>
@@ -2781,23 +3042,6 @@
             <a:r>
               <a:rPr lang="en"/>
               <a:t>Only if needed.</a:t>
-            </a:r>
-          </a:p>
-          <a:p>
-            <a:pPr rtl="0">
-              <a:spcBef>
-                <a:spcPts val="0"/>
-              </a:spcBef>
-              <a:buNone/>
-            </a:pPr>
-            <a:r>
-              <a:rPr lang="en" u="sng">
-                <a:solidFill>
-                  <a:schemeClr val="hlink"/>
-                </a:solidFill>
-                <a:hlinkClick r:id="rId2"/>
-              </a:rPr>
-              <a:t>http://thepilcrow.net/explaining-basic-concepts-git-and-github/</a:t>
             </a:r>
           </a:p>
           <a:p>
@@ -2814,7 +3058,7 @@
                 </a:solidFill>
                 <a:hlinkClick r:id="rId3"/>
               </a:rPr>
-              <a:t>https://windows.github.com/</a:t>
+              <a:t>http://thepilcrow.net/explaining-basic-concepts-git-and-github/</a:t>
             </a:r>
           </a:p>
           <a:p>
@@ -2831,11 +3075,11 @@
                 </a:solidFill>
                 <a:hlinkClick r:id="rId4"/>
               </a:rPr>
-              <a:t>https://help.github.com/articles/set-up-git/</a:t>
-            </a:r>
-          </a:p>
-          <a:p>
-            <a:pPr>
+              <a:t>https://windows.github.com/</a:t>
+            </a:r>
+          </a:p>
+          <a:p>
+            <a:pPr rtl="0">
               <a:spcBef>
                 <a:spcPts val="0"/>
               </a:spcBef>
@@ -2847,6 +3091,23 @@
                   <a:schemeClr val="hlink"/>
                 </a:solidFill>
                 <a:hlinkClick r:id="rId5"/>
+              </a:rPr>
+              <a:t>https://help.github.com/articles/set-up-git/</a:t>
+            </a:r>
+          </a:p>
+          <a:p>
+            <a:pPr>
+              <a:spcBef>
+                <a:spcPts val="0"/>
+              </a:spcBef>
+              <a:buNone/>
+            </a:pPr>
+            <a:r>
+              <a:rPr lang="en" u="sng">
+                <a:solidFill>
+                  <a:schemeClr val="hlink"/>
+                </a:solidFill>
+                <a:hlinkClick r:id="rId6"/>
               </a:rPr>
               <a:t>https://help.github.com/articles/fork-a-repo/</a:t>
             </a:r>
@@ -2862,11 +3123,11 @@
 </file>
 
 <file path=ppt/notesSlides/notesSlide9.xml><?xml version="1.0" encoding="utf-8"?>
-<p:notes xmlns:a="http://schemas.openxmlformats.org/drawingml/2006/main" xmlns:r="http://schemas.openxmlformats.org/officeDocument/2006/relationships" xmlns:mc="http://schemas.openxmlformats.org/markup-compatibility/2006" xmlns:mv="urn:schemas-microsoft-com:mac:vml" xmlns:p="http://schemas.openxmlformats.org/presentationml/2006/main" xmlns:c="http://schemas.openxmlformats.org/drawingml/2006/chart" xmlns:dgm="http://schemas.openxmlformats.org/drawingml/2006/diagram" xmlns:o="urn:schemas-microsoft-com:office:office" xmlns:v="urn:schemas-microsoft-com:vml" xmlns:pvml="urn:schemas-microsoft-com:office:powerpoint" xmlns:com="http://schemas.openxmlformats.org/drawingml/2006/compatibility" xmlns:p14="http://schemas.microsoft.com/office/powerpoint/2010/main" showMasterPhAnim="0" showMasterSp="0">
+<p:notes xmlns:a="http://schemas.openxmlformats.org/drawingml/2006/main" xmlns:r="http://schemas.openxmlformats.org/officeDocument/2006/relationships" xmlns:p="http://schemas.openxmlformats.org/presentationml/2006/main" showMasterSp="0" showMasterPhAnim="0">
   <p:cSld>
     <p:spTree>
       <p:nvGrpSpPr>
-        <p:cNvPr id="92" name="Shape 92"/>
+        <p:cNvPr id="1" name="Shape 92"/>
         <p:cNvGrpSpPr/>
         <p:nvPr/>
       </p:nvGrpSpPr>
@@ -2881,9 +3142,11 @@
       <p:sp>
         <p:nvSpPr>
           <p:cNvPr id="93" name="Shape 93"/>
-          <p:cNvSpPr/>
+          <p:cNvSpPr>
+            <a:spLocks noGrp="1" noRot="1" noChangeAspect="1"/>
+          </p:cNvSpPr>
           <p:nvPr>
-            <p:ph idx="2" type="sldImg"/>
+            <p:ph type="sldImg" idx="2"/>
           </p:nvPr>
         </p:nvSpPr>
         <p:spPr>
@@ -2892,8 +3155,13 @@
             <a:ext cx="6096299" cy="3429000"/>
           </a:xfrm>
           <a:custGeom>
+            <a:avLst/>
+            <a:gdLst/>
+            <a:ahLst/>
+            <a:cxnLst/>
+            <a:rect l="0" t="0" r="0" b="0"/>
             <a:pathLst>
-              <a:path extrusionOk="0" h="120000" w="120000">
+              <a:path w="120000" h="120000" extrusionOk="0">
                 <a:moveTo>
                   <a:pt x="0" y="0"/>
                 </a:moveTo>
@@ -2911,23 +3179,25 @@
             </a:pathLst>
           </a:custGeom>
           <a:noFill/>
-          <a:ln cap="flat" w="9525">
+          <a:ln w="9525" cap="flat">
             <a:solidFill>
               <a:srgbClr val="000000"/>
             </a:solidFill>
             <a:prstDash val="solid"/>
             <a:round/>
-            <a:headEnd len="med" w="med" type="none"/>
-            <a:tailEnd len="med" w="med" type="none"/>
+            <a:headEnd type="none" w="med" len="med"/>
+            <a:tailEnd type="none" w="med" len="med"/>
           </a:ln>
         </p:spPr>
       </p:sp>
       <p:sp>
         <p:nvSpPr>
           <p:cNvPr id="94" name="Shape 94"/>
-          <p:cNvSpPr txBox="1"/>
+          <p:cNvSpPr txBox="1">
+            <a:spLocks noGrp="1"/>
+          </p:cNvSpPr>
           <p:nvPr>
-            <p:ph idx="1" type="body"/>
+            <p:ph type="body" idx="1"/>
           </p:nvPr>
         </p:nvSpPr>
         <p:spPr>
@@ -2940,7 +3210,7 @@
           </a:prstGeom>
         </p:spPr>
         <p:txBody>
-          <a:bodyPr anchorCtr="0" anchor="t" bIns="91425" lIns="91425" rIns="91425" tIns="91425">
+          <a:bodyPr lIns="91425" tIns="91425" rIns="91425" bIns="91425" anchor="t" anchorCtr="0">
             <a:noAutofit/>
           </a:bodyPr>
           <a:lstStyle/>
@@ -2967,11 +3237,11 @@
 </file>
 
 <file path=ppt/slideLayouts/slideLayout1.xml><?xml version="1.0" encoding="utf-8"?>
-<p:sldLayout xmlns:a="http://schemas.openxmlformats.org/drawingml/2006/main" xmlns:r="http://schemas.openxmlformats.org/officeDocument/2006/relationships" xmlns:mc="http://schemas.openxmlformats.org/markup-compatibility/2006" xmlns:mv="urn:schemas-microsoft-com:mac:vml" xmlns:p="http://schemas.openxmlformats.org/presentationml/2006/main" xmlns:c="http://schemas.openxmlformats.org/drawingml/2006/chart" xmlns:dgm="http://schemas.openxmlformats.org/drawingml/2006/diagram" xmlns:o="urn:schemas-microsoft-com:office:office" xmlns:v="urn:schemas-microsoft-com:vml" xmlns:pvml="urn:schemas-microsoft-com:office:powerpoint" xmlns:com="http://schemas.openxmlformats.org/drawingml/2006/compatibility" xmlns:p14="http://schemas.microsoft.com/office/powerpoint/2010/main" type="title">
+<p:sldLayout xmlns:a="http://schemas.openxmlformats.org/drawingml/2006/main" xmlns:r="http://schemas.openxmlformats.org/officeDocument/2006/relationships" xmlns:p="http://schemas.openxmlformats.org/presentationml/2006/main" type="title">
   <p:cSld name="Title Slide">
     <p:spTree>
       <p:nvGrpSpPr>
-        <p:cNvPr id="8" name="Shape 8"/>
+        <p:cNvPr id="1" name="Shape 8"/>
         <p:cNvGrpSpPr/>
         <p:nvPr/>
       </p:nvGrpSpPr>
@@ -3005,7 +3275,7 @@
           </a:ln>
         </p:spPr>
         <p:txBody>
-          <a:bodyPr anchorCtr="0" anchor="ctr" bIns="45700" lIns="91425" rIns="91425" tIns="45700">
+          <a:bodyPr lIns="91425" tIns="45700" rIns="91425" bIns="45700" anchor="ctr" anchorCtr="0">
             <a:noAutofit/>
           </a:bodyPr>
           <a:lstStyle/>
@@ -3016,9 +3286,6 @@
               </a:spcBef>
               <a:buNone/>
             </a:pPr>
-            <a:r>
-              <a:t/>
-            </a:r>
             <a:endParaRPr/>
           </a:p>
         </p:txBody>
@@ -3038,7 +3305,7 @@
             <a:avLst/>
           </a:prstGeom>
           <a:noFill/>
-          <a:ln cap="flat" w="57150">
+          <a:ln w="57150" cap="flat">
             <a:solidFill>
               <a:srgbClr val="000000">
                 <a:alpha val="14901"/>
@@ -3046,15 +3313,17 @@
             </a:solidFill>
             <a:prstDash val="solid"/>
             <a:round/>
-            <a:headEnd len="med" w="med" type="none"/>
-            <a:tailEnd len="med" w="med" type="none"/>
+            <a:headEnd type="none" w="med" len="med"/>
+            <a:tailEnd type="none" w="med" len="med"/>
           </a:ln>
         </p:spPr>
       </p:cxnSp>
       <p:sp>
         <p:nvSpPr>
           <p:cNvPr id="11" name="Shape 11"/>
-          <p:cNvSpPr txBox="1"/>
+          <p:cNvSpPr txBox="1">
+            <a:spLocks noGrp="1"/>
+          </p:cNvSpPr>
           <p:nvPr>
             <p:ph type="ctrTitle"/>
           </p:nvPr>
@@ -3069,7 +3338,7 @@
           </a:prstGeom>
         </p:spPr>
         <p:txBody>
-          <a:bodyPr anchorCtr="0" anchor="b" bIns="91425" lIns="91425" rIns="91425" tIns="91425"/>
+          <a:bodyPr lIns="91425" tIns="91425" rIns="91425" bIns="91425" anchor="b" anchorCtr="0"/>
           <a:lstStyle>
             <a:lvl1pPr>
               <a:spcBef>
@@ -3135,15 +3404,19 @@
               <a:defRPr sz="7200"/>
             </a:lvl9pPr>
           </a:lstStyle>
-          <a:p/>
+          <a:p>
+            <a:endParaRPr/>
+          </a:p>
         </p:txBody>
       </p:sp>
       <p:sp>
         <p:nvSpPr>
           <p:cNvPr id="12" name="Shape 12"/>
-          <p:cNvSpPr txBox="1"/>
+          <p:cNvSpPr txBox="1">
+            <a:spLocks noGrp="1"/>
+          </p:cNvSpPr>
           <p:nvPr>
-            <p:ph idx="1" type="subTitle"/>
+            <p:ph type="subTitle" idx="1"/>
           </p:nvPr>
         </p:nvSpPr>
         <p:spPr>
@@ -3156,7 +3429,7 @@
           </a:prstGeom>
         </p:spPr>
         <p:txBody>
-          <a:bodyPr anchorCtr="0" anchor="t" bIns="91425" lIns="91425" rIns="91425" tIns="91425"/>
+          <a:bodyPr lIns="91425" tIns="91425" rIns="91425" bIns="91425" anchor="t" anchorCtr="0"/>
           <a:lstStyle>
             <a:lvl1pPr>
               <a:spcBef>
@@ -3293,15 +3566,19 @@
               </a:defRPr>
             </a:lvl9pPr>
           </a:lstStyle>
-          <a:p/>
+          <a:p>
+            <a:endParaRPr/>
+          </a:p>
         </p:txBody>
       </p:sp>
       <p:sp>
         <p:nvSpPr>
           <p:cNvPr id="13" name="Shape 13"/>
-          <p:cNvSpPr txBox="1"/>
+          <p:cNvSpPr txBox="1">
+            <a:spLocks noGrp="1"/>
+          </p:cNvSpPr>
           <p:nvPr>
-            <p:ph idx="12" type="sldNum"/>
+            <p:ph type="sldNum" idx="12"/>
           </p:nvPr>
         </p:nvSpPr>
         <p:spPr>
@@ -3314,7 +3591,7 @@
           </a:prstGeom>
         </p:spPr>
         <p:txBody>
-          <a:bodyPr anchorCtr="0" anchor="ctr" bIns="91425" lIns="91425" rIns="91425" tIns="91425">
+          <a:bodyPr lIns="91425" tIns="91425" rIns="91425" bIns="91425" anchor="ctr" anchorCtr="0">
             <a:noAutofit/>
           </a:bodyPr>
           <a:lstStyle>
@@ -3335,8 +3612,15 @@
             </a:pPr>
             <a:fld id="{00000000-1234-1234-1234-123412341234}" type="slidenum">
               <a:rPr lang="en"/>
+              <a:pPr>
+                <a:spcBef>
+                  <a:spcPts val="0"/>
+                </a:spcBef>
+                <a:buNone/>
+              </a:pPr>
               <a:t>‹#›</a:t>
             </a:fld>
+            <a:endParaRPr lang="en"/>
           </a:p>
         </p:txBody>
       </p:sp>
@@ -3349,11 +3633,11 @@
 </file>
 
 <file path=ppt/slideLayouts/slideLayout2.xml><?xml version="1.0" encoding="utf-8"?>
-<p:sldLayout xmlns:a="http://schemas.openxmlformats.org/drawingml/2006/main" xmlns:r="http://schemas.openxmlformats.org/officeDocument/2006/relationships" xmlns:mc="http://schemas.openxmlformats.org/markup-compatibility/2006" xmlns:mv="urn:schemas-microsoft-com:mac:vml" xmlns:p="http://schemas.openxmlformats.org/presentationml/2006/main" xmlns:c="http://schemas.openxmlformats.org/drawingml/2006/chart" xmlns:dgm="http://schemas.openxmlformats.org/drawingml/2006/diagram" xmlns:o="urn:schemas-microsoft-com:office:office" xmlns:v="urn:schemas-microsoft-com:vml" xmlns:pvml="urn:schemas-microsoft-com:office:powerpoint" xmlns:com="http://schemas.openxmlformats.org/drawingml/2006/compatibility" xmlns:p14="http://schemas.microsoft.com/office/powerpoint/2010/main" type="tx">
+<p:sldLayout xmlns:a="http://schemas.openxmlformats.org/drawingml/2006/main" xmlns:r="http://schemas.openxmlformats.org/officeDocument/2006/relationships" xmlns:p="http://schemas.openxmlformats.org/presentationml/2006/main" type="tx">
   <p:cSld name="Title and Body">
     <p:spTree>
       <p:nvGrpSpPr>
-        <p:cNvPr id="14" name="Shape 14"/>
+        <p:cNvPr id="1" name="Shape 14"/>
         <p:cNvGrpSpPr/>
         <p:nvPr/>
       </p:nvGrpSpPr>
@@ -3387,7 +3671,7 @@
           </a:ln>
         </p:spPr>
         <p:txBody>
-          <a:bodyPr anchorCtr="0" anchor="ctr" bIns="45700" lIns="91425" rIns="91425" tIns="45700">
+          <a:bodyPr lIns="91425" tIns="45700" rIns="91425" bIns="45700" anchor="ctr" anchorCtr="0">
             <a:noAutofit/>
           </a:bodyPr>
           <a:lstStyle/>
@@ -3398,9 +3682,6 @@
               </a:spcBef>
               <a:buNone/>
             </a:pPr>
-            <a:r>
-              <a:t/>
-            </a:r>
             <a:endParaRPr/>
           </a:p>
         </p:txBody>
@@ -3420,7 +3701,7 @@
             <a:avLst/>
           </a:prstGeom>
           <a:noFill/>
-          <a:ln cap="flat" w="57150">
+          <a:ln w="57150" cap="flat">
             <a:solidFill>
               <a:srgbClr val="000000">
                 <a:alpha val="14901"/>
@@ -3428,15 +3709,17 @@
             </a:solidFill>
             <a:prstDash val="solid"/>
             <a:round/>
-            <a:headEnd len="med" w="med" type="none"/>
-            <a:tailEnd len="med" w="med" type="none"/>
+            <a:headEnd type="none" w="med" len="med"/>
+            <a:tailEnd type="none" w="med" len="med"/>
           </a:ln>
         </p:spPr>
       </p:cxnSp>
       <p:sp>
         <p:nvSpPr>
           <p:cNvPr id="17" name="Shape 17"/>
-          <p:cNvSpPr txBox="1"/>
+          <p:cNvSpPr txBox="1">
+            <a:spLocks noGrp="1"/>
+          </p:cNvSpPr>
           <p:nvPr>
             <p:ph type="title"/>
           </p:nvPr>
@@ -3451,7 +3734,7 @@
           </a:prstGeom>
         </p:spPr>
         <p:txBody>
-          <a:bodyPr anchorCtr="0" anchor="b" bIns="91425" lIns="91425" rIns="91425" tIns="91425"/>
+          <a:bodyPr lIns="91425" tIns="91425" rIns="91425" bIns="91425" anchor="b" anchorCtr="0"/>
           <a:lstStyle>
             <a:lvl1pPr>
               <a:spcBef>
@@ -3508,15 +3791,19 @@
               <a:defRPr/>
             </a:lvl9pPr>
           </a:lstStyle>
-          <a:p/>
+          <a:p>
+            <a:endParaRPr/>
+          </a:p>
         </p:txBody>
       </p:sp>
       <p:sp>
         <p:nvSpPr>
           <p:cNvPr id="18" name="Shape 18"/>
-          <p:cNvSpPr txBox="1"/>
+          <p:cNvSpPr txBox="1">
+            <a:spLocks noGrp="1"/>
+          </p:cNvSpPr>
           <p:nvPr>
-            <p:ph idx="1" type="body"/>
+            <p:ph type="body" idx="1"/>
           </p:nvPr>
         </p:nvSpPr>
         <p:spPr>
@@ -3529,7 +3816,7 @@
           </a:prstGeom>
         </p:spPr>
         <p:txBody>
-          <a:bodyPr anchorCtr="0" anchor="t" bIns="91425" lIns="91425" rIns="91425" tIns="91425"/>
+          <a:bodyPr lIns="91425" tIns="91425" rIns="91425" bIns="91425" anchor="t" anchorCtr="0"/>
           <a:lstStyle>
             <a:lvl1pPr>
               <a:spcBef>
@@ -3586,15 +3873,19 @@
               <a:defRPr/>
             </a:lvl9pPr>
           </a:lstStyle>
-          <a:p/>
+          <a:p>
+            <a:endParaRPr/>
+          </a:p>
         </p:txBody>
       </p:sp>
       <p:sp>
         <p:nvSpPr>
           <p:cNvPr id="19" name="Shape 19"/>
-          <p:cNvSpPr txBox="1"/>
+          <p:cNvSpPr txBox="1">
+            <a:spLocks noGrp="1"/>
+          </p:cNvSpPr>
           <p:nvPr>
-            <p:ph idx="12" type="sldNum"/>
+            <p:ph type="sldNum" idx="12"/>
           </p:nvPr>
         </p:nvSpPr>
         <p:spPr>
@@ -3607,7 +3898,7 @@
           </a:prstGeom>
         </p:spPr>
         <p:txBody>
-          <a:bodyPr anchorCtr="0" anchor="ctr" bIns="91425" lIns="91425" rIns="91425" tIns="91425">
+          <a:bodyPr lIns="91425" tIns="91425" rIns="91425" bIns="91425" anchor="ctr" anchorCtr="0">
             <a:noAutofit/>
           </a:bodyPr>
           <a:lstStyle>
@@ -3628,8 +3919,15 @@
             </a:pPr>
             <a:fld id="{00000000-1234-1234-1234-123412341234}" type="slidenum">
               <a:rPr lang="en"/>
+              <a:pPr>
+                <a:spcBef>
+                  <a:spcPts val="0"/>
+                </a:spcBef>
+                <a:buNone/>
+              </a:pPr>
               <a:t>‹#›</a:t>
             </a:fld>
+            <a:endParaRPr lang="en"/>
           </a:p>
         </p:txBody>
       </p:sp>
@@ -3642,11 +3940,11 @@
 </file>
 
 <file path=ppt/slideLayouts/slideLayout3.xml><?xml version="1.0" encoding="utf-8"?>
-<p:sldLayout xmlns:a="http://schemas.openxmlformats.org/drawingml/2006/main" xmlns:r="http://schemas.openxmlformats.org/officeDocument/2006/relationships" xmlns:mc="http://schemas.openxmlformats.org/markup-compatibility/2006" xmlns:mv="urn:schemas-microsoft-com:mac:vml" xmlns:p="http://schemas.openxmlformats.org/presentationml/2006/main" xmlns:c="http://schemas.openxmlformats.org/drawingml/2006/chart" xmlns:dgm="http://schemas.openxmlformats.org/drawingml/2006/diagram" xmlns:o="urn:schemas-microsoft-com:office:office" xmlns:v="urn:schemas-microsoft-com:vml" xmlns:pvml="urn:schemas-microsoft-com:office:powerpoint" xmlns:com="http://schemas.openxmlformats.org/drawingml/2006/compatibility" xmlns:p14="http://schemas.microsoft.com/office/powerpoint/2010/main" type="twoColTx">
+<p:sldLayout xmlns:a="http://schemas.openxmlformats.org/drawingml/2006/main" xmlns:r="http://schemas.openxmlformats.org/officeDocument/2006/relationships" xmlns:p="http://schemas.openxmlformats.org/presentationml/2006/main" type="twoColTx">
   <p:cSld name="Title and Two Columns">
     <p:spTree>
       <p:nvGrpSpPr>
-        <p:cNvPr id="20" name="Shape 20"/>
+        <p:cNvPr id="1" name="Shape 20"/>
         <p:cNvGrpSpPr/>
         <p:nvPr/>
       </p:nvGrpSpPr>
@@ -3680,7 +3978,7 @@
           </a:ln>
         </p:spPr>
         <p:txBody>
-          <a:bodyPr anchorCtr="0" anchor="ctr" bIns="45700" lIns="91425" rIns="91425" tIns="45700">
+          <a:bodyPr lIns="91425" tIns="45700" rIns="91425" bIns="45700" anchor="ctr" anchorCtr="0">
             <a:noAutofit/>
           </a:bodyPr>
           <a:lstStyle/>
@@ -3691,9 +3989,6 @@
               </a:spcBef>
               <a:buNone/>
             </a:pPr>
-            <a:r>
-              <a:t/>
-            </a:r>
             <a:endParaRPr/>
           </a:p>
         </p:txBody>
@@ -3713,7 +4008,7 @@
             <a:avLst/>
           </a:prstGeom>
           <a:noFill/>
-          <a:ln cap="flat" w="57150">
+          <a:ln w="57150" cap="flat">
             <a:solidFill>
               <a:srgbClr val="000000">
                 <a:alpha val="14901"/>
@@ -3721,15 +4016,17 @@
             </a:solidFill>
             <a:prstDash val="solid"/>
             <a:round/>
-            <a:headEnd len="med" w="med" type="none"/>
-            <a:tailEnd len="med" w="med" type="none"/>
+            <a:headEnd type="none" w="med" len="med"/>
+            <a:tailEnd type="none" w="med" len="med"/>
           </a:ln>
         </p:spPr>
       </p:cxnSp>
       <p:sp>
         <p:nvSpPr>
           <p:cNvPr id="23" name="Shape 23"/>
-          <p:cNvSpPr txBox="1"/>
+          <p:cNvSpPr txBox="1">
+            <a:spLocks noGrp="1"/>
+          </p:cNvSpPr>
           <p:nvPr>
             <p:ph type="title"/>
           </p:nvPr>
@@ -3744,7 +4041,7 @@
           </a:prstGeom>
         </p:spPr>
         <p:txBody>
-          <a:bodyPr anchorCtr="0" anchor="b" bIns="91425" lIns="91425" rIns="91425" tIns="91425"/>
+          <a:bodyPr lIns="91425" tIns="91425" rIns="91425" bIns="91425" anchor="b" anchorCtr="0"/>
           <a:lstStyle>
             <a:lvl1pPr>
               <a:spcBef>
@@ -3801,15 +4098,19 @@
               <a:defRPr/>
             </a:lvl9pPr>
           </a:lstStyle>
-          <a:p/>
+          <a:p>
+            <a:endParaRPr/>
+          </a:p>
         </p:txBody>
       </p:sp>
       <p:sp>
         <p:nvSpPr>
           <p:cNvPr id="24" name="Shape 24"/>
-          <p:cNvSpPr txBox="1"/>
+          <p:cNvSpPr txBox="1">
+            <a:spLocks noGrp="1"/>
+          </p:cNvSpPr>
           <p:nvPr>
-            <p:ph idx="1" type="body"/>
+            <p:ph type="body" idx="1"/>
           </p:nvPr>
         </p:nvSpPr>
         <p:spPr>
@@ -3822,7 +4123,7 @@
           </a:prstGeom>
         </p:spPr>
         <p:txBody>
-          <a:bodyPr anchorCtr="0" anchor="t" bIns="91425" lIns="91425" rIns="91425" tIns="91425"/>
+          <a:bodyPr lIns="91425" tIns="91425" rIns="91425" bIns="91425" anchor="t" anchorCtr="0"/>
           <a:lstStyle>
             <a:lvl1pPr>
               <a:spcBef>
@@ -3879,15 +4180,19 @@
               <a:defRPr/>
             </a:lvl9pPr>
           </a:lstStyle>
-          <a:p/>
+          <a:p>
+            <a:endParaRPr/>
+          </a:p>
         </p:txBody>
       </p:sp>
       <p:sp>
         <p:nvSpPr>
           <p:cNvPr id="25" name="Shape 25"/>
-          <p:cNvSpPr txBox="1"/>
+          <p:cNvSpPr txBox="1">
+            <a:spLocks noGrp="1"/>
+          </p:cNvSpPr>
           <p:nvPr>
-            <p:ph idx="2" type="body"/>
+            <p:ph type="body" idx="2"/>
           </p:nvPr>
         </p:nvSpPr>
         <p:spPr>
@@ -3900,7 +4205,7 @@
           </a:prstGeom>
         </p:spPr>
         <p:txBody>
-          <a:bodyPr anchorCtr="0" anchor="t" bIns="91425" lIns="91425" rIns="91425" tIns="91425"/>
+          <a:bodyPr lIns="91425" tIns="91425" rIns="91425" bIns="91425" anchor="t" anchorCtr="0"/>
           <a:lstStyle>
             <a:lvl1pPr>
               <a:spcBef>
@@ -3957,15 +4262,19 @@
               <a:defRPr/>
             </a:lvl9pPr>
           </a:lstStyle>
-          <a:p/>
+          <a:p>
+            <a:endParaRPr/>
+          </a:p>
         </p:txBody>
       </p:sp>
       <p:sp>
         <p:nvSpPr>
           <p:cNvPr id="26" name="Shape 26"/>
-          <p:cNvSpPr txBox="1"/>
+          <p:cNvSpPr txBox="1">
+            <a:spLocks noGrp="1"/>
+          </p:cNvSpPr>
           <p:nvPr>
-            <p:ph idx="12" type="sldNum"/>
+            <p:ph type="sldNum" idx="12"/>
           </p:nvPr>
         </p:nvSpPr>
         <p:spPr>
@@ -3978,7 +4287,7 @@
           </a:prstGeom>
         </p:spPr>
         <p:txBody>
-          <a:bodyPr anchorCtr="0" anchor="ctr" bIns="91425" lIns="91425" rIns="91425" tIns="91425">
+          <a:bodyPr lIns="91425" tIns="91425" rIns="91425" bIns="91425" anchor="ctr" anchorCtr="0">
             <a:noAutofit/>
           </a:bodyPr>
           <a:lstStyle>
@@ -3999,8 +4308,15 @@
             </a:pPr>
             <a:fld id="{00000000-1234-1234-1234-123412341234}" type="slidenum">
               <a:rPr lang="en"/>
+              <a:pPr>
+                <a:spcBef>
+                  <a:spcPts val="0"/>
+                </a:spcBef>
+                <a:buNone/>
+              </a:pPr>
               <a:t>‹#›</a:t>
             </a:fld>
+            <a:endParaRPr lang="en"/>
           </a:p>
         </p:txBody>
       </p:sp>
@@ -4013,11 +4329,11 @@
 </file>
 
 <file path=ppt/slideLayouts/slideLayout4.xml><?xml version="1.0" encoding="utf-8"?>
-<p:sldLayout xmlns:a="http://schemas.openxmlformats.org/drawingml/2006/main" xmlns:r="http://schemas.openxmlformats.org/officeDocument/2006/relationships" xmlns:mc="http://schemas.openxmlformats.org/markup-compatibility/2006" xmlns:mv="urn:schemas-microsoft-com:mac:vml" xmlns:p="http://schemas.openxmlformats.org/presentationml/2006/main" xmlns:c="http://schemas.openxmlformats.org/drawingml/2006/chart" xmlns:dgm="http://schemas.openxmlformats.org/drawingml/2006/diagram" xmlns:o="urn:schemas-microsoft-com:office:office" xmlns:v="urn:schemas-microsoft-com:vml" xmlns:pvml="urn:schemas-microsoft-com:office:powerpoint" xmlns:com="http://schemas.openxmlformats.org/drawingml/2006/compatibility" xmlns:p14="http://schemas.microsoft.com/office/powerpoint/2010/main" type="titleOnly">
+<p:sldLayout xmlns:a="http://schemas.openxmlformats.org/drawingml/2006/main" xmlns:r="http://schemas.openxmlformats.org/officeDocument/2006/relationships" xmlns:p="http://schemas.openxmlformats.org/presentationml/2006/main" type="titleOnly">
   <p:cSld name="Title Only">
     <p:spTree>
       <p:nvGrpSpPr>
-        <p:cNvPr id="27" name="Shape 27"/>
+        <p:cNvPr id="1" name="Shape 27"/>
         <p:cNvGrpSpPr/>
         <p:nvPr/>
       </p:nvGrpSpPr>
@@ -4051,7 +4367,7 @@
           </a:ln>
         </p:spPr>
         <p:txBody>
-          <a:bodyPr anchorCtr="0" anchor="ctr" bIns="45700" lIns="91425" rIns="91425" tIns="45700">
+          <a:bodyPr lIns="91425" tIns="45700" rIns="91425" bIns="45700" anchor="ctr" anchorCtr="0">
             <a:noAutofit/>
           </a:bodyPr>
           <a:lstStyle/>
@@ -4062,9 +4378,6 @@
               </a:spcBef>
               <a:buNone/>
             </a:pPr>
-            <a:r>
-              <a:t/>
-            </a:r>
             <a:endParaRPr/>
           </a:p>
         </p:txBody>
@@ -4084,7 +4397,7 @@
             <a:avLst/>
           </a:prstGeom>
           <a:noFill/>
-          <a:ln cap="flat" w="57150">
+          <a:ln w="57150" cap="flat">
             <a:solidFill>
               <a:srgbClr val="000000">
                 <a:alpha val="14901"/>
@@ -4092,15 +4405,17 @@
             </a:solidFill>
             <a:prstDash val="solid"/>
             <a:round/>
-            <a:headEnd len="med" w="med" type="none"/>
-            <a:tailEnd len="med" w="med" type="none"/>
+            <a:headEnd type="none" w="med" len="med"/>
+            <a:tailEnd type="none" w="med" len="med"/>
           </a:ln>
         </p:spPr>
       </p:cxnSp>
       <p:sp>
         <p:nvSpPr>
           <p:cNvPr id="30" name="Shape 30"/>
-          <p:cNvSpPr txBox="1"/>
+          <p:cNvSpPr txBox="1">
+            <a:spLocks noGrp="1"/>
+          </p:cNvSpPr>
           <p:nvPr>
             <p:ph type="title"/>
           </p:nvPr>
@@ -4115,7 +4430,7 @@
           </a:prstGeom>
         </p:spPr>
         <p:txBody>
-          <a:bodyPr anchorCtr="0" anchor="b" bIns="91425" lIns="91425" rIns="91425" tIns="91425"/>
+          <a:bodyPr lIns="91425" tIns="91425" rIns="91425" bIns="91425" anchor="b" anchorCtr="0"/>
           <a:lstStyle>
             <a:lvl1pPr>
               <a:spcBef>
@@ -4172,15 +4487,19 @@
               <a:defRPr/>
             </a:lvl9pPr>
           </a:lstStyle>
-          <a:p/>
+          <a:p>
+            <a:endParaRPr/>
+          </a:p>
         </p:txBody>
       </p:sp>
       <p:sp>
         <p:nvSpPr>
           <p:cNvPr id="31" name="Shape 31"/>
-          <p:cNvSpPr txBox="1"/>
+          <p:cNvSpPr txBox="1">
+            <a:spLocks noGrp="1"/>
+          </p:cNvSpPr>
           <p:nvPr>
-            <p:ph idx="12" type="sldNum"/>
+            <p:ph type="sldNum" idx="12"/>
           </p:nvPr>
         </p:nvSpPr>
         <p:spPr>
@@ -4193,7 +4512,7 @@
           </a:prstGeom>
         </p:spPr>
         <p:txBody>
-          <a:bodyPr anchorCtr="0" anchor="ctr" bIns="91425" lIns="91425" rIns="91425" tIns="91425">
+          <a:bodyPr lIns="91425" tIns="91425" rIns="91425" bIns="91425" anchor="ctr" anchorCtr="0">
             <a:noAutofit/>
           </a:bodyPr>
           <a:lstStyle>
@@ -4214,8 +4533,15 @@
             </a:pPr>
             <a:fld id="{00000000-1234-1234-1234-123412341234}" type="slidenum">
               <a:rPr lang="en"/>
+              <a:pPr>
+                <a:spcBef>
+                  <a:spcPts val="0"/>
+                </a:spcBef>
+                <a:buNone/>
+              </a:pPr>
               <a:t>‹#›</a:t>
             </a:fld>
+            <a:endParaRPr lang="en"/>
           </a:p>
         </p:txBody>
       </p:sp>
@@ -4228,11 +4554,11 @@
 </file>
 
 <file path=ppt/slideLayouts/slideLayout5.xml><?xml version="1.0" encoding="utf-8"?>
-<p:sldLayout xmlns:a="http://schemas.openxmlformats.org/drawingml/2006/main" xmlns:r="http://schemas.openxmlformats.org/officeDocument/2006/relationships" xmlns:mc="http://schemas.openxmlformats.org/markup-compatibility/2006" xmlns:mv="urn:schemas-microsoft-com:mac:vml" xmlns:p="http://schemas.openxmlformats.org/presentationml/2006/main" xmlns:c="http://schemas.openxmlformats.org/drawingml/2006/chart" xmlns:dgm="http://schemas.openxmlformats.org/drawingml/2006/diagram" xmlns:o="urn:schemas-microsoft-com:office:office" xmlns:v="urn:schemas-microsoft-com:vml" xmlns:pvml="urn:schemas-microsoft-com:office:powerpoint" xmlns:com="http://schemas.openxmlformats.org/drawingml/2006/compatibility" xmlns:p14="http://schemas.microsoft.com/office/powerpoint/2010/main">
+<p:sldLayout xmlns:a="http://schemas.openxmlformats.org/drawingml/2006/main" xmlns:r="http://schemas.openxmlformats.org/officeDocument/2006/relationships" xmlns:p="http://schemas.openxmlformats.org/presentationml/2006/main">
   <p:cSld name="Caption">
     <p:spTree>
       <p:nvGrpSpPr>
-        <p:cNvPr id="32" name="Shape 32"/>
+        <p:cNvPr id="1" name="Shape 32"/>
         <p:cNvGrpSpPr/>
         <p:nvPr/>
       </p:nvGrpSpPr>
@@ -4247,9 +4573,11 @@
       <p:sp>
         <p:nvSpPr>
           <p:cNvPr id="33" name="Shape 33"/>
-          <p:cNvSpPr txBox="1"/>
+          <p:cNvSpPr txBox="1">
+            <a:spLocks noGrp="1"/>
+          </p:cNvSpPr>
           <p:nvPr>
-            <p:ph idx="1" type="body"/>
+            <p:ph type="body" idx="1"/>
           </p:nvPr>
         </p:nvSpPr>
         <p:spPr>
@@ -4262,7 +4590,7 @@
           </a:prstGeom>
         </p:spPr>
         <p:txBody>
-          <a:bodyPr anchorCtr="0" anchor="t" bIns="91425" lIns="91425" rIns="91425" tIns="91425"/>
+          <a:bodyPr lIns="91425" tIns="91425" rIns="91425" bIns="91425" anchor="t" anchorCtr="0"/>
           <a:lstStyle>
             <a:lvl1pPr>
               <a:spcBef>
@@ -4280,7 +4608,9 @@
               </a:defRPr>
             </a:lvl1pPr>
           </a:lstStyle>
-          <a:p/>
+          <a:p>
+            <a:endParaRPr/>
+          </a:p>
         </p:txBody>
       </p:sp>
       <p:sp>
@@ -4305,7 +4635,7 @@
           </a:ln>
         </p:spPr>
         <p:txBody>
-          <a:bodyPr anchorCtr="0" anchor="ctr" bIns="45700" lIns="91425" rIns="91425" tIns="45700">
+          <a:bodyPr lIns="91425" tIns="45700" rIns="91425" bIns="45700" anchor="ctr" anchorCtr="0">
             <a:noAutofit/>
           </a:bodyPr>
           <a:lstStyle/>
@@ -4316,9 +4646,6 @@
               </a:spcBef>
               <a:buNone/>
             </a:pPr>
-            <a:r>
-              <a:t/>
-            </a:r>
             <a:endParaRPr/>
           </a:p>
         </p:txBody>
@@ -4338,7 +4665,7 @@
             <a:avLst/>
           </a:prstGeom>
           <a:noFill/>
-          <a:ln cap="flat" w="57150">
+          <a:ln w="57150" cap="flat">
             <a:solidFill>
               <a:srgbClr val="000000">
                 <a:alpha val="14901"/>
@@ -4346,17 +4673,19 @@
             </a:solidFill>
             <a:prstDash val="solid"/>
             <a:round/>
-            <a:headEnd len="med" w="med" type="none"/>
-            <a:tailEnd len="med" w="med" type="none"/>
+            <a:headEnd type="none" w="med" len="med"/>
+            <a:tailEnd type="none" w="med" len="med"/>
           </a:ln>
         </p:spPr>
       </p:cxnSp>
       <p:sp>
         <p:nvSpPr>
           <p:cNvPr id="36" name="Shape 36"/>
-          <p:cNvSpPr txBox="1"/>
+          <p:cNvSpPr txBox="1">
+            <a:spLocks noGrp="1"/>
+          </p:cNvSpPr>
           <p:nvPr>
-            <p:ph idx="12" type="sldNum"/>
+            <p:ph type="sldNum" idx="12"/>
           </p:nvPr>
         </p:nvSpPr>
         <p:spPr>
@@ -4369,7 +4698,7 @@
           </a:prstGeom>
         </p:spPr>
         <p:txBody>
-          <a:bodyPr anchorCtr="0" anchor="ctr" bIns="91425" lIns="91425" rIns="91425" tIns="91425">
+          <a:bodyPr lIns="91425" tIns="91425" rIns="91425" bIns="91425" anchor="ctr" anchorCtr="0">
             <a:noAutofit/>
           </a:bodyPr>
           <a:lstStyle>
@@ -4390,8 +4719,15 @@
             </a:pPr>
             <a:fld id="{00000000-1234-1234-1234-123412341234}" type="slidenum">
               <a:rPr lang="en"/>
+              <a:pPr>
+                <a:spcBef>
+                  <a:spcPts val="0"/>
+                </a:spcBef>
+                <a:buNone/>
+              </a:pPr>
               <a:t>‹#›</a:t>
             </a:fld>
+            <a:endParaRPr lang="en"/>
           </a:p>
         </p:txBody>
       </p:sp>
@@ -4404,18 +4740,19 @@
 </file>
 
 <file path=ppt/slideLayouts/slideLayout6.xml><?xml version="1.0" encoding="utf-8"?>
-<p:sldLayout xmlns:a="http://schemas.openxmlformats.org/drawingml/2006/main" xmlns:r="http://schemas.openxmlformats.org/officeDocument/2006/relationships" xmlns:mc="http://schemas.openxmlformats.org/markup-compatibility/2006" xmlns:mv="urn:schemas-microsoft-com:mac:vml" xmlns:p="http://schemas.openxmlformats.org/presentationml/2006/main" xmlns:c="http://schemas.openxmlformats.org/drawingml/2006/chart" xmlns:dgm="http://schemas.openxmlformats.org/drawingml/2006/diagram" xmlns:o="urn:schemas-microsoft-com:office:office" xmlns:v="urn:schemas-microsoft-com:vml" xmlns:pvml="urn:schemas-microsoft-com:office:powerpoint" xmlns:com="http://schemas.openxmlformats.org/drawingml/2006/compatibility" xmlns:p14="http://schemas.microsoft.com/office/powerpoint/2010/main" type="blank">
+<p:sldLayout xmlns:a="http://schemas.openxmlformats.org/drawingml/2006/main" xmlns:r="http://schemas.openxmlformats.org/officeDocument/2006/relationships" xmlns:p="http://schemas.openxmlformats.org/presentationml/2006/main" type="blank">
   <p:cSld name="Blank">
     <p:bg>
       <p:bgPr>
         <a:solidFill>
           <a:schemeClr val="dk2"/>
         </a:solidFill>
+        <a:effectLst/>
       </p:bgPr>
     </p:bg>
     <p:spTree>
       <p:nvGrpSpPr>
-        <p:cNvPr id="37" name="Shape 37"/>
+        <p:cNvPr id="1" name="Shape 37"/>
         <p:cNvGrpSpPr/>
         <p:nvPr/>
       </p:nvGrpSpPr>
@@ -4430,9 +4767,11 @@
       <p:sp>
         <p:nvSpPr>
           <p:cNvPr id="38" name="Shape 38"/>
-          <p:cNvSpPr txBox="1"/>
+          <p:cNvSpPr txBox="1">
+            <a:spLocks noGrp="1"/>
+          </p:cNvSpPr>
           <p:nvPr>
-            <p:ph idx="12" type="sldNum"/>
+            <p:ph type="sldNum" idx="12"/>
           </p:nvPr>
         </p:nvSpPr>
         <p:spPr>
@@ -4445,7 +4784,7 @@
           </a:prstGeom>
         </p:spPr>
         <p:txBody>
-          <a:bodyPr anchorCtr="0" anchor="ctr" bIns="91425" lIns="91425" rIns="91425" tIns="91425">
+          <a:bodyPr lIns="91425" tIns="91425" rIns="91425" bIns="91425" anchor="ctr" anchorCtr="0">
             <a:noAutofit/>
           </a:bodyPr>
           <a:lstStyle>
@@ -4470,8 +4809,15 @@
             </a:pPr>
             <a:fld id="{00000000-1234-1234-1234-123412341234}" type="slidenum">
               <a:rPr lang="en"/>
+              <a:pPr>
+                <a:spcBef>
+                  <a:spcPts val="0"/>
+                </a:spcBef>
+                <a:buNone/>
+              </a:pPr>
               <a:t>‹#›</a:t>
             </a:fld>
+            <a:endParaRPr lang="en"/>
           </a:p>
         </p:txBody>
       </p:sp>
@@ -4484,18 +4830,19 @@
 </file>
 
 <file path=ppt/slideMasters/slideMaster1.xml><?xml version="1.0" encoding="utf-8"?>
-<p:sldMaster xmlns:a="http://schemas.openxmlformats.org/drawingml/2006/main" xmlns:r="http://schemas.openxmlformats.org/officeDocument/2006/relationships" xmlns:mc="http://schemas.openxmlformats.org/markup-compatibility/2006" xmlns:mv="urn:schemas-microsoft-com:mac:vml" xmlns:p="http://schemas.openxmlformats.org/presentationml/2006/main" xmlns:c="http://schemas.openxmlformats.org/drawingml/2006/chart" xmlns:dgm="http://schemas.openxmlformats.org/drawingml/2006/diagram" xmlns:o="urn:schemas-microsoft-com:office:office" xmlns:v="urn:schemas-microsoft-com:vml" xmlns:pvml="urn:schemas-microsoft-com:office:powerpoint" xmlns:com="http://schemas.openxmlformats.org/drawingml/2006/compatibility" xmlns:p14="http://schemas.microsoft.com/office/powerpoint/2010/main">
+<p:sldMaster xmlns:a="http://schemas.openxmlformats.org/drawingml/2006/main" xmlns:r="http://schemas.openxmlformats.org/officeDocument/2006/relationships" xmlns:p="http://schemas.openxmlformats.org/presentationml/2006/main">
   <p:cSld>
     <p:bg>
       <p:bgPr>
         <a:solidFill>
           <a:schemeClr val="lt1"/>
         </a:solidFill>
+        <a:effectLst/>
       </p:bgPr>
     </p:bg>
     <p:spTree>
       <p:nvGrpSpPr>
-        <p:cNvPr id="4" name="Shape 4"/>
+        <p:cNvPr id="1" name="Shape 4"/>
         <p:cNvGrpSpPr/>
         <p:nvPr/>
       </p:nvGrpSpPr>
@@ -4510,7 +4857,9 @@
       <p:sp>
         <p:nvSpPr>
           <p:cNvPr id="5" name="Shape 5"/>
-          <p:cNvSpPr txBox="1"/>
+          <p:cNvSpPr txBox="1">
+            <a:spLocks noGrp="1"/>
+          </p:cNvSpPr>
           <p:nvPr>
             <p:ph type="title"/>
           </p:nvPr>
@@ -4529,7 +4878,7 @@
           </a:ln>
         </p:spPr>
         <p:txBody>
-          <a:bodyPr anchorCtr="0" anchor="b" bIns="91425" lIns="91425" rIns="91425" tIns="91425"/>
+          <a:bodyPr lIns="91425" tIns="91425" rIns="91425" bIns="91425" anchor="b" anchorCtr="0"/>
           <a:lstStyle>
             <a:lvl1pPr>
               <a:spcBef>
@@ -4540,7 +4889,7 @@
               </a:buClr>
               <a:buSzPct val="100000"/>
               <a:buNone/>
-              <a:defRPr b="1" sz="3600">
+              <a:defRPr sz="3600" b="1">
                 <a:solidFill>
                   <a:schemeClr val="lt1"/>
                 </a:solidFill>
@@ -4555,7 +4904,7 @@
               </a:buClr>
               <a:buSzPct val="100000"/>
               <a:buNone/>
-              <a:defRPr b="1" sz="3600">
+              <a:defRPr sz="3600" b="1">
                 <a:solidFill>
                   <a:schemeClr val="lt1"/>
                 </a:solidFill>
@@ -4570,7 +4919,7 @@
               </a:buClr>
               <a:buSzPct val="100000"/>
               <a:buNone/>
-              <a:defRPr b="1" sz="3600">
+              <a:defRPr sz="3600" b="1">
                 <a:solidFill>
                   <a:schemeClr val="lt1"/>
                 </a:solidFill>
@@ -4585,7 +4934,7 @@
               </a:buClr>
               <a:buSzPct val="100000"/>
               <a:buNone/>
-              <a:defRPr b="1" sz="3600">
+              <a:defRPr sz="3600" b="1">
                 <a:solidFill>
                   <a:schemeClr val="lt1"/>
                 </a:solidFill>
@@ -4600,7 +4949,7 @@
               </a:buClr>
               <a:buSzPct val="100000"/>
               <a:buNone/>
-              <a:defRPr b="1" sz="3600">
+              <a:defRPr sz="3600" b="1">
                 <a:solidFill>
                   <a:schemeClr val="lt1"/>
                 </a:solidFill>
@@ -4615,7 +4964,7 @@
               </a:buClr>
               <a:buSzPct val="100000"/>
               <a:buNone/>
-              <a:defRPr b="1" sz="3600">
+              <a:defRPr sz="3600" b="1">
                 <a:solidFill>
                   <a:schemeClr val="lt1"/>
                 </a:solidFill>
@@ -4630,7 +4979,7 @@
               </a:buClr>
               <a:buSzPct val="100000"/>
               <a:buNone/>
-              <a:defRPr b="1" sz="3600">
+              <a:defRPr sz="3600" b="1">
                 <a:solidFill>
                   <a:schemeClr val="lt1"/>
                 </a:solidFill>
@@ -4645,7 +4994,7 @@
               </a:buClr>
               <a:buSzPct val="100000"/>
               <a:buNone/>
-              <a:defRPr b="1" sz="3600">
+              <a:defRPr sz="3600" b="1">
                 <a:solidFill>
                   <a:schemeClr val="lt1"/>
                 </a:solidFill>
@@ -4660,22 +5009,26 @@
               </a:buClr>
               <a:buSzPct val="100000"/>
               <a:buNone/>
-              <a:defRPr b="1" sz="3600">
+              <a:defRPr sz="3600" b="1">
                 <a:solidFill>
                   <a:schemeClr val="lt1"/>
                 </a:solidFill>
               </a:defRPr>
             </a:lvl9pPr>
           </a:lstStyle>
-          <a:p/>
+          <a:p>
+            <a:endParaRPr/>
+          </a:p>
         </p:txBody>
       </p:sp>
       <p:sp>
         <p:nvSpPr>
           <p:cNvPr id="6" name="Shape 6"/>
-          <p:cNvSpPr txBox="1"/>
+          <p:cNvSpPr txBox="1">
+            <a:spLocks noGrp="1"/>
+          </p:cNvSpPr>
           <p:nvPr>
-            <p:ph idx="1" type="body"/>
+            <p:ph type="body" idx="1"/>
           </p:nvPr>
         </p:nvSpPr>
         <p:spPr>
@@ -4692,7 +5045,7 @@
           </a:ln>
         </p:spPr>
         <p:txBody>
-          <a:bodyPr anchorCtr="0" anchor="t" bIns="91425" lIns="91425" rIns="91425" tIns="91425"/>
+          <a:bodyPr lIns="91425" tIns="91425" rIns="91425" bIns="91425" anchor="t" anchorCtr="0"/>
           <a:lstStyle>
             <a:lvl1pPr>
               <a:spcBef>
@@ -4821,15 +5174,19 @@
               </a:defRPr>
             </a:lvl9pPr>
           </a:lstStyle>
-          <a:p/>
+          <a:p>
+            <a:endParaRPr/>
+          </a:p>
         </p:txBody>
       </p:sp>
       <p:sp>
         <p:nvSpPr>
           <p:cNvPr id="7" name="Shape 7"/>
-          <p:cNvSpPr txBox="1"/>
+          <p:cNvSpPr txBox="1">
+            <a:spLocks noGrp="1"/>
+          </p:cNvSpPr>
           <p:nvPr>
-            <p:ph idx="12" type="sldNum"/>
+            <p:ph type="sldNum" idx="12"/>
           </p:nvPr>
         </p:nvSpPr>
         <p:spPr>
@@ -4846,7 +5203,7 @@
           </a:ln>
         </p:spPr>
         <p:txBody>
-          <a:bodyPr anchorCtr="0" anchor="ctr" bIns="91425" lIns="91425" rIns="91425" tIns="91425">
+          <a:bodyPr lIns="91425" tIns="91425" rIns="91425" bIns="91425" anchor="ctr" anchorCtr="0">
             <a:noAutofit/>
           </a:bodyPr>
           <a:lstStyle>
@@ -4871,14 +5228,21 @@
             </a:pPr>
             <a:fld id="{00000000-1234-1234-1234-123412341234}" type="slidenum">
               <a:rPr lang="en"/>
+              <a:pPr>
+                <a:spcBef>
+                  <a:spcPts val="0"/>
+                </a:spcBef>
+                <a:buNone/>
+              </a:pPr>
               <a:t>‹#›</a:t>
             </a:fld>
+            <a:endParaRPr lang="en"/>
           </a:p>
         </p:txBody>
       </p:sp>
     </p:spTree>
   </p:cSld>
-  <p:clrMap accent1="accent1" accent2="accent2" accent3="accent3" accent4="accent4" accent5="accent5" accent6="accent6" bg1="lt1" bg2="dk2" tx1="dk1" tx2="lt2" folHlink="folHlink" hlink="hlink"/>
+  <p:clrMap bg1="lt1" tx1="dk1" bg2="dk2" tx2="lt2" accent1="accent1" accent2="accent2" accent3="accent3" accent4="accent4" accent5="accent5" accent6="accent6" hlink="hlink" folHlink="folHlink"/>
   <p:sldLayoutIdLst>
     <p:sldLayoutId id="2147483648" r:id="rId1"/>
     <p:sldLayoutId id="2147483649" r:id="rId2"/>
@@ -4887,10 +5251,10 @@
     <p:sldLayoutId id="2147483652" r:id="rId5"/>
     <p:sldLayoutId id="2147483653" r:id="rId6"/>
   </p:sldLayoutIdLst>
-  <p:hf dt="0" ftr="0" hdr="0" sldNum="0"/>
+  <p:hf sldNum="0" hdr="0" ftr="0" dt="0"/>
   <p:txStyles>
     <p:titleStyle>
-      <a:defPPr marR="0" rtl="0" algn="l">
+      <a:defPPr marR="0" algn="l" rtl="0">
         <a:lnSpc>
           <a:spcPct val="100000"/>
         </a:lnSpc>
@@ -4901,7 +5265,7 @@
           <a:spcPts val="0"/>
         </a:spcAft>
       </a:defPPr>
-      <a:lvl1pPr marR="0" rtl="0" algn="l">
+      <a:lvl1pPr marR="0" algn="l" rtl="0">
         <a:lnSpc>
           <a:spcPct val="100000"/>
         </a:lnSpc>
@@ -4912,7 +5276,7 @@
           <a:spcPts val="0"/>
         </a:spcAft>
         <a:buNone/>
-        <a:defRPr b="0" baseline="0" i="0" sz="1400" u="none" cap="none" strike="noStrike">
+        <a:defRPr sz="1400" b="0" i="0" u="none" strike="noStrike" cap="none" baseline="0">
           <a:solidFill>
             <a:srgbClr val="000000"/>
           </a:solidFill>
@@ -4920,10 +5284,9 @@
           <a:ea typeface="Arial"/>
           <a:cs typeface="Arial"/>
           <a:sym typeface="Arial"/>
-          <a:rtl val="0"/>
         </a:defRPr>
       </a:lvl1pPr>
-      <a:lvl2pPr marR="0" rtl="0" algn="l">
+      <a:lvl2pPr marR="0" algn="l" rtl="0">
         <a:lnSpc>
           <a:spcPct val="100000"/>
         </a:lnSpc>
@@ -4934,7 +5297,7 @@
           <a:spcPts val="0"/>
         </a:spcAft>
         <a:buNone/>
-        <a:defRPr b="0" baseline="0" i="0" sz="1400" u="none" cap="none" strike="noStrike">
+        <a:defRPr sz="1400" b="0" i="0" u="none" strike="noStrike" cap="none" baseline="0">
           <a:solidFill>
             <a:srgbClr val="000000"/>
           </a:solidFill>
@@ -4942,12 +5305,11 @@
           <a:ea typeface="Arial"/>
           <a:cs typeface="Arial"/>
           <a:sym typeface="Arial"/>
-          <a:rtl val="0"/>
         </a:defRPr>
       </a:lvl2pPr>
     </p:titleStyle>
     <p:bodyStyle>
-      <a:defPPr marR="0" rtl="0" algn="l">
+      <a:defPPr marR="0" algn="l" rtl="0">
         <a:lnSpc>
           <a:spcPct val="100000"/>
         </a:lnSpc>
@@ -4958,7 +5320,7 @@
           <a:spcPts val="0"/>
         </a:spcAft>
       </a:defPPr>
-      <a:lvl1pPr marR="0" rtl="0" algn="l">
+      <a:lvl1pPr marR="0" algn="l" rtl="0">
         <a:lnSpc>
           <a:spcPct val="100000"/>
         </a:lnSpc>
@@ -4969,7 +5331,7 @@
           <a:spcPts val="0"/>
         </a:spcAft>
         <a:buNone/>
-        <a:defRPr b="0" baseline="0" i="0" sz="1400" u="none" cap="none" strike="noStrike">
+        <a:defRPr sz="1400" b="0" i="0" u="none" strike="noStrike" cap="none" baseline="0">
           <a:solidFill>
             <a:srgbClr val="000000"/>
           </a:solidFill>
@@ -4977,10 +5339,9 @@
           <a:ea typeface="Arial"/>
           <a:cs typeface="Arial"/>
           <a:sym typeface="Arial"/>
-          <a:rtl val="0"/>
         </a:defRPr>
       </a:lvl1pPr>
-      <a:lvl2pPr marR="0" rtl="0" algn="l">
+      <a:lvl2pPr marR="0" algn="l" rtl="0">
         <a:lnSpc>
           <a:spcPct val="100000"/>
         </a:lnSpc>
@@ -4991,7 +5352,7 @@
           <a:spcPts val="0"/>
         </a:spcAft>
         <a:buNone/>
-        <a:defRPr b="0" baseline="0" i="0" sz="1400" u="none" cap="none" strike="noStrike">
+        <a:defRPr sz="1400" b="0" i="0" u="none" strike="noStrike" cap="none" baseline="0">
           <a:solidFill>
             <a:srgbClr val="000000"/>
           </a:solidFill>
@@ -4999,10 +5360,9 @@
           <a:ea typeface="Arial"/>
           <a:cs typeface="Arial"/>
           <a:sym typeface="Arial"/>
-          <a:rtl val="0"/>
         </a:defRPr>
       </a:lvl2pPr>
-      <a:lvl3pPr marR="0" rtl="0" algn="l">
+      <a:lvl3pPr marR="0" algn="l" rtl="0">
         <a:lnSpc>
           <a:spcPct val="100000"/>
         </a:lnSpc>
@@ -5013,7 +5373,7 @@
           <a:spcPts val="0"/>
         </a:spcAft>
         <a:buNone/>
-        <a:defRPr b="0" baseline="0" i="0" sz="1400" u="none" cap="none" strike="noStrike">
+        <a:defRPr sz="1400" b="0" i="0" u="none" strike="noStrike" cap="none" baseline="0">
           <a:solidFill>
             <a:srgbClr val="000000"/>
           </a:solidFill>
@@ -5021,10 +5381,9 @@
           <a:ea typeface="Arial"/>
           <a:cs typeface="Arial"/>
           <a:sym typeface="Arial"/>
-          <a:rtl val="0"/>
         </a:defRPr>
       </a:lvl3pPr>
-      <a:lvl4pPr marR="0" rtl="0" algn="l">
+      <a:lvl4pPr marR="0" algn="l" rtl="0">
         <a:lnSpc>
           <a:spcPct val="100000"/>
         </a:lnSpc>
@@ -5035,7 +5394,7 @@
           <a:spcPts val="0"/>
         </a:spcAft>
         <a:buNone/>
-        <a:defRPr b="0" baseline="0" i="0" sz="1400" u="none" cap="none" strike="noStrike">
+        <a:defRPr sz="1400" b="0" i="0" u="none" strike="noStrike" cap="none" baseline="0">
           <a:solidFill>
             <a:srgbClr val="000000"/>
           </a:solidFill>
@@ -5043,10 +5402,9 @@
           <a:ea typeface="Arial"/>
           <a:cs typeface="Arial"/>
           <a:sym typeface="Arial"/>
-          <a:rtl val="0"/>
         </a:defRPr>
       </a:lvl4pPr>
-      <a:lvl5pPr marR="0" rtl="0" algn="l">
+      <a:lvl5pPr marR="0" algn="l" rtl="0">
         <a:lnSpc>
           <a:spcPct val="100000"/>
         </a:lnSpc>
@@ -5057,7 +5415,7 @@
           <a:spcPts val="0"/>
         </a:spcAft>
         <a:buNone/>
-        <a:defRPr b="0" baseline="0" i="0" sz="1400" u="none" cap="none" strike="noStrike">
+        <a:defRPr sz="1400" b="0" i="0" u="none" strike="noStrike" cap="none" baseline="0">
           <a:solidFill>
             <a:srgbClr val="000000"/>
           </a:solidFill>
@@ -5065,10 +5423,9 @@
           <a:ea typeface="Arial"/>
           <a:cs typeface="Arial"/>
           <a:sym typeface="Arial"/>
-          <a:rtl val="0"/>
         </a:defRPr>
       </a:lvl5pPr>
-      <a:lvl6pPr marR="0" rtl="0" algn="l">
+      <a:lvl6pPr marR="0" algn="l" rtl="0">
         <a:lnSpc>
           <a:spcPct val="100000"/>
         </a:lnSpc>
@@ -5079,7 +5436,7 @@
           <a:spcPts val="0"/>
         </a:spcAft>
         <a:buNone/>
-        <a:defRPr b="0" baseline="0" i="0" sz="1400" u="none" cap="none" strike="noStrike">
+        <a:defRPr sz="1400" b="0" i="0" u="none" strike="noStrike" cap="none" baseline="0">
           <a:solidFill>
             <a:srgbClr val="000000"/>
           </a:solidFill>
@@ -5087,10 +5444,9 @@
           <a:ea typeface="Arial"/>
           <a:cs typeface="Arial"/>
           <a:sym typeface="Arial"/>
-          <a:rtl val="0"/>
         </a:defRPr>
       </a:lvl6pPr>
-      <a:lvl7pPr marR="0" rtl="0" algn="l">
+      <a:lvl7pPr marR="0" algn="l" rtl="0">
         <a:lnSpc>
           <a:spcPct val="100000"/>
         </a:lnSpc>
@@ -5101,7 +5457,7 @@
           <a:spcPts val="0"/>
         </a:spcAft>
         <a:buNone/>
-        <a:defRPr b="0" baseline="0" i="0" sz="1400" u="none" cap="none" strike="noStrike">
+        <a:defRPr sz="1400" b="0" i="0" u="none" strike="noStrike" cap="none" baseline="0">
           <a:solidFill>
             <a:srgbClr val="000000"/>
           </a:solidFill>
@@ -5109,10 +5465,9 @@
           <a:ea typeface="Arial"/>
           <a:cs typeface="Arial"/>
           <a:sym typeface="Arial"/>
-          <a:rtl val="0"/>
         </a:defRPr>
       </a:lvl7pPr>
-      <a:lvl8pPr marR="0" rtl="0" algn="l">
+      <a:lvl8pPr marR="0" algn="l" rtl="0">
         <a:lnSpc>
           <a:spcPct val="100000"/>
         </a:lnSpc>
@@ -5123,7 +5478,7 @@
           <a:spcPts val="0"/>
         </a:spcAft>
         <a:buNone/>
-        <a:defRPr b="0" baseline="0" i="0" sz="1400" u="none" cap="none" strike="noStrike">
+        <a:defRPr sz="1400" b="0" i="0" u="none" strike="noStrike" cap="none" baseline="0">
           <a:solidFill>
             <a:srgbClr val="000000"/>
           </a:solidFill>
@@ -5131,10 +5486,9 @@
           <a:ea typeface="Arial"/>
           <a:cs typeface="Arial"/>
           <a:sym typeface="Arial"/>
-          <a:rtl val="0"/>
         </a:defRPr>
       </a:lvl8pPr>
-      <a:lvl9pPr marR="0" rtl="0" algn="l">
+      <a:lvl9pPr marR="0" algn="l" rtl="0">
         <a:lnSpc>
           <a:spcPct val="100000"/>
         </a:lnSpc>
@@ -5145,7 +5499,7 @@
           <a:spcPts val="0"/>
         </a:spcAft>
         <a:buNone/>
-        <a:defRPr b="0" baseline="0" i="0" sz="1400" u="none" cap="none" strike="noStrike">
+        <a:defRPr sz="1400" b="0" i="0" u="none" strike="noStrike" cap="none" baseline="0">
           <a:solidFill>
             <a:srgbClr val="000000"/>
           </a:solidFill>
@@ -5153,12 +5507,11 @@
           <a:ea typeface="Arial"/>
           <a:cs typeface="Arial"/>
           <a:sym typeface="Arial"/>
-          <a:rtl val="0"/>
         </a:defRPr>
       </a:lvl9pPr>
     </p:bodyStyle>
     <p:otherStyle>
-      <a:defPPr marR="0" rtl="0" algn="l">
+      <a:defPPr marR="0" algn="l" rtl="0">
         <a:lnSpc>
           <a:spcPct val="100000"/>
         </a:lnSpc>
@@ -5169,7 +5522,7 @@
           <a:spcPts val="0"/>
         </a:spcAft>
       </a:defPPr>
-      <a:lvl1pPr marR="0" rtl="0" algn="l">
+      <a:lvl1pPr marR="0" algn="l" rtl="0">
         <a:lnSpc>
           <a:spcPct val="100000"/>
         </a:lnSpc>
@@ -5180,7 +5533,7 @@
           <a:spcPts val="0"/>
         </a:spcAft>
         <a:buNone/>
-        <a:defRPr b="0" baseline="0" i="0" sz="1400" u="none" cap="none" strike="noStrike">
+        <a:defRPr sz="1400" b="0" i="0" u="none" strike="noStrike" cap="none" baseline="0">
           <a:solidFill>
             <a:srgbClr val="000000"/>
           </a:solidFill>
@@ -5188,10 +5541,9 @@
           <a:ea typeface="Arial"/>
           <a:cs typeface="Arial"/>
           <a:sym typeface="Arial"/>
-          <a:rtl val="0"/>
         </a:defRPr>
       </a:lvl1pPr>
-      <a:lvl2pPr marR="0" rtl="0" algn="l">
+      <a:lvl2pPr marR="0" algn="l" rtl="0">
         <a:lnSpc>
           <a:spcPct val="100000"/>
         </a:lnSpc>
@@ -5202,7 +5554,7 @@
           <a:spcPts val="0"/>
         </a:spcAft>
         <a:buNone/>
-        <a:defRPr b="0" baseline="0" i="0" sz="1400" u="none" cap="none" strike="noStrike">
+        <a:defRPr sz="1400" b="0" i="0" u="none" strike="noStrike" cap="none" baseline="0">
           <a:solidFill>
             <a:srgbClr val="000000"/>
           </a:solidFill>
@@ -5210,10 +5562,9 @@
           <a:ea typeface="Arial"/>
           <a:cs typeface="Arial"/>
           <a:sym typeface="Arial"/>
-          <a:rtl val="0"/>
         </a:defRPr>
       </a:lvl2pPr>
-      <a:lvl3pPr marR="0" rtl="0" algn="l">
+      <a:lvl3pPr marR="0" algn="l" rtl="0">
         <a:lnSpc>
           <a:spcPct val="100000"/>
         </a:lnSpc>
@@ -5224,7 +5575,7 @@
           <a:spcPts val="0"/>
         </a:spcAft>
         <a:buNone/>
-        <a:defRPr b="0" baseline="0" i="0" sz="1400" u="none" cap="none" strike="noStrike">
+        <a:defRPr sz="1400" b="0" i="0" u="none" strike="noStrike" cap="none" baseline="0">
           <a:solidFill>
             <a:srgbClr val="000000"/>
           </a:solidFill>
@@ -5232,10 +5583,9 @@
           <a:ea typeface="Arial"/>
           <a:cs typeface="Arial"/>
           <a:sym typeface="Arial"/>
-          <a:rtl val="0"/>
         </a:defRPr>
       </a:lvl3pPr>
-      <a:lvl4pPr marR="0" rtl="0" algn="l">
+      <a:lvl4pPr marR="0" algn="l" rtl="0">
         <a:lnSpc>
           <a:spcPct val="100000"/>
         </a:lnSpc>
@@ -5246,7 +5596,7 @@
           <a:spcPts val="0"/>
         </a:spcAft>
         <a:buNone/>
-        <a:defRPr b="0" baseline="0" i="0" sz="1400" u="none" cap="none" strike="noStrike">
+        <a:defRPr sz="1400" b="0" i="0" u="none" strike="noStrike" cap="none" baseline="0">
           <a:solidFill>
             <a:srgbClr val="000000"/>
           </a:solidFill>
@@ -5254,10 +5604,9 @@
           <a:ea typeface="Arial"/>
           <a:cs typeface="Arial"/>
           <a:sym typeface="Arial"/>
-          <a:rtl val="0"/>
         </a:defRPr>
       </a:lvl4pPr>
-      <a:lvl5pPr marR="0" rtl="0" algn="l">
+      <a:lvl5pPr marR="0" algn="l" rtl="0">
         <a:lnSpc>
           <a:spcPct val="100000"/>
         </a:lnSpc>
@@ -5268,7 +5617,7 @@
           <a:spcPts val="0"/>
         </a:spcAft>
         <a:buNone/>
-        <a:defRPr b="0" baseline="0" i="0" sz="1400" u="none" cap="none" strike="noStrike">
+        <a:defRPr sz="1400" b="0" i="0" u="none" strike="noStrike" cap="none" baseline="0">
           <a:solidFill>
             <a:srgbClr val="000000"/>
           </a:solidFill>
@@ -5276,10 +5625,9 @@
           <a:ea typeface="Arial"/>
           <a:cs typeface="Arial"/>
           <a:sym typeface="Arial"/>
-          <a:rtl val="0"/>
         </a:defRPr>
       </a:lvl5pPr>
-      <a:lvl6pPr marR="0" rtl="0" algn="l">
+      <a:lvl6pPr marR="0" algn="l" rtl="0">
         <a:lnSpc>
           <a:spcPct val="100000"/>
         </a:lnSpc>
@@ -5290,7 +5638,7 @@
           <a:spcPts val="0"/>
         </a:spcAft>
         <a:buNone/>
-        <a:defRPr b="0" baseline="0" i="0" sz="1400" u="none" cap="none" strike="noStrike">
+        <a:defRPr sz="1400" b="0" i="0" u="none" strike="noStrike" cap="none" baseline="0">
           <a:solidFill>
             <a:srgbClr val="000000"/>
           </a:solidFill>
@@ -5298,10 +5646,9 @@
           <a:ea typeface="Arial"/>
           <a:cs typeface="Arial"/>
           <a:sym typeface="Arial"/>
-          <a:rtl val="0"/>
         </a:defRPr>
       </a:lvl6pPr>
-      <a:lvl7pPr marR="0" rtl="0" algn="l">
+      <a:lvl7pPr marR="0" algn="l" rtl="0">
         <a:lnSpc>
           <a:spcPct val="100000"/>
         </a:lnSpc>
@@ -5312,7 +5659,7 @@
           <a:spcPts val="0"/>
         </a:spcAft>
         <a:buNone/>
-        <a:defRPr b="0" baseline="0" i="0" sz="1400" u="none" cap="none" strike="noStrike">
+        <a:defRPr sz="1400" b="0" i="0" u="none" strike="noStrike" cap="none" baseline="0">
           <a:solidFill>
             <a:srgbClr val="000000"/>
           </a:solidFill>
@@ -5320,10 +5667,9 @@
           <a:ea typeface="Arial"/>
           <a:cs typeface="Arial"/>
           <a:sym typeface="Arial"/>
-          <a:rtl val="0"/>
         </a:defRPr>
       </a:lvl7pPr>
-      <a:lvl8pPr marR="0" rtl="0" algn="l">
+      <a:lvl8pPr marR="0" algn="l" rtl="0">
         <a:lnSpc>
           <a:spcPct val="100000"/>
         </a:lnSpc>
@@ -5334,7 +5680,7 @@
           <a:spcPts val="0"/>
         </a:spcAft>
         <a:buNone/>
-        <a:defRPr b="0" baseline="0" i="0" sz="1400" u="none" cap="none" strike="noStrike">
+        <a:defRPr sz="1400" b="0" i="0" u="none" strike="noStrike" cap="none" baseline="0">
           <a:solidFill>
             <a:srgbClr val="000000"/>
           </a:solidFill>
@@ -5342,10 +5688,9 @@
           <a:ea typeface="Arial"/>
           <a:cs typeface="Arial"/>
           <a:sym typeface="Arial"/>
-          <a:rtl val="0"/>
         </a:defRPr>
       </a:lvl8pPr>
-      <a:lvl9pPr marR="0" rtl="0" algn="l">
+      <a:lvl9pPr marR="0" algn="l" rtl="0">
         <a:lnSpc>
           <a:spcPct val="100000"/>
         </a:lnSpc>
@@ -5356,7 +5701,7 @@
           <a:spcPts val="0"/>
         </a:spcAft>
         <a:buNone/>
-        <a:defRPr b="0" baseline="0" i="0" sz="1400" u="none" cap="none" strike="noStrike">
+        <a:defRPr sz="1400" b="0" i="0" u="none" strike="noStrike" cap="none" baseline="0">
           <a:solidFill>
             <a:srgbClr val="000000"/>
           </a:solidFill>
@@ -5364,7 +5709,6 @@
           <a:ea typeface="Arial"/>
           <a:cs typeface="Arial"/>
           <a:sym typeface="Arial"/>
-          <a:rtl val="0"/>
         </a:defRPr>
       </a:lvl9pPr>
     </p:otherStyle>
@@ -5373,11 +5717,11 @@
 </file>
 
 <file path=ppt/slides/slide1.xml><?xml version="1.0" encoding="utf-8"?>
-<p:sld xmlns:a="http://schemas.openxmlformats.org/drawingml/2006/main" xmlns:r="http://schemas.openxmlformats.org/officeDocument/2006/relationships" xmlns:mc="http://schemas.openxmlformats.org/markup-compatibility/2006" xmlns:mv="urn:schemas-microsoft-com:mac:vml" xmlns:p="http://schemas.openxmlformats.org/presentationml/2006/main" xmlns:c="http://schemas.openxmlformats.org/drawingml/2006/chart" xmlns:dgm="http://schemas.openxmlformats.org/drawingml/2006/diagram" xmlns:o="urn:schemas-microsoft-com:office:office" xmlns:v="urn:schemas-microsoft-com:vml" xmlns:pvml="urn:schemas-microsoft-com:office:powerpoint" xmlns:com="http://schemas.openxmlformats.org/drawingml/2006/compatibility" xmlns:p14="http://schemas.microsoft.com/office/powerpoint/2010/main">
+<p:sld xmlns:a="http://schemas.openxmlformats.org/drawingml/2006/main" xmlns:r="http://schemas.openxmlformats.org/officeDocument/2006/relationships" xmlns:p="http://schemas.openxmlformats.org/presentationml/2006/main">
   <p:cSld>
     <p:spTree>
       <p:nvGrpSpPr>
-        <p:cNvPr id="39" name="Shape 39"/>
+        <p:cNvPr id="1" name="Shape 39"/>
         <p:cNvGrpSpPr/>
         <p:nvPr/>
       </p:nvGrpSpPr>
@@ -5392,7 +5736,9 @@
       <p:sp>
         <p:nvSpPr>
           <p:cNvPr id="40" name="Shape 40"/>
-          <p:cNvSpPr txBox="1"/>
+          <p:cNvSpPr txBox="1">
+            <a:spLocks noGrp="1"/>
+          </p:cNvSpPr>
           <p:nvPr>
             <p:ph type="ctrTitle"/>
           </p:nvPr>
@@ -5407,7 +5753,7 @@
           </a:prstGeom>
         </p:spPr>
         <p:txBody>
-          <a:bodyPr anchorCtr="0" anchor="b" bIns="91425" lIns="91425" rIns="91425" tIns="91425">
+          <a:bodyPr lIns="91425" tIns="91425" rIns="91425" bIns="91425" anchor="b" anchorCtr="0">
             <a:noAutofit/>
           </a:bodyPr>
           <a:lstStyle/>
@@ -5428,9 +5774,11 @@
       <p:sp>
         <p:nvSpPr>
           <p:cNvPr id="41" name="Shape 41"/>
-          <p:cNvSpPr txBox="1"/>
+          <p:cNvSpPr txBox="1">
+            <a:spLocks noGrp="1"/>
+          </p:cNvSpPr>
           <p:nvPr>
-            <p:ph idx="1" type="subTitle"/>
+            <p:ph type="subTitle" idx="1"/>
           </p:nvPr>
         </p:nvSpPr>
         <p:spPr>
@@ -5443,7 +5791,7 @@
           </a:prstGeom>
         </p:spPr>
         <p:txBody>
-          <a:bodyPr anchorCtr="0" anchor="t" bIns="91425" lIns="91425" rIns="91425" tIns="91425">
+          <a:bodyPr lIns="91425" tIns="91425" rIns="91425" bIns="91425" anchor="t" anchorCtr="0">
             <a:noAutofit/>
           </a:bodyPr>
           <a:lstStyle/>
@@ -5466,9 +5814,6 @@
               </a:spcBef>
               <a:buNone/>
             </a:pPr>
-            <a:r>
-              <a:t/>
-            </a:r>
             <a:endParaRPr sz="1800"/>
           </a:p>
           <a:p>
@@ -5497,11 +5842,11 @@
 </file>
 
 <file path=ppt/slides/slide10.xml><?xml version="1.0" encoding="utf-8"?>
-<p:sld xmlns:a="http://schemas.openxmlformats.org/drawingml/2006/main" xmlns:r="http://schemas.openxmlformats.org/officeDocument/2006/relationships" xmlns:mc="http://schemas.openxmlformats.org/markup-compatibility/2006" xmlns:mv="urn:schemas-microsoft-com:mac:vml" xmlns:p="http://schemas.openxmlformats.org/presentationml/2006/main" xmlns:c="http://schemas.openxmlformats.org/drawingml/2006/chart" xmlns:dgm="http://schemas.openxmlformats.org/drawingml/2006/diagram" xmlns:o="urn:schemas-microsoft-com:office:office" xmlns:v="urn:schemas-microsoft-com:vml" xmlns:pvml="urn:schemas-microsoft-com:office:powerpoint" xmlns:com="http://schemas.openxmlformats.org/drawingml/2006/compatibility" xmlns:p14="http://schemas.microsoft.com/office/powerpoint/2010/main">
+<p:sld xmlns:a="http://schemas.openxmlformats.org/drawingml/2006/main" xmlns:r="http://schemas.openxmlformats.org/officeDocument/2006/relationships" xmlns:p="http://schemas.openxmlformats.org/presentationml/2006/main">
   <p:cSld>
     <p:spTree>
       <p:nvGrpSpPr>
-        <p:cNvPr id="95" name="Shape 95"/>
+        <p:cNvPr id="1" name="Shape 95"/>
         <p:cNvGrpSpPr/>
         <p:nvPr/>
       </p:nvGrpSpPr>
@@ -5516,7 +5861,9 @@
       <p:sp>
         <p:nvSpPr>
           <p:cNvPr id="96" name="Shape 96"/>
-          <p:cNvSpPr txBox="1"/>
+          <p:cNvSpPr txBox="1">
+            <a:spLocks noGrp="1"/>
+          </p:cNvSpPr>
           <p:nvPr>
             <p:ph type="title"/>
           </p:nvPr>
@@ -5531,7 +5878,7 @@
           </a:prstGeom>
         </p:spPr>
         <p:txBody>
-          <a:bodyPr anchorCtr="0" anchor="b" bIns="91425" lIns="91425" rIns="91425" tIns="91425">
+          <a:bodyPr lIns="91425" tIns="91425" rIns="91425" bIns="91425" anchor="b" anchorCtr="0">
             <a:noAutofit/>
           </a:bodyPr>
           <a:lstStyle/>
@@ -5589,11 +5936,11 @@
 </file>
 
 <file path=ppt/slides/slide11.xml><?xml version="1.0" encoding="utf-8"?>
-<p:sld xmlns:a="http://schemas.openxmlformats.org/drawingml/2006/main" xmlns:r="http://schemas.openxmlformats.org/officeDocument/2006/relationships" xmlns:mc="http://schemas.openxmlformats.org/markup-compatibility/2006" xmlns:mv="urn:schemas-microsoft-com:mac:vml" xmlns:p="http://schemas.openxmlformats.org/presentationml/2006/main" xmlns:c="http://schemas.openxmlformats.org/drawingml/2006/chart" xmlns:dgm="http://schemas.openxmlformats.org/drawingml/2006/diagram" xmlns:o="urn:schemas-microsoft-com:office:office" xmlns:v="urn:schemas-microsoft-com:vml" xmlns:pvml="urn:schemas-microsoft-com:office:powerpoint" xmlns:com="http://schemas.openxmlformats.org/drawingml/2006/compatibility" xmlns:p14="http://schemas.microsoft.com/office/powerpoint/2010/main">
+<p:sld xmlns:a="http://schemas.openxmlformats.org/drawingml/2006/main" xmlns:r="http://schemas.openxmlformats.org/officeDocument/2006/relationships" xmlns:p="http://schemas.openxmlformats.org/presentationml/2006/main">
   <p:cSld>
     <p:spTree>
       <p:nvGrpSpPr>
-        <p:cNvPr id="101" name="Shape 101"/>
+        <p:cNvPr id="1" name="Shape 101"/>
         <p:cNvGrpSpPr/>
         <p:nvPr/>
       </p:nvGrpSpPr>
@@ -5608,7 +5955,9 @@
       <p:sp>
         <p:nvSpPr>
           <p:cNvPr id="102" name="Shape 102"/>
-          <p:cNvSpPr txBox="1"/>
+          <p:cNvSpPr txBox="1">
+            <a:spLocks noGrp="1"/>
+          </p:cNvSpPr>
           <p:nvPr>
             <p:ph type="title"/>
           </p:nvPr>
@@ -5623,7 +5972,7 @@
           </a:prstGeom>
         </p:spPr>
         <p:txBody>
-          <a:bodyPr anchorCtr="0" anchor="b" bIns="91425" lIns="91425" rIns="91425" tIns="91425">
+          <a:bodyPr lIns="91425" tIns="91425" rIns="91425" bIns="91425" anchor="b" anchorCtr="0">
             <a:noAutofit/>
           </a:bodyPr>
           <a:lstStyle/>
@@ -5681,11 +6030,11 @@
 </file>
 
 <file path=ppt/slides/slide12.xml><?xml version="1.0" encoding="utf-8"?>
-<p:sld xmlns:a="http://schemas.openxmlformats.org/drawingml/2006/main" xmlns:r="http://schemas.openxmlformats.org/officeDocument/2006/relationships" xmlns:mc="http://schemas.openxmlformats.org/markup-compatibility/2006" xmlns:mv="urn:schemas-microsoft-com:mac:vml" xmlns:p="http://schemas.openxmlformats.org/presentationml/2006/main" xmlns:c="http://schemas.openxmlformats.org/drawingml/2006/chart" xmlns:dgm="http://schemas.openxmlformats.org/drawingml/2006/diagram" xmlns:o="urn:schemas-microsoft-com:office:office" xmlns:v="urn:schemas-microsoft-com:vml" xmlns:pvml="urn:schemas-microsoft-com:office:powerpoint" xmlns:com="http://schemas.openxmlformats.org/drawingml/2006/compatibility" xmlns:p14="http://schemas.microsoft.com/office/powerpoint/2010/main">
+<p:sld xmlns:a="http://schemas.openxmlformats.org/drawingml/2006/main" xmlns:r="http://schemas.openxmlformats.org/officeDocument/2006/relationships" xmlns:p="http://schemas.openxmlformats.org/presentationml/2006/main">
   <p:cSld>
     <p:spTree>
       <p:nvGrpSpPr>
-        <p:cNvPr id="107" name="Shape 107"/>
+        <p:cNvPr id="1" name="Shape 107"/>
         <p:cNvGrpSpPr/>
         <p:nvPr/>
       </p:nvGrpSpPr>
@@ -5700,7 +6049,9 @@
       <p:sp>
         <p:nvSpPr>
           <p:cNvPr id="108" name="Shape 108"/>
-          <p:cNvSpPr txBox="1"/>
+          <p:cNvSpPr txBox="1">
+            <a:spLocks noGrp="1"/>
+          </p:cNvSpPr>
           <p:nvPr>
             <p:ph type="title"/>
           </p:nvPr>
@@ -5715,7 +6066,7 @@
           </a:prstGeom>
         </p:spPr>
         <p:txBody>
-          <a:bodyPr anchorCtr="0" anchor="b" bIns="91425" lIns="91425" rIns="91425" tIns="91425">
+          <a:bodyPr lIns="91425" tIns="91425" rIns="91425" bIns="91425" anchor="b" anchorCtr="0">
             <a:noAutofit/>
           </a:bodyPr>
           <a:lstStyle/>
@@ -5753,7 +6104,7 @@
           </a:ln>
         </p:spPr>
         <p:txBody>
-          <a:bodyPr anchorCtr="0" anchor="t" bIns="91425" lIns="91425" rIns="91425" tIns="91425">
+          <a:bodyPr lIns="91425" tIns="91425" rIns="91425" bIns="91425" anchor="t" anchorCtr="0">
             <a:noAutofit/>
           </a:bodyPr>
           <a:lstStyle/>
@@ -5770,7 +6121,7 @@
             </a:r>
           </a:p>
           <a:p>
-            <a:pPr indent="-419100" lvl="0" marL="457200" rtl="0">
+            <a:pPr marL="457200" lvl="0" indent="-419100" rtl="0">
               <a:spcBef>
                 <a:spcPts val="0"/>
               </a:spcBef>
@@ -5787,7 +6138,7 @@
             </a:r>
           </a:p>
           <a:p>
-            <a:pPr indent="-419100" lvl="0" marL="457200" rtl="0">
+            <a:pPr marL="457200" lvl="0" indent="-419100" rtl="0">
               <a:spcBef>
                 <a:spcPts val="0"/>
               </a:spcBef>
@@ -5804,7 +6155,7 @@
             </a:r>
           </a:p>
           <a:p>
-            <a:pPr indent="-419100" lvl="0" marL="457200" rtl="0">
+            <a:pPr marL="457200" lvl="0" indent="-419100" rtl="0">
               <a:spcBef>
                 <a:spcPts val="0"/>
               </a:spcBef>
@@ -5829,7 +6180,7 @@
             </a:r>
           </a:p>
           <a:p>
-            <a:pPr indent="-419100" lvl="0" marL="457200" rtl="0">
+            <a:pPr marL="457200" lvl="0" indent="-419100" rtl="0">
               <a:spcBef>
                 <a:spcPts val="0"/>
               </a:spcBef>
@@ -5846,7 +6197,7 @@
             </a:r>
           </a:p>
           <a:p>
-            <a:pPr indent="-381000" lvl="0" marL="914400" rtl="0">
+            <a:pPr marL="914400" lvl="0" indent="-381000" rtl="0">
               <a:spcBef>
                 <a:spcPts val="0"/>
               </a:spcBef>
@@ -5863,7 +6214,7 @@
             </a:r>
           </a:p>
           <a:p>
-            <a:pPr indent="-381000" lvl="0" marL="914400" rtl="0">
+            <a:pPr marL="914400" lvl="0" indent="-381000" rtl="0">
               <a:spcBef>
                 <a:spcPts val="0"/>
               </a:spcBef>
@@ -5886,9 +6237,6 @@
               </a:spcBef>
               <a:buNone/>
             </a:pPr>
-            <a:r>
-              <a:t/>
-            </a:r>
             <a:endParaRPr sz="3000"/>
           </a:p>
         </p:txBody>
@@ -5905,11 +6253,11 @@
 </file>
 
 <file path=ppt/slides/slide13.xml><?xml version="1.0" encoding="utf-8"?>
-<p:sld xmlns:a="http://schemas.openxmlformats.org/drawingml/2006/main" xmlns:r="http://schemas.openxmlformats.org/officeDocument/2006/relationships" xmlns:mc="http://schemas.openxmlformats.org/markup-compatibility/2006" xmlns:mv="urn:schemas-microsoft-com:mac:vml" xmlns:p="http://schemas.openxmlformats.org/presentationml/2006/main" xmlns:c="http://schemas.openxmlformats.org/drawingml/2006/chart" xmlns:dgm="http://schemas.openxmlformats.org/drawingml/2006/diagram" xmlns:o="urn:schemas-microsoft-com:office:office" xmlns:v="urn:schemas-microsoft-com:vml" xmlns:pvml="urn:schemas-microsoft-com:office:powerpoint" xmlns:com="http://schemas.openxmlformats.org/drawingml/2006/compatibility" xmlns:p14="http://schemas.microsoft.com/office/powerpoint/2010/main">
+<p:sld xmlns:a="http://schemas.openxmlformats.org/drawingml/2006/main" xmlns:r="http://schemas.openxmlformats.org/officeDocument/2006/relationships" xmlns:p="http://schemas.openxmlformats.org/presentationml/2006/main">
   <p:cSld>
     <p:spTree>
       <p:nvGrpSpPr>
-        <p:cNvPr id="113" name="Shape 113"/>
+        <p:cNvPr id="1" name="Shape 113"/>
         <p:cNvGrpSpPr/>
         <p:nvPr/>
       </p:nvGrpSpPr>
@@ -5924,7 +6272,9 @@
       <p:sp>
         <p:nvSpPr>
           <p:cNvPr id="114" name="Shape 114"/>
-          <p:cNvSpPr txBox="1"/>
+          <p:cNvSpPr txBox="1">
+            <a:spLocks noGrp="1"/>
+          </p:cNvSpPr>
           <p:nvPr>
             <p:ph type="title"/>
           </p:nvPr>
@@ -5939,7 +6289,7 @@
           </a:prstGeom>
         </p:spPr>
         <p:txBody>
-          <a:bodyPr anchorCtr="0" anchor="b" bIns="91425" lIns="91425" rIns="91425" tIns="91425">
+          <a:bodyPr lIns="91425" tIns="91425" rIns="91425" bIns="91425" anchor="b" anchorCtr="0">
             <a:noAutofit/>
           </a:bodyPr>
           <a:lstStyle/>
@@ -5960,9 +6310,11 @@
       <p:sp>
         <p:nvSpPr>
           <p:cNvPr id="115" name="Shape 115"/>
-          <p:cNvSpPr txBox="1"/>
+          <p:cNvSpPr txBox="1">
+            <a:spLocks noGrp="1"/>
+          </p:cNvSpPr>
           <p:nvPr>
-            <p:ph idx="1" type="body"/>
+            <p:ph type="body" idx="1"/>
           </p:nvPr>
         </p:nvSpPr>
         <p:spPr>
@@ -5975,7 +6327,7 @@
           </a:prstGeom>
         </p:spPr>
         <p:txBody>
-          <a:bodyPr anchorCtr="0" anchor="t" bIns="91425" lIns="91425" rIns="91425" tIns="91425">
+          <a:bodyPr lIns="91425" tIns="91425" rIns="91425" bIns="91425" anchor="t" anchorCtr="0">
             <a:noAutofit/>
           </a:bodyPr>
           <a:lstStyle/>
@@ -6008,18 +6360,18 @@
             <a:avLst/>
           </a:prstGeom>
           <a:noFill/>
-          <a:ln cap="flat" w="19050">
+          <a:ln w="19050" cap="flat">
             <a:solidFill>
               <a:srgbClr val="000000"/>
             </a:solidFill>
             <a:prstDash val="solid"/>
             <a:round/>
-            <a:headEnd len="med" w="med" type="none"/>
-            <a:tailEnd len="med" w="med" type="none"/>
+            <a:headEnd type="none" w="med" len="med"/>
+            <a:tailEnd type="none" w="med" len="med"/>
           </a:ln>
         </p:spPr>
         <p:txBody>
-          <a:bodyPr anchorCtr="0" anchor="t" bIns="91425" lIns="91425" rIns="91425" tIns="91425">
+          <a:bodyPr lIns="91425" tIns="91425" rIns="91425" bIns="91425" anchor="t" anchorCtr="0">
             <a:noAutofit/>
           </a:bodyPr>
           <a:lstStyle/>
@@ -6372,9 +6724,6 @@
               </a:spcBef>
               <a:buNone/>
             </a:pPr>
-            <a:r>
-              <a:t/>
-            </a:r>
             <a:endParaRPr>
               <a:solidFill>
                 <a:schemeClr val="dk1"/>
@@ -6395,11 +6744,11 @@
 </file>
 
 <file path=ppt/slides/slide14.xml><?xml version="1.0" encoding="utf-8"?>
-<p:sld xmlns:a="http://schemas.openxmlformats.org/drawingml/2006/main" xmlns:r="http://schemas.openxmlformats.org/officeDocument/2006/relationships" xmlns:mc="http://schemas.openxmlformats.org/markup-compatibility/2006" xmlns:mv="urn:schemas-microsoft-com:mac:vml" xmlns:p="http://schemas.openxmlformats.org/presentationml/2006/main" xmlns:c="http://schemas.openxmlformats.org/drawingml/2006/chart" xmlns:dgm="http://schemas.openxmlformats.org/drawingml/2006/diagram" xmlns:o="urn:schemas-microsoft-com:office:office" xmlns:v="urn:schemas-microsoft-com:vml" xmlns:pvml="urn:schemas-microsoft-com:office:powerpoint" xmlns:com="http://schemas.openxmlformats.org/drawingml/2006/compatibility" xmlns:p14="http://schemas.microsoft.com/office/powerpoint/2010/main">
+<p:sld xmlns:a="http://schemas.openxmlformats.org/drawingml/2006/main" xmlns:r="http://schemas.openxmlformats.org/officeDocument/2006/relationships" xmlns:p="http://schemas.openxmlformats.org/presentationml/2006/main">
   <p:cSld>
     <p:spTree>
       <p:nvGrpSpPr>
-        <p:cNvPr id="120" name="Shape 120"/>
+        <p:cNvPr id="1" name="Shape 120"/>
         <p:cNvGrpSpPr/>
         <p:nvPr/>
       </p:nvGrpSpPr>
@@ -6414,7 +6763,9 @@
       <p:sp>
         <p:nvSpPr>
           <p:cNvPr id="121" name="Shape 121"/>
-          <p:cNvSpPr txBox="1"/>
+          <p:cNvSpPr txBox="1">
+            <a:spLocks noGrp="1"/>
+          </p:cNvSpPr>
           <p:nvPr>
             <p:ph type="title"/>
           </p:nvPr>
@@ -6429,7 +6780,7 @@
           </a:prstGeom>
         </p:spPr>
         <p:txBody>
-          <a:bodyPr anchorCtr="0" anchor="b" bIns="91425" lIns="91425" rIns="91425" tIns="91425">
+          <a:bodyPr lIns="91425" tIns="91425" rIns="91425" bIns="91425" anchor="b" anchorCtr="0">
             <a:noAutofit/>
           </a:bodyPr>
           <a:lstStyle/>
@@ -6450,9 +6801,11 @@
       <p:sp>
         <p:nvSpPr>
           <p:cNvPr id="122" name="Shape 122"/>
-          <p:cNvSpPr txBox="1"/>
+          <p:cNvSpPr txBox="1">
+            <a:spLocks noGrp="1"/>
+          </p:cNvSpPr>
           <p:nvPr>
-            <p:ph idx="1" type="body"/>
+            <p:ph type="body" idx="1"/>
           </p:nvPr>
         </p:nvSpPr>
         <p:spPr>
@@ -6465,7 +6818,7 @@
           </a:prstGeom>
         </p:spPr>
         <p:txBody>
-          <a:bodyPr anchorCtr="0" anchor="t" bIns="91425" lIns="91425" rIns="91425" tIns="91425">
+          <a:bodyPr lIns="91425" tIns="91425" rIns="91425" bIns="91425" anchor="t" anchorCtr="0">
             <a:noAutofit/>
           </a:bodyPr>
           <a:lstStyle/>
@@ -6498,18 +6851,18 @@
             <a:avLst/>
           </a:prstGeom>
           <a:noFill/>
-          <a:ln cap="flat" w="19050">
+          <a:ln w="19050" cap="flat">
             <a:solidFill>
               <a:srgbClr val="000000"/>
             </a:solidFill>
             <a:prstDash val="solid"/>
             <a:round/>
-            <a:headEnd len="med" w="med" type="none"/>
-            <a:tailEnd len="med" w="med" type="none"/>
+            <a:headEnd type="none" w="med" len="med"/>
+            <a:tailEnd type="none" w="med" len="med"/>
           </a:ln>
         </p:spPr>
         <p:txBody>
-          <a:bodyPr anchorCtr="0" anchor="t" bIns="91425" lIns="91425" rIns="91425" tIns="91425">
+          <a:bodyPr lIns="91425" tIns="91425" rIns="91425" bIns="91425" anchor="t" anchorCtr="0">
             <a:noAutofit/>
           </a:bodyPr>
           <a:lstStyle/>
@@ -6722,11 +7075,11 @@
 </file>
 
 <file path=ppt/slides/slide15.xml><?xml version="1.0" encoding="utf-8"?>
-<p:sld xmlns:a="http://schemas.openxmlformats.org/drawingml/2006/main" xmlns:r="http://schemas.openxmlformats.org/officeDocument/2006/relationships" xmlns:mc="http://schemas.openxmlformats.org/markup-compatibility/2006" xmlns:mv="urn:schemas-microsoft-com:mac:vml" xmlns:p="http://schemas.openxmlformats.org/presentationml/2006/main" xmlns:c="http://schemas.openxmlformats.org/drawingml/2006/chart" xmlns:dgm="http://schemas.openxmlformats.org/drawingml/2006/diagram" xmlns:o="urn:schemas-microsoft-com:office:office" xmlns:v="urn:schemas-microsoft-com:vml" xmlns:pvml="urn:schemas-microsoft-com:office:powerpoint" xmlns:com="http://schemas.openxmlformats.org/drawingml/2006/compatibility" xmlns:p14="http://schemas.microsoft.com/office/powerpoint/2010/main">
+<p:sld xmlns:a="http://schemas.openxmlformats.org/drawingml/2006/main" xmlns:r="http://schemas.openxmlformats.org/officeDocument/2006/relationships" xmlns:p="http://schemas.openxmlformats.org/presentationml/2006/main">
   <p:cSld>
     <p:spTree>
       <p:nvGrpSpPr>
-        <p:cNvPr id="127" name="Shape 127"/>
+        <p:cNvPr id="1" name="Shape 127"/>
         <p:cNvGrpSpPr/>
         <p:nvPr/>
       </p:nvGrpSpPr>
@@ -6741,7 +7094,9 @@
       <p:sp>
         <p:nvSpPr>
           <p:cNvPr id="128" name="Shape 128"/>
-          <p:cNvSpPr txBox="1"/>
+          <p:cNvSpPr txBox="1">
+            <a:spLocks noGrp="1"/>
+          </p:cNvSpPr>
           <p:nvPr>
             <p:ph type="title"/>
           </p:nvPr>
@@ -6756,7 +7111,7 @@
           </a:prstGeom>
         </p:spPr>
         <p:txBody>
-          <a:bodyPr anchorCtr="0" anchor="b" bIns="91425" lIns="91425" rIns="91425" tIns="91425">
+          <a:bodyPr lIns="91425" tIns="91425" rIns="91425" bIns="91425" anchor="b" anchorCtr="0">
             <a:noAutofit/>
           </a:bodyPr>
           <a:lstStyle/>
@@ -6777,9 +7132,11 @@
       <p:sp>
         <p:nvSpPr>
           <p:cNvPr id="129" name="Shape 129"/>
-          <p:cNvSpPr txBox="1"/>
+          <p:cNvSpPr txBox="1">
+            <a:spLocks noGrp="1"/>
+          </p:cNvSpPr>
           <p:nvPr>
-            <p:ph idx="1" type="body"/>
+            <p:ph type="body" idx="1"/>
           </p:nvPr>
         </p:nvSpPr>
         <p:spPr>
@@ -6792,12 +7149,12 @@
           </a:prstGeom>
         </p:spPr>
         <p:txBody>
-          <a:bodyPr anchorCtr="0" anchor="t" bIns="91425" lIns="91425" rIns="91425" tIns="91425">
+          <a:bodyPr lIns="91425" tIns="91425" rIns="91425" bIns="91425" anchor="t" anchorCtr="0">
             <a:noAutofit/>
           </a:bodyPr>
           <a:lstStyle/>
           <a:p>
-            <a:pPr indent="-381000" lvl="0" marL="457200" rtl="0">
+            <a:pPr marL="457200" lvl="0" indent="-381000" rtl="0">
               <a:spcBef>
                 <a:spcPts val="0"/>
               </a:spcBef>
@@ -6814,7 +7171,7 @@
             </a:r>
           </a:p>
           <a:p>
-            <a:pPr indent="-381000" lvl="0" marL="457200" rtl="0">
+            <a:pPr marL="457200" lvl="0" indent="-381000" rtl="0">
               <a:spcBef>
                 <a:spcPts val="0"/>
               </a:spcBef>
@@ -6831,7 +7188,7 @@
             </a:r>
           </a:p>
           <a:p>
-            <a:pPr indent="-381000" lvl="0" marL="457200" rtl="0">
+            <a:pPr marL="457200" lvl="0" indent="-381000" rtl="0">
               <a:spcBef>
                 <a:spcPts val="0"/>
               </a:spcBef>
@@ -6848,7 +7205,7 @@
             </a:r>
           </a:p>
           <a:p>
-            <a:pPr indent="-381000" lvl="0" marL="457200" rtl="0">
+            <a:pPr marL="457200" lvl="0" indent="-381000" rtl="0">
               <a:spcBef>
                 <a:spcPts val="0"/>
               </a:spcBef>
@@ -6865,7 +7222,7 @@
             </a:r>
           </a:p>
           <a:p>
-            <a:pPr indent="-381000" lvl="0" marL="457200" rtl="0">
+            <a:pPr marL="457200" lvl="0" indent="-381000" rtl="0">
               <a:spcBef>
                 <a:spcPts val="0"/>
               </a:spcBef>
@@ -6882,7 +7239,7 @@
             </a:r>
           </a:p>
           <a:p>
-            <a:pPr indent="-381000" lvl="1" marL="914400" rtl="0">
+            <a:pPr marL="914400" lvl="1" indent="-381000" rtl="0">
               <a:spcBef>
                 <a:spcPts val="0"/>
               </a:spcBef>
@@ -6899,7 +7256,7 @@
             </a:r>
           </a:p>
           <a:p>
-            <a:pPr indent="-381000" lvl="1" marL="914400" rtl="0">
+            <a:pPr marL="914400" lvl="1" indent="-381000" rtl="0">
               <a:spcBef>
                 <a:spcPts val="0"/>
               </a:spcBef>
@@ -6916,7 +7273,7 @@
             </a:r>
           </a:p>
           <a:p>
-            <a:pPr indent="-381000" lvl="1" marL="914400" rtl="0">
+            <a:pPr marL="914400" lvl="1" indent="-381000" rtl="0">
               <a:spcBef>
                 <a:spcPts val="0"/>
               </a:spcBef>
@@ -6933,7 +7290,7 @@
             </a:r>
           </a:p>
           <a:p>
-            <a:pPr indent="-381000" lvl="0" marL="457200" rtl="0">
+            <a:pPr marL="457200" lvl="0" indent="-381000" rtl="0">
               <a:spcBef>
                 <a:spcPts val="0"/>
               </a:spcBef>
@@ -6950,7 +7307,7 @@
             </a:r>
           </a:p>
           <a:p>
-            <a:pPr indent="-381000" lvl="0" marL="457200" rtl="0">
+            <a:pPr marL="457200" lvl="0" indent="-381000" rtl="0">
               <a:spcBef>
                 <a:spcPts val="0"/>
               </a:spcBef>
@@ -6980,11 +7337,11 @@
 </file>
 
 <file path=ppt/slides/slide16.xml><?xml version="1.0" encoding="utf-8"?>
-<p:sld xmlns:a="http://schemas.openxmlformats.org/drawingml/2006/main" xmlns:r="http://schemas.openxmlformats.org/officeDocument/2006/relationships" xmlns:mc="http://schemas.openxmlformats.org/markup-compatibility/2006" xmlns:mv="urn:schemas-microsoft-com:mac:vml" xmlns:p="http://schemas.openxmlformats.org/presentationml/2006/main" xmlns:c="http://schemas.openxmlformats.org/drawingml/2006/chart" xmlns:dgm="http://schemas.openxmlformats.org/drawingml/2006/diagram" xmlns:o="urn:schemas-microsoft-com:office:office" xmlns:v="urn:schemas-microsoft-com:vml" xmlns:pvml="urn:schemas-microsoft-com:office:powerpoint" xmlns:com="http://schemas.openxmlformats.org/drawingml/2006/compatibility" xmlns:p14="http://schemas.microsoft.com/office/powerpoint/2010/main">
+<p:sld xmlns:a="http://schemas.openxmlformats.org/drawingml/2006/main" xmlns:r="http://schemas.openxmlformats.org/officeDocument/2006/relationships" xmlns:p="http://schemas.openxmlformats.org/presentationml/2006/main">
   <p:cSld>
     <p:spTree>
       <p:nvGrpSpPr>
-        <p:cNvPr id="133" name="Shape 133"/>
+        <p:cNvPr id="1" name="Shape 133"/>
         <p:cNvGrpSpPr/>
         <p:nvPr/>
       </p:nvGrpSpPr>
@@ -6999,7 +7356,9 @@
       <p:sp>
         <p:nvSpPr>
           <p:cNvPr id="134" name="Shape 134"/>
-          <p:cNvSpPr txBox="1"/>
+          <p:cNvSpPr txBox="1">
+            <a:spLocks noGrp="1"/>
+          </p:cNvSpPr>
           <p:nvPr>
             <p:ph type="title"/>
           </p:nvPr>
@@ -7014,7 +7373,7 @@
           </a:prstGeom>
         </p:spPr>
         <p:txBody>
-          <a:bodyPr anchorCtr="0" anchor="b" bIns="91425" lIns="91425" rIns="91425" tIns="91425">
+          <a:bodyPr lIns="91425" tIns="91425" rIns="91425" bIns="91425" anchor="b" anchorCtr="0">
             <a:noAutofit/>
           </a:bodyPr>
           <a:lstStyle/>
@@ -7072,11 +7431,11 @@
 </file>
 
 <file path=ppt/slides/slide17.xml><?xml version="1.0" encoding="utf-8"?>
-<p:sld xmlns:a="http://schemas.openxmlformats.org/drawingml/2006/main" xmlns:r="http://schemas.openxmlformats.org/officeDocument/2006/relationships" xmlns:mc="http://schemas.openxmlformats.org/markup-compatibility/2006" xmlns:mv="urn:schemas-microsoft-com:mac:vml" xmlns:p="http://schemas.openxmlformats.org/presentationml/2006/main" xmlns:c="http://schemas.openxmlformats.org/drawingml/2006/chart" xmlns:dgm="http://schemas.openxmlformats.org/drawingml/2006/diagram" xmlns:o="urn:schemas-microsoft-com:office:office" xmlns:v="urn:schemas-microsoft-com:vml" xmlns:pvml="urn:schemas-microsoft-com:office:powerpoint" xmlns:com="http://schemas.openxmlformats.org/drawingml/2006/compatibility" xmlns:p14="http://schemas.microsoft.com/office/powerpoint/2010/main">
+<p:sld xmlns:a="http://schemas.openxmlformats.org/drawingml/2006/main" xmlns:r="http://schemas.openxmlformats.org/officeDocument/2006/relationships" xmlns:p="http://schemas.openxmlformats.org/presentationml/2006/main">
   <p:cSld>
     <p:spTree>
       <p:nvGrpSpPr>
-        <p:cNvPr id="139" name="Shape 139"/>
+        <p:cNvPr id="1" name="Shape 139"/>
         <p:cNvGrpSpPr/>
         <p:nvPr/>
       </p:nvGrpSpPr>
@@ -7091,7 +7450,9 @@
       <p:sp>
         <p:nvSpPr>
           <p:cNvPr id="140" name="Shape 140"/>
-          <p:cNvSpPr txBox="1"/>
+          <p:cNvSpPr txBox="1">
+            <a:spLocks noGrp="1"/>
+          </p:cNvSpPr>
           <p:nvPr>
             <p:ph type="title"/>
           </p:nvPr>
@@ -7106,7 +7467,7 @@
           </a:prstGeom>
         </p:spPr>
         <p:txBody>
-          <a:bodyPr anchorCtr="0" anchor="b" bIns="91425" lIns="91425" rIns="91425" tIns="91425">
+          <a:bodyPr lIns="91425" tIns="91425" rIns="91425" bIns="91425" anchor="b" anchorCtr="0">
             <a:noAutofit/>
           </a:bodyPr>
           <a:lstStyle/>
@@ -7127,9 +7488,11 @@
       <p:sp>
         <p:nvSpPr>
           <p:cNvPr id="141" name="Shape 141"/>
-          <p:cNvSpPr txBox="1"/>
+          <p:cNvSpPr txBox="1">
+            <a:spLocks noGrp="1"/>
+          </p:cNvSpPr>
           <p:nvPr>
-            <p:ph idx="1" type="body"/>
+            <p:ph type="body" idx="1"/>
           </p:nvPr>
         </p:nvSpPr>
         <p:spPr>
@@ -7142,7 +7505,7 @@
           </a:prstGeom>
         </p:spPr>
         <p:txBody>
-          <a:bodyPr anchorCtr="0" anchor="t" bIns="91425" lIns="91425" rIns="91425" tIns="91425">
+          <a:bodyPr lIns="91425" tIns="91425" rIns="91425" bIns="91425" anchor="t" anchorCtr="0">
             <a:noAutofit/>
           </a:bodyPr>
           <a:lstStyle/>
@@ -7159,7 +7522,7 @@
             </a:r>
           </a:p>
           <a:p>
-            <a:pPr indent="-381000" lvl="0" marL="457200" rtl="0">
+            <a:pPr marL="457200" lvl="0" indent="-381000" rtl="0">
               <a:spcBef>
                 <a:spcPts val="0"/>
               </a:spcBef>
@@ -7181,7 +7544,7 @@
             </a:r>
           </a:p>
           <a:p>
-            <a:pPr indent="-381000" lvl="0" marL="457200" rtl="0">
+            <a:pPr marL="457200" lvl="0" indent="-381000" rtl="0">
               <a:spcBef>
                 <a:spcPts val="0"/>
               </a:spcBef>
@@ -7213,9 +7576,6 @@
               </a:spcBef>
               <a:buNone/>
             </a:pPr>
-            <a:r>
-              <a:t/>
-            </a:r>
             <a:endParaRPr sz="2400"/>
           </a:p>
         </p:txBody>
@@ -7232,11 +7592,11 @@
 </file>
 
 <file path=ppt/slides/slide18.xml><?xml version="1.0" encoding="utf-8"?>
-<p:sld xmlns:a="http://schemas.openxmlformats.org/drawingml/2006/main" xmlns:r="http://schemas.openxmlformats.org/officeDocument/2006/relationships" xmlns:mc="http://schemas.openxmlformats.org/markup-compatibility/2006" xmlns:mv="urn:schemas-microsoft-com:mac:vml" xmlns:p="http://schemas.openxmlformats.org/presentationml/2006/main" xmlns:c="http://schemas.openxmlformats.org/drawingml/2006/chart" xmlns:dgm="http://schemas.openxmlformats.org/drawingml/2006/diagram" xmlns:o="urn:schemas-microsoft-com:office:office" xmlns:v="urn:schemas-microsoft-com:vml" xmlns:pvml="urn:schemas-microsoft-com:office:powerpoint" xmlns:com="http://schemas.openxmlformats.org/drawingml/2006/compatibility" xmlns:p14="http://schemas.microsoft.com/office/powerpoint/2010/main">
+<p:sld xmlns:a="http://schemas.openxmlformats.org/drawingml/2006/main" xmlns:r="http://schemas.openxmlformats.org/officeDocument/2006/relationships" xmlns:p="http://schemas.openxmlformats.org/presentationml/2006/main">
   <p:cSld>
     <p:spTree>
       <p:nvGrpSpPr>
-        <p:cNvPr id="145" name="Shape 145"/>
+        <p:cNvPr id="1" name="Shape 145"/>
         <p:cNvGrpSpPr/>
         <p:nvPr/>
       </p:nvGrpSpPr>
@@ -7251,7 +7611,9 @@
       <p:sp>
         <p:nvSpPr>
           <p:cNvPr id="146" name="Shape 146"/>
-          <p:cNvSpPr txBox="1"/>
+          <p:cNvSpPr txBox="1">
+            <a:spLocks noGrp="1"/>
+          </p:cNvSpPr>
           <p:nvPr>
             <p:ph type="title"/>
           </p:nvPr>
@@ -7266,7 +7628,7 @@
           </a:prstGeom>
         </p:spPr>
         <p:txBody>
-          <a:bodyPr anchorCtr="0" anchor="b" bIns="91425" lIns="91425" rIns="91425" tIns="91425">
+          <a:bodyPr lIns="91425" tIns="91425" rIns="91425" bIns="91425" anchor="b" anchorCtr="0">
             <a:noAutofit/>
           </a:bodyPr>
           <a:lstStyle/>
@@ -7287,9 +7649,11 @@
       <p:sp>
         <p:nvSpPr>
           <p:cNvPr id="147" name="Shape 147"/>
-          <p:cNvSpPr txBox="1"/>
+          <p:cNvSpPr txBox="1">
+            <a:spLocks noGrp="1"/>
+          </p:cNvSpPr>
           <p:nvPr>
-            <p:ph idx="1" type="body"/>
+            <p:ph type="body" idx="1"/>
           </p:nvPr>
         </p:nvSpPr>
         <p:spPr>
@@ -7302,12 +7666,12 @@
           </a:prstGeom>
         </p:spPr>
         <p:txBody>
-          <a:bodyPr anchorCtr="0" anchor="t" bIns="91425" lIns="91425" rIns="91425" tIns="91425">
+          <a:bodyPr lIns="91425" tIns="91425" rIns="91425" bIns="91425" anchor="t" anchorCtr="0">
             <a:noAutofit/>
           </a:bodyPr>
           <a:lstStyle/>
           <a:p>
-            <a:pPr indent="-419100" lvl="0" marL="457200" rtl="0">
+            <a:pPr marL="457200" lvl="0" indent="-419100" rtl="0">
               <a:spcBef>
                 <a:spcPts val="0"/>
               </a:spcBef>
@@ -7329,7 +7693,7 @@
             </a:r>
           </a:p>
           <a:p>
-            <a:pPr indent="-419100" lvl="0" marL="457200" rtl="0">
+            <a:pPr marL="457200" lvl="0" indent="-419100" rtl="0">
               <a:spcBef>
                 <a:spcPts val="0"/>
               </a:spcBef>
@@ -7351,7 +7715,7 @@
             </a:r>
           </a:p>
           <a:p>
-            <a:pPr indent="-419100" lvl="0" marL="457200" rtl="0">
+            <a:pPr marL="457200" lvl="0" indent="-419100" rtl="0">
               <a:spcBef>
                 <a:spcPts val="0"/>
               </a:spcBef>
@@ -7373,7 +7737,7 @@
             </a:r>
           </a:p>
           <a:p>
-            <a:pPr indent="-419100" lvl="0" marL="457200">
+            <a:pPr marL="457200" lvl="0" indent="-419100">
               <a:spcBef>
                 <a:spcPts val="0"/>
               </a:spcBef>
@@ -7408,11 +7772,11 @@
 </file>
 
 <file path=ppt/slides/slide19.xml><?xml version="1.0" encoding="utf-8"?>
-<p:sld xmlns:a="http://schemas.openxmlformats.org/drawingml/2006/main" xmlns:r="http://schemas.openxmlformats.org/officeDocument/2006/relationships" xmlns:mc="http://schemas.openxmlformats.org/markup-compatibility/2006" xmlns:mv="urn:schemas-microsoft-com:mac:vml" xmlns:p="http://schemas.openxmlformats.org/presentationml/2006/main" xmlns:c="http://schemas.openxmlformats.org/drawingml/2006/chart" xmlns:dgm="http://schemas.openxmlformats.org/drawingml/2006/diagram" xmlns:o="urn:schemas-microsoft-com:office:office" xmlns:v="urn:schemas-microsoft-com:vml" xmlns:pvml="urn:schemas-microsoft-com:office:powerpoint" xmlns:com="http://schemas.openxmlformats.org/drawingml/2006/compatibility" xmlns:p14="http://schemas.microsoft.com/office/powerpoint/2010/main">
+<p:sld xmlns:a="http://schemas.openxmlformats.org/drawingml/2006/main" xmlns:r="http://schemas.openxmlformats.org/officeDocument/2006/relationships" xmlns:p="http://schemas.openxmlformats.org/presentationml/2006/main">
   <p:cSld>
     <p:spTree>
       <p:nvGrpSpPr>
-        <p:cNvPr id="151" name="Shape 151"/>
+        <p:cNvPr id="1" name="Shape 151"/>
         <p:cNvGrpSpPr/>
         <p:nvPr/>
       </p:nvGrpSpPr>
@@ -7427,7 +7791,9 @@
       <p:sp>
         <p:nvSpPr>
           <p:cNvPr id="152" name="Shape 152"/>
-          <p:cNvSpPr txBox="1"/>
+          <p:cNvSpPr txBox="1">
+            <a:spLocks noGrp="1"/>
+          </p:cNvSpPr>
           <p:nvPr>
             <p:ph type="title"/>
           </p:nvPr>
@@ -7442,7 +7808,7 @@
           </a:prstGeom>
         </p:spPr>
         <p:txBody>
-          <a:bodyPr anchorCtr="0" anchor="b" bIns="91425" lIns="91425" rIns="91425" tIns="91425">
+          <a:bodyPr lIns="91425" tIns="91425" rIns="91425" bIns="91425" anchor="b" anchorCtr="0">
             <a:noAutofit/>
           </a:bodyPr>
           <a:lstStyle/>
@@ -7463,9 +7829,11 @@
       <p:sp>
         <p:nvSpPr>
           <p:cNvPr id="153" name="Shape 153"/>
-          <p:cNvSpPr txBox="1"/>
+          <p:cNvSpPr txBox="1">
+            <a:spLocks noGrp="1"/>
+          </p:cNvSpPr>
           <p:nvPr>
-            <p:ph idx="1" type="body"/>
+            <p:ph type="body" idx="1"/>
           </p:nvPr>
         </p:nvSpPr>
         <p:spPr>
@@ -7478,7 +7846,7 @@
           </a:prstGeom>
         </p:spPr>
         <p:txBody>
-          <a:bodyPr anchorCtr="0" anchor="t" bIns="91425" lIns="91425" rIns="91425" tIns="91425">
+          <a:bodyPr lIns="91425" tIns="91425" rIns="91425" bIns="91425" anchor="t" anchorCtr="0">
             <a:noAutofit/>
           </a:bodyPr>
           <a:lstStyle/>
@@ -7487,16 +7855,26 @@
               <a:spcBef>
                 <a:spcPts val="0"/>
               </a:spcBef>
-              <a:buNone/>
-            </a:pPr>
-            <a:r>
-              <a:rPr lang="en" sz="2400" u="sng">
+              <a:buFont typeface="Arial" pitchFamily="34" charset="0"/>
+              <a:buChar char="•"/>
+            </a:pPr>
+            <a:r>
+              <a:rPr lang="en" sz="2400" u="sng" dirty="0" smtClean="0">
                 <a:solidFill>
                   <a:schemeClr val="hlink"/>
                 </a:solidFill>
                 <a:hlinkClick r:id="rId3"/>
               </a:rPr>
-              <a:t>http://benjaminnitschke.com/post/2009/03/28/Making-Lua-run-on-the-Xbox-360-and-PS3-(native-code).aspx</a:t>
+              <a:t> http</a:t>
+            </a:r>
+            <a:r>
+              <a:rPr lang="en" sz="2400" u="sng" dirty="0">
+                <a:solidFill>
+                  <a:schemeClr val="hlink"/>
+                </a:solidFill>
+                <a:hlinkClick r:id="rId3"/>
+              </a:rPr>
+              <a:t>://benjaminnitschke.com/post/2009/03/28/Making-Lua-run-on-the-Xbox-360-and-PS3-(native-code).aspx</a:t>
             </a:r>
           </a:p>
           <a:p>
@@ -7504,12 +7882,53 @@
               <a:spcBef>
                 <a:spcPts val="0"/>
               </a:spcBef>
-              <a:buNone/>
-            </a:pPr>
-            <a:r>
-              <a:t/>
-            </a:r>
-            <a:endParaRPr/>
+              <a:buFont typeface="Arial" pitchFamily="34" charset="0"/>
+              <a:buChar char="•"/>
+            </a:pPr>
+            <a:r>
+              <a:rPr lang="en-US" sz="2400" dirty="0" smtClean="0"/>
+              <a:t> Not the same anymore, but there is even better </a:t>
+            </a:r>
+            <a:r>
+              <a:rPr lang="en-US" sz="2400" dirty="0" err="1" smtClean="0"/>
+              <a:t>Lua</a:t>
+            </a:r>
+            <a:r>
+              <a:rPr lang="en-US" sz="2400" dirty="0" smtClean="0"/>
+              <a:t> integration into the Blueprint Editor now:</a:t>
+            </a:r>
+          </a:p>
+          <a:p>
+            <a:pPr>
+              <a:buFont typeface="Arial" pitchFamily="34" charset="0"/>
+              <a:buChar char="•"/>
+            </a:pPr>
+            <a:r>
+              <a:rPr lang="en-US" sz="2400" smtClean="0">
+                <a:hlinkClick r:id="rId4"/>
+              </a:rPr>
+              <a:t> https</a:t>
+            </a:r>
+            <a:r>
+              <a:rPr lang="en-US" sz="2400" smtClean="0">
+                <a:hlinkClick r:id="rId4"/>
+              </a:rPr>
+              <a:t>://</a:t>
+            </a:r>
+            <a:r>
+              <a:rPr lang="en-US" sz="2400" smtClean="0">
+                <a:hlinkClick r:id="rId4"/>
+              </a:rPr>
+              <a:t>forums.unrealengine.com/showthread.php?3958-Scripting-Language-extensions-via-plugins</a:t>
+            </a:r>
+            <a:endParaRPr lang="en-US" sz="2400" smtClean="0"/>
+          </a:p>
+          <a:p>
+            <a:pPr>
+              <a:buFont typeface="Arial" pitchFamily="34" charset="0"/>
+              <a:buChar char="•"/>
+            </a:pPr>
+            <a:endParaRPr sz="2400" dirty="0"/>
           </a:p>
         </p:txBody>
       </p:sp>
@@ -7525,11 +7944,11 @@
 </file>
 
 <file path=ppt/slides/slide2.xml><?xml version="1.0" encoding="utf-8"?>
-<p:sld xmlns:a="http://schemas.openxmlformats.org/drawingml/2006/main" xmlns:r="http://schemas.openxmlformats.org/officeDocument/2006/relationships" xmlns:mc="http://schemas.openxmlformats.org/markup-compatibility/2006" xmlns:mv="urn:schemas-microsoft-com:mac:vml" xmlns:p="http://schemas.openxmlformats.org/presentationml/2006/main" xmlns:c="http://schemas.openxmlformats.org/drawingml/2006/chart" xmlns:dgm="http://schemas.openxmlformats.org/drawingml/2006/diagram" xmlns:o="urn:schemas-microsoft-com:office:office" xmlns:v="urn:schemas-microsoft-com:vml" xmlns:pvml="urn:schemas-microsoft-com:office:powerpoint" xmlns:com="http://schemas.openxmlformats.org/drawingml/2006/compatibility" xmlns:p14="http://schemas.microsoft.com/office/powerpoint/2010/main">
+<p:sld xmlns:a="http://schemas.openxmlformats.org/drawingml/2006/main" xmlns:r="http://schemas.openxmlformats.org/officeDocument/2006/relationships" xmlns:p="http://schemas.openxmlformats.org/presentationml/2006/main">
   <p:cSld>
     <p:spTree>
       <p:nvGrpSpPr>
-        <p:cNvPr id="45" name="Shape 45"/>
+        <p:cNvPr id="1" name="Shape 45"/>
         <p:cNvGrpSpPr/>
         <p:nvPr/>
       </p:nvGrpSpPr>
@@ -7544,7 +7963,9 @@
       <p:sp>
         <p:nvSpPr>
           <p:cNvPr id="46" name="Shape 46"/>
-          <p:cNvSpPr txBox="1"/>
+          <p:cNvSpPr txBox="1">
+            <a:spLocks noGrp="1"/>
+          </p:cNvSpPr>
           <p:nvPr>
             <p:ph type="title"/>
           </p:nvPr>
@@ -7559,7 +7980,7 @@
           </a:prstGeom>
         </p:spPr>
         <p:txBody>
-          <a:bodyPr anchorCtr="0" anchor="b" bIns="91425" lIns="91425" rIns="91425" tIns="91425">
+          <a:bodyPr lIns="91425" tIns="91425" rIns="91425" bIns="91425" anchor="b" anchorCtr="0">
             <a:noAutofit/>
           </a:bodyPr>
           <a:lstStyle/>
@@ -7580,9 +8001,11 @@
       <p:sp>
         <p:nvSpPr>
           <p:cNvPr id="47" name="Shape 47"/>
-          <p:cNvSpPr txBox="1"/>
+          <p:cNvSpPr txBox="1">
+            <a:spLocks noGrp="1"/>
+          </p:cNvSpPr>
           <p:nvPr>
-            <p:ph idx="1" type="body"/>
+            <p:ph type="body" idx="1"/>
           </p:nvPr>
         </p:nvSpPr>
         <p:spPr>
@@ -7595,12 +8018,12 @@
           </a:prstGeom>
         </p:spPr>
         <p:txBody>
-          <a:bodyPr anchorCtr="0" anchor="t" bIns="91425" lIns="91425" rIns="91425" tIns="91425">
+          <a:bodyPr lIns="91425" tIns="91425" rIns="91425" bIns="91425" anchor="t" anchorCtr="0">
             <a:noAutofit/>
           </a:bodyPr>
           <a:lstStyle/>
           <a:p>
-            <a:pPr indent="-381000" lvl="0" marL="457200" rtl="0">
+            <a:pPr marL="457200" lvl="0" indent="-381000" rtl="0">
               <a:spcBef>
                 <a:spcPts val="0"/>
               </a:spcBef>
@@ -7617,7 +8040,7 @@
             </a:r>
           </a:p>
           <a:p>
-            <a:pPr indent="-381000" lvl="0" marL="457200" rtl="0">
+            <a:pPr marL="457200" lvl="0" indent="-381000" rtl="0">
               <a:spcBef>
                 <a:spcPts val="0"/>
               </a:spcBef>
@@ -7634,7 +8057,7 @@
             </a:r>
           </a:p>
           <a:p>
-            <a:pPr indent="-381000" lvl="0" marL="457200" rtl="0">
+            <a:pPr marL="457200" lvl="0" indent="-381000" rtl="0">
               <a:spcBef>
                 <a:spcPts val="0"/>
               </a:spcBef>
@@ -7651,7 +8074,7 @@
             </a:r>
           </a:p>
           <a:p>
-            <a:pPr indent="-381000" lvl="1" marL="914400" rtl="0">
+            <a:pPr marL="914400" lvl="1" indent="-381000" rtl="0">
               <a:spcBef>
                 <a:spcPts val="0"/>
               </a:spcBef>
@@ -7668,7 +8091,7 @@
             </a:r>
           </a:p>
           <a:p>
-            <a:pPr indent="-381000" lvl="1" marL="914400" rtl="0">
+            <a:pPr marL="914400" lvl="1" indent="-381000" rtl="0">
               <a:spcBef>
                 <a:spcPts val="0"/>
               </a:spcBef>
@@ -7685,7 +8108,7 @@
             </a:r>
           </a:p>
           <a:p>
-            <a:pPr indent="-381000" lvl="1" marL="914400" rtl="0">
+            <a:pPr marL="914400" lvl="1" indent="-381000" rtl="0">
               <a:spcBef>
                 <a:spcPts val="0"/>
               </a:spcBef>
@@ -7702,7 +8125,7 @@
             </a:r>
           </a:p>
           <a:p>
-            <a:pPr indent="-381000" lvl="1" marL="914400" rtl="0">
+            <a:pPr marL="914400" lvl="1" indent="-381000" rtl="0">
               <a:spcBef>
                 <a:spcPts val="0"/>
               </a:spcBef>
@@ -7719,7 +8142,7 @@
             </a:r>
           </a:p>
           <a:p>
-            <a:pPr indent="-381000" lvl="1" marL="914400" rtl="0">
+            <a:pPr marL="914400" lvl="1" indent="-381000" rtl="0">
               <a:spcBef>
                 <a:spcPts val="0"/>
               </a:spcBef>
@@ -7736,7 +8159,7 @@
             </a:r>
           </a:p>
           <a:p>
-            <a:pPr indent="-381000" lvl="1" marL="914400" rtl="0">
+            <a:pPr marL="914400" lvl="1" indent="-381000" rtl="0">
               <a:spcBef>
                 <a:spcPts val="0"/>
               </a:spcBef>
@@ -7753,7 +8176,7 @@
             </a:r>
           </a:p>
           <a:p>
-            <a:pPr indent="-381000" lvl="0" marL="457200">
+            <a:pPr marL="457200" lvl="0" indent="-381000">
               <a:spcBef>
                 <a:spcPts val="0"/>
               </a:spcBef>
@@ -7783,11 +8206,11 @@
 </file>
 
 <file path=ppt/slides/slide20.xml><?xml version="1.0" encoding="utf-8"?>
-<p:sld xmlns:a="http://schemas.openxmlformats.org/drawingml/2006/main" xmlns:r="http://schemas.openxmlformats.org/officeDocument/2006/relationships" xmlns:mc="http://schemas.openxmlformats.org/markup-compatibility/2006" xmlns:mv="urn:schemas-microsoft-com:mac:vml" xmlns:p="http://schemas.openxmlformats.org/presentationml/2006/main" xmlns:c="http://schemas.openxmlformats.org/drawingml/2006/chart" xmlns:dgm="http://schemas.openxmlformats.org/drawingml/2006/diagram" xmlns:o="urn:schemas-microsoft-com:office:office" xmlns:v="urn:schemas-microsoft-com:vml" xmlns:pvml="urn:schemas-microsoft-com:office:powerpoint" xmlns:com="http://schemas.openxmlformats.org/drawingml/2006/compatibility" xmlns:p14="http://schemas.microsoft.com/office/powerpoint/2010/main">
+<p:sld xmlns:a="http://schemas.openxmlformats.org/drawingml/2006/main" xmlns:r="http://schemas.openxmlformats.org/officeDocument/2006/relationships" xmlns:p="http://schemas.openxmlformats.org/presentationml/2006/main">
   <p:cSld>
     <p:spTree>
       <p:nvGrpSpPr>
-        <p:cNvPr id="157" name="Shape 157"/>
+        <p:cNvPr id="1" name="Shape 157"/>
         <p:cNvGrpSpPr/>
         <p:nvPr/>
       </p:nvGrpSpPr>
@@ -7802,7 +8225,9 @@
       <p:sp>
         <p:nvSpPr>
           <p:cNvPr id="158" name="Shape 158"/>
-          <p:cNvSpPr txBox="1"/>
+          <p:cNvSpPr txBox="1">
+            <a:spLocks noGrp="1"/>
+          </p:cNvSpPr>
           <p:nvPr>
             <p:ph type="title"/>
           </p:nvPr>
@@ -7817,7 +8242,7 @@
           </a:prstGeom>
         </p:spPr>
         <p:txBody>
-          <a:bodyPr anchorCtr="0" anchor="b" bIns="91425" lIns="91425" rIns="91425" tIns="91425">
+          <a:bodyPr lIns="91425" tIns="91425" rIns="91425" bIns="91425" anchor="b" anchorCtr="0">
             <a:noAutofit/>
           </a:bodyPr>
           <a:lstStyle/>
@@ -7838,9 +8263,11 @@
       <p:sp>
         <p:nvSpPr>
           <p:cNvPr id="159" name="Shape 159"/>
-          <p:cNvSpPr txBox="1"/>
+          <p:cNvSpPr txBox="1">
+            <a:spLocks noGrp="1"/>
+          </p:cNvSpPr>
           <p:nvPr>
-            <p:ph idx="1" type="body"/>
+            <p:ph type="body" idx="1"/>
           </p:nvPr>
         </p:nvSpPr>
         <p:spPr>
@@ -7853,12 +8280,12 @@
           </a:prstGeom>
         </p:spPr>
         <p:txBody>
-          <a:bodyPr anchorCtr="0" anchor="t" bIns="91425" lIns="91425" rIns="91425" tIns="91425">
+          <a:bodyPr lIns="91425" tIns="91425" rIns="91425" bIns="91425" anchor="t" anchorCtr="0">
             <a:noAutofit/>
           </a:bodyPr>
           <a:lstStyle/>
           <a:p>
-            <a:pPr indent="-381000" lvl="0" marL="457200" rtl="0">
+            <a:pPr marL="457200" lvl="0" indent="-381000" rtl="0">
               <a:spcBef>
                 <a:spcPts val="0"/>
               </a:spcBef>
@@ -7884,7 +8311,7 @@
             </a:r>
           </a:p>
           <a:p>
-            <a:pPr indent="-381000" lvl="0" marL="457200" rtl="0">
+            <a:pPr marL="457200" lvl="0" indent="-381000" rtl="0">
               <a:spcBef>
                 <a:spcPts val="0"/>
               </a:spcBef>
@@ -7910,7 +8337,7 @@
             </a:r>
           </a:p>
           <a:p>
-            <a:pPr indent="-381000" lvl="0" marL="457200" rtl="0">
+            <a:pPr marL="457200" lvl="0" indent="-381000" rtl="0">
               <a:spcBef>
                 <a:spcPts val="0"/>
               </a:spcBef>
@@ -7949,11 +8376,11 @@
 </file>
 
 <file path=ppt/slides/slide21.xml><?xml version="1.0" encoding="utf-8"?>
-<p:sld xmlns:a="http://schemas.openxmlformats.org/drawingml/2006/main" xmlns:r="http://schemas.openxmlformats.org/officeDocument/2006/relationships" xmlns:mc="http://schemas.openxmlformats.org/markup-compatibility/2006" xmlns:mv="urn:schemas-microsoft-com:mac:vml" xmlns:p="http://schemas.openxmlformats.org/presentationml/2006/main" xmlns:c="http://schemas.openxmlformats.org/drawingml/2006/chart" xmlns:dgm="http://schemas.openxmlformats.org/drawingml/2006/diagram" xmlns:o="urn:schemas-microsoft-com:office:office" xmlns:v="urn:schemas-microsoft-com:vml" xmlns:pvml="urn:schemas-microsoft-com:office:powerpoint" xmlns:com="http://schemas.openxmlformats.org/drawingml/2006/compatibility" xmlns:p14="http://schemas.microsoft.com/office/powerpoint/2010/main">
+<p:sld xmlns:a="http://schemas.openxmlformats.org/drawingml/2006/main" xmlns:r="http://schemas.openxmlformats.org/officeDocument/2006/relationships" xmlns:p="http://schemas.openxmlformats.org/presentationml/2006/main">
   <p:cSld>
     <p:spTree>
       <p:nvGrpSpPr>
-        <p:cNvPr id="163" name="Shape 163"/>
+        <p:cNvPr id="1" name="Shape 163"/>
         <p:cNvGrpSpPr/>
         <p:nvPr/>
       </p:nvGrpSpPr>
@@ -7968,7 +8395,9 @@
       <p:sp>
         <p:nvSpPr>
           <p:cNvPr id="164" name="Shape 164"/>
-          <p:cNvSpPr txBox="1"/>
+          <p:cNvSpPr txBox="1">
+            <a:spLocks noGrp="1"/>
+          </p:cNvSpPr>
           <p:nvPr>
             <p:ph type="title"/>
           </p:nvPr>
@@ -7983,7 +8412,7 @@
           </a:prstGeom>
         </p:spPr>
         <p:txBody>
-          <a:bodyPr anchorCtr="0" anchor="b" bIns="91425" lIns="91425" rIns="91425" tIns="91425">
+          <a:bodyPr lIns="91425" tIns="91425" rIns="91425" bIns="91425" anchor="b" anchorCtr="0">
             <a:noAutofit/>
           </a:bodyPr>
           <a:lstStyle/>
@@ -8004,9 +8433,11 @@
       <p:sp>
         <p:nvSpPr>
           <p:cNvPr id="165" name="Shape 165"/>
-          <p:cNvSpPr txBox="1"/>
+          <p:cNvSpPr txBox="1">
+            <a:spLocks noGrp="1"/>
+          </p:cNvSpPr>
           <p:nvPr>
-            <p:ph idx="1" type="body"/>
+            <p:ph type="body" idx="1"/>
           </p:nvPr>
         </p:nvSpPr>
         <p:spPr>
@@ -8019,36 +8450,30 @@
           </a:prstGeom>
         </p:spPr>
         <p:txBody>
-          <a:bodyPr anchorCtr="0" anchor="t" bIns="91425" lIns="91425" rIns="91425" tIns="91425">
+          <a:bodyPr lIns="91425" tIns="91425" rIns="91425" bIns="91425" anchor="t" anchorCtr="0">
             <a:noAutofit/>
           </a:bodyPr>
           <a:lstStyle/>
           <a:p>
-            <a:pPr rtl="0" algn="ctr">
-              <a:spcBef>
-                <a:spcPts val="0"/>
-              </a:spcBef>
-              <a:buNone/>
-            </a:pPr>
-            <a:r>
-              <a:t/>
-            </a:r>
+            <a:pPr algn="ctr" rtl="0">
+              <a:spcBef>
+                <a:spcPts val="0"/>
+              </a:spcBef>
+              <a:buNone/>
+            </a:pPr>
             <a:endParaRPr/>
           </a:p>
           <a:p>
-            <a:pPr rtl="0" algn="ctr">
-              <a:spcBef>
-                <a:spcPts val="0"/>
-              </a:spcBef>
-              <a:buNone/>
-            </a:pPr>
-            <a:r>
-              <a:t/>
-            </a:r>
+            <a:pPr algn="ctr" rtl="0">
+              <a:spcBef>
+                <a:spcPts val="0"/>
+              </a:spcBef>
+              <a:buNone/>
+            </a:pPr>
             <a:endParaRPr/>
           </a:p>
           <a:p>
-            <a:pPr rtl="0" algn="ctr">
+            <a:pPr algn="ctr" rtl="0">
               <a:spcBef>
                 <a:spcPts val="0"/>
               </a:spcBef>
@@ -8060,7 +8485,7 @@
             </a:r>
           </a:p>
           <a:p>
-            <a:pPr rtl="0" algn="ctr">
+            <a:pPr algn="ctr" rtl="0">
               <a:spcBef>
                 <a:spcPts val="0"/>
               </a:spcBef>
@@ -8083,9 +8508,6 @@
               </a:spcBef>
               <a:buNone/>
             </a:pPr>
-            <a:r>
-              <a:t/>
-            </a:r>
             <a:endParaRPr sz="2400"/>
           </a:p>
         </p:txBody>
@@ -8102,11 +8524,11 @@
 </file>
 
 <file path=ppt/slides/slide22.xml><?xml version="1.0" encoding="utf-8"?>
-<p:sld xmlns:a="http://schemas.openxmlformats.org/drawingml/2006/main" xmlns:r="http://schemas.openxmlformats.org/officeDocument/2006/relationships" xmlns:mc="http://schemas.openxmlformats.org/markup-compatibility/2006" xmlns:mv="urn:schemas-microsoft-com:mac:vml" xmlns:p="http://schemas.openxmlformats.org/presentationml/2006/main" xmlns:c="http://schemas.openxmlformats.org/drawingml/2006/chart" xmlns:dgm="http://schemas.openxmlformats.org/drawingml/2006/diagram" xmlns:o="urn:schemas-microsoft-com:office:office" xmlns:v="urn:schemas-microsoft-com:vml" xmlns:pvml="urn:schemas-microsoft-com:office:powerpoint" xmlns:com="http://schemas.openxmlformats.org/drawingml/2006/compatibility" xmlns:p14="http://schemas.microsoft.com/office/powerpoint/2010/main">
+<p:sld xmlns:a="http://schemas.openxmlformats.org/drawingml/2006/main" xmlns:r="http://schemas.openxmlformats.org/officeDocument/2006/relationships" xmlns:p="http://schemas.openxmlformats.org/presentationml/2006/main">
   <p:cSld>
     <p:spTree>
       <p:nvGrpSpPr>
-        <p:cNvPr id="169" name="Shape 169"/>
+        <p:cNvPr id="1" name="Shape 169"/>
         <p:cNvGrpSpPr/>
         <p:nvPr/>
       </p:nvGrpSpPr>
@@ -8121,7 +8543,9 @@
       <p:sp>
         <p:nvSpPr>
           <p:cNvPr id="170" name="Shape 170"/>
-          <p:cNvSpPr txBox="1"/>
+          <p:cNvSpPr txBox="1">
+            <a:spLocks noGrp="1"/>
+          </p:cNvSpPr>
           <p:nvPr>
             <p:ph type="title"/>
           </p:nvPr>
@@ -8136,7 +8560,7 @@
           </a:prstGeom>
         </p:spPr>
         <p:txBody>
-          <a:bodyPr anchorCtr="0" anchor="b" bIns="91425" lIns="91425" rIns="91425" tIns="91425">
+          <a:bodyPr lIns="91425" tIns="91425" rIns="91425" bIns="91425" anchor="b" anchorCtr="0">
             <a:noAutofit/>
           </a:bodyPr>
           <a:lstStyle/>
@@ -8157,9 +8581,11 @@
       <p:sp>
         <p:nvSpPr>
           <p:cNvPr id="171" name="Shape 171"/>
-          <p:cNvSpPr txBox="1"/>
+          <p:cNvSpPr txBox="1">
+            <a:spLocks noGrp="1"/>
+          </p:cNvSpPr>
           <p:nvPr>
-            <p:ph idx="1" type="body"/>
+            <p:ph type="body" idx="1"/>
           </p:nvPr>
         </p:nvSpPr>
         <p:spPr>
@@ -8172,12 +8598,12 @@
           </a:prstGeom>
         </p:spPr>
         <p:txBody>
-          <a:bodyPr anchorCtr="0" anchor="t" bIns="91425" lIns="91425" rIns="91425" tIns="91425">
+          <a:bodyPr lIns="91425" tIns="91425" rIns="91425" bIns="91425" anchor="t" anchorCtr="0">
             <a:noAutofit/>
           </a:bodyPr>
           <a:lstStyle/>
           <a:p>
-            <a:pPr indent="-381000" lvl="0" marL="457200" rtl="0">
+            <a:pPr marL="457200" lvl="0" indent="-381000" rtl="0">
               <a:spcBef>
                 <a:spcPts val="0"/>
               </a:spcBef>
@@ -8199,7 +8625,7 @@
             </a:r>
           </a:p>
           <a:p>
-            <a:pPr indent="-381000" lvl="0" marL="457200" rtl="0">
+            <a:pPr marL="457200" lvl="0" indent="-381000" rtl="0">
               <a:spcBef>
                 <a:spcPts val="0"/>
               </a:spcBef>
@@ -8221,7 +8647,7 @@
             </a:r>
           </a:p>
           <a:p>
-            <a:pPr indent="-381000" lvl="0" marL="457200" rtl="0">
+            <a:pPr marL="457200" lvl="0" indent="-381000" rtl="0">
               <a:spcBef>
                 <a:spcPts val="0"/>
               </a:spcBef>
@@ -8243,7 +8669,7 @@
             </a:r>
           </a:p>
           <a:p>
-            <a:pPr indent="-381000" lvl="0" marL="457200" rtl="0">
+            <a:pPr marL="457200" lvl="0" indent="-381000" rtl="0">
               <a:spcBef>
                 <a:spcPts val="0"/>
               </a:spcBef>
@@ -8265,7 +8691,7 @@
             </a:r>
           </a:p>
           <a:p>
-            <a:pPr indent="-381000" lvl="0" marL="457200" rtl="0">
+            <a:pPr marL="457200" lvl="0" indent="-381000" rtl="0">
               <a:spcBef>
                 <a:spcPts val="0"/>
               </a:spcBef>
@@ -8287,7 +8713,7 @@
             </a:r>
           </a:p>
           <a:p>
-            <a:pPr indent="-381000" lvl="0" marL="457200" rtl="0">
+            <a:pPr marL="457200" lvl="0" indent="-381000" rtl="0">
               <a:spcBef>
                 <a:spcPts val="0"/>
               </a:spcBef>
@@ -8309,7 +8735,7 @@
             </a:r>
           </a:p>
           <a:p>
-            <a:pPr indent="-381000" lvl="0" marL="457200" rtl="0">
+            <a:pPr marL="457200" lvl="0" indent="-381000" rtl="0">
               <a:spcBef>
                 <a:spcPts val="0"/>
               </a:spcBef>
@@ -8344,11 +8770,11 @@
 </file>
 
 <file path=ppt/slides/slide3.xml><?xml version="1.0" encoding="utf-8"?>
-<p:sld xmlns:a="http://schemas.openxmlformats.org/drawingml/2006/main" xmlns:r="http://schemas.openxmlformats.org/officeDocument/2006/relationships" xmlns:mc="http://schemas.openxmlformats.org/markup-compatibility/2006" xmlns:mv="urn:schemas-microsoft-com:mac:vml" xmlns:p="http://schemas.openxmlformats.org/presentationml/2006/main" xmlns:c="http://schemas.openxmlformats.org/drawingml/2006/chart" xmlns:dgm="http://schemas.openxmlformats.org/drawingml/2006/diagram" xmlns:o="urn:schemas-microsoft-com:office:office" xmlns:v="urn:schemas-microsoft-com:vml" xmlns:pvml="urn:schemas-microsoft-com:office:powerpoint" xmlns:com="http://schemas.openxmlformats.org/drawingml/2006/compatibility" xmlns:p14="http://schemas.microsoft.com/office/powerpoint/2010/main">
+<p:sld xmlns:a="http://schemas.openxmlformats.org/drawingml/2006/main" xmlns:r="http://schemas.openxmlformats.org/officeDocument/2006/relationships" xmlns:p="http://schemas.openxmlformats.org/presentationml/2006/main">
   <p:cSld>
     <p:spTree>
       <p:nvGrpSpPr>
-        <p:cNvPr id="51" name="Shape 51"/>
+        <p:cNvPr id="1" name="Shape 51"/>
         <p:cNvGrpSpPr/>
         <p:nvPr/>
       </p:nvGrpSpPr>
@@ -8363,7 +8789,9 @@
       <p:sp>
         <p:nvSpPr>
           <p:cNvPr id="52" name="Shape 52"/>
-          <p:cNvSpPr txBox="1"/>
+          <p:cNvSpPr txBox="1">
+            <a:spLocks noGrp="1"/>
+          </p:cNvSpPr>
           <p:nvPr>
             <p:ph type="title"/>
           </p:nvPr>
@@ -8378,7 +8806,7 @@
           </a:prstGeom>
         </p:spPr>
         <p:txBody>
-          <a:bodyPr anchorCtr="0" anchor="b" bIns="91425" lIns="91425" rIns="91425" tIns="91425">
+          <a:bodyPr lIns="91425" tIns="91425" rIns="91425" bIns="91425" anchor="b" anchorCtr="0">
             <a:noAutofit/>
           </a:bodyPr>
           <a:lstStyle/>
@@ -8399,9 +8827,11 @@
       <p:sp>
         <p:nvSpPr>
           <p:cNvPr id="53" name="Shape 53"/>
-          <p:cNvSpPr txBox="1"/>
+          <p:cNvSpPr txBox="1">
+            <a:spLocks noGrp="1"/>
+          </p:cNvSpPr>
           <p:nvPr>
-            <p:ph idx="1" type="body"/>
+            <p:ph type="body" idx="1"/>
           </p:nvPr>
         </p:nvSpPr>
         <p:spPr>
@@ -8414,12 +8844,12 @@
           </a:prstGeom>
         </p:spPr>
         <p:txBody>
-          <a:bodyPr anchorCtr="0" anchor="t" bIns="91425" lIns="91425" rIns="91425" tIns="91425">
+          <a:bodyPr lIns="91425" tIns="91425" rIns="91425" bIns="91425" anchor="t" anchorCtr="0">
             <a:noAutofit/>
           </a:bodyPr>
           <a:lstStyle/>
           <a:p>
-            <a:pPr indent="-381000" lvl="0" marL="457200" rtl="0">
+            <a:pPr marL="457200" lvl="0" indent="-381000" rtl="0">
               <a:spcBef>
                 <a:spcPts val="0"/>
               </a:spcBef>
@@ -8436,7 +8866,7 @@
             </a:r>
           </a:p>
           <a:p>
-            <a:pPr indent="-381000" lvl="1" marL="914400" rtl="0">
+            <a:pPr marL="914400" lvl="1" indent="-381000" rtl="0">
               <a:spcBef>
                 <a:spcPts val="0"/>
               </a:spcBef>
@@ -8453,7 +8883,7 @@
             </a:r>
           </a:p>
           <a:p>
-            <a:pPr indent="-381000" lvl="1" marL="914400" rtl="0">
+            <a:pPr marL="914400" lvl="1" indent="-381000" rtl="0">
               <a:spcBef>
                 <a:spcPts val="0"/>
               </a:spcBef>
@@ -8470,7 +8900,7 @@
             </a:r>
           </a:p>
           <a:p>
-            <a:pPr indent="-381000" lvl="1" marL="914400" rtl="0">
+            <a:pPr marL="914400" lvl="1" indent="-381000" rtl="0">
               <a:spcBef>
                 <a:spcPts val="0"/>
               </a:spcBef>
@@ -8487,7 +8917,7 @@
             </a:r>
           </a:p>
           <a:p>
-            <a:pPr indent="-381000" lvl="1" marL="914400" rtl="0">
+            <a:pPr marL="914400" lvl="1" indent="-381000" rtl="0">
               <a:spcBef>
                 <a:spcPts val="0"/>
               </a:spcBef>
@@ -8504,7 +8934,7 @@
             </a:r>
           </a:p>
           <a:p>
-            <a:pPr indent="-381000" lvl="1" marL="914400" rtl="0">
+            <a:pPr marL="914400" lvl="1" indent="-381000" rtl="0">
               <a:spcBef>
                 <a:spcPts val="0"/>
               </a:spcBef>
@@ -8521,7 +8951,7 @@
             </a:r>
           </a:p>
           <a:p>
-            <a:pPr indent="-381000" lvl="0" marL="457200" rtl="0">
+            <a:pPr marL="457200" lvl="0" indent="-381000" rtl="0">
               <a:spcBef>
                 <a:spcPts val="0"/>
               </a:spcBef>
@@ -8538,7 +8968,7 @@
             </a:r>
           </a:p>
           <a:p>
-            <a:pPr indent="-381000" lvl="0" marL="457200" rtl="0">
+            <a:pPr marL="457200" lvl="0" indent="-381000" rtl="0">
               <a:spcBef>
                 <a:spcPts val="0"/>
               </a:spcBef>
@@ -8555,7 +8985,7 @@
             </a:r>
           </a:p>
           <a:p>
-            <a:pPr indent="-381000" lvl="0" marL="457200" rtl="0">
+            <a:pPr marL="457200" lvl="0" indent="-381000" rtl="0">
               <a:spcBef>
                 <a:spcPts val="0"/>
               </a:spcBef>
@@ -8585,11 +9015,11 @@
 </file>
 
 <file path=ppt/slides/slide4.xml><?xml version="1.0" encoding="utf-8"?>
-<p:sld xmlns:a="http://schemas.openxmlformats.org/drawingml/2006/main" xmlns:r="http://schemas.openxmlformats.org/officeDocument/2006/relationships" xmlns:mc="http://schemas.openxmlformats.org/markup-compatibility/2006" xmlns:mv="urn:schemas-microsoft-com:mac:vml" xmlns:p="http://schemas.openxmlformats.org/presentationml/2006/main" xmlns:c="http://schemas.openxmlformats.org/drawingml/2006/chart" xmlns:dgm="http://schemas.openxmlformats.org/drawingml/2006/diagram" xmlns:o="urn:schemas-microsoft-com:office:office" xmlns:v="urn:schemas-microsoft-com:vml" xmlns:pvml="urn:schemas-microsoft-com:office:powerpoint" xmlns:com="http://schemas.openxmlformats.org/drawingml/2006/compatibility" xmlns:p14="http://schemas.microsoft.com/office/powerpoint/2010/main">
+<p:sld xmlns:a="http://schemas.openxmlformats.org/drawingml/2006/main" xmlns:r="http://schemas.openxmlformats.org/officeDocument/2006/relationships" xmlns:p="http://schemas.openxmlformats.org/presentationml/2006/main">
   <p:cSld>
     <p:spTree>
       <p:nvGrpSpPr>
-        <p:cNvPr id="57" name="Shape 57"/>
+        <p:cNvPr id="1" name="Shape 57"/>
         <p:cNvGrpSpPr/>
         <p:nvPr/>
       </p:nvGrpSpPr>
@@ -8604,7 +9034,9 @@
       <p:sp>
         <p:nvSpPr>
           <p:cNvPr id="58" name="Shape 58"/>
-          <p:cNvSpPr txBox="1"/>
+          <p:cNvSpPr txBox="1">
+            <a:spLocks noGrp="1"/>
+          </p:cNvSpPr>
           <p:nvPr>
             <p:ph type="title"/>
           </p:nvPr>
@@ -8619,7 +9051,7 @@
           </a:prstGeom>
         </p:spPr>
         <p:txBody>
-          <a:bodyPr anchorCtr="0" anchor="b" bIns="91425" lIns="91425" rIns="91425" tIns="91425">
+          <a:bodyPr lIns="91425" tIns="91425" rIns="91425" bIns="91425" anchor="b" anchorCtr="0">
             <a:noAutofit/>
           </a:bodyPr>
           <a:lstStyle/>
@@ -8640,9 +9072,11 @@
       <p:sp>
         <p:nvSpPr>
           <p:cNvPr id="59" name="Shape 59"/>
-          <p:cNvSpPr txBox="1"/>
+          <p:cNvSpPr txBox="1">
+            <a:spLocks noGrp="1"/>
+          </p:cNvSpPr>
           <p:nvPr>
-            <p:ph idx="1" type="body"/>
+            <p:ph type="body" idx="1"/>
           </p:nvPr>
         </p:nvSpPr>
         <p:spPr>
@@ -8655,12 +9089,12 @@
           </a:prstGeom>
         </p:spPr>
         <p:txBody>
-          <a:bodyPr anchorCtr="0" anchor="t" bIns="91425" lIns="91425" rIns="91425" tIns="91425">
+          <a:bodyPr lIns="91425" tIns="91425" rIns="91425" bIns="91425" anchor="t" anchorCtr="0">
             <a:noAutofit/>
           </a:bodyPr>
           <a:lstStyle/>
           <a:p>
-            <a:pPr indent="-381000" lvl="0" marL="457200" rtl="0">
+            <a:pPr marL="457200" lvl="0" indent="-381000" rtl="0">
               <a:spcBef>
                 <a:spcPts val="0"/>
               </a:spcBef>
@@ -8677,7 +9111,7 @@
             </a:r>
           </a:p>
           <a:p>
-            <a:pPr indent="-381000" lvl="1" marL="914400" rtl="0">
+            <a:pPr marL="914400" lvl="1" indent="-381000" rtl="0">
               <a:spcBef>
                 <a:spcPts val="0"/>
               </a:spcBef>
@@ -8694,7 +9128,7 @@
             </a:r>
           </a:p>
           <a:p>
-            <a:pPr indent="-381000" lvl="0" marL="457200" rtl="0">
+            <a:pPr marL="457200" lvl="0" indent="-381000" rtl="0">
               <a:spcBef>
                 <a:spcPts val="0"/>
               </a:spcBef>
@@ -8711,7 +9145,7 @@
             </a:r>
           </a:p>
           <a:p>
-            <a:pPr indent="-381000" lvl="1" marL="914400" rtl="0">
+            <a:pPr marL="914400" lvl="1" indent="-381000" rtl="0">
               <a:spcBef>
                 <a:spcPts val="0"/>
               </a:spcBef>
@@ -8728,7 +9162,7 @@
             </a:r>
           </a:p>
           <a:p>
-            <a:pPr indent="-381000" lvl="1" marL="914400" rtl="0">
+            <a:pPr marL="914400" lvl="1" indent="-381000" rtl="0">
               <a:spcBef>
                 <a:spcPts val="0"/>
               </a:spcBef>
@@ -8745,7 +9179,7 @@
             </a:r>
           </a:p>
           <a:p>
-            <a:pPr indent="-381000" lvl="1" marL="914400" rtl="0">
+            <a:pPr marL="914400" lvl="1" indent="-381000" rtl="0">
               <a:spcBef>
                 <a:spcPts val="0"/>
               </a:spcBef>
@@ -8762,7 +9196,7 @@
             </a:r>
           </a:p>
           <a:p>
-            <a:pPr indent="-381000" lvl="1" marL="914400" rtl="0">
+            <a:pPr marL="914400" lvl="1" indent="-381000" rtl="0">
               <a:spcBef>
                 <a:spcPts val="0"/>
               </a:spcBef>
@@ -8779,7 +9213,7 @@
             </a:r>
           </a:p>
           <a:p>
-            <a:pPr indent="-381000" lvl="1" marL="914400" rtl="0">
+            <a:pPr marL="914400" lvl="1" indent="-381000" rtl="0">
               <a:spcBef>
                 <a:spcPts val="0"/>
               </a:spcBef>
@@ -8796,7 +9230,7 @@
             </a:r>
           </a:p>
           <a:p>
-            <a:pPr indent="-381000" lvl="0" marL="457200" rtl="0">
+            <a:pPr marL="457200" lvl="0" indent="-381000" rtl="0">
               <a:spcBef>
                 <a:spcPts val="0"/>
               </a:spcBef>
@@ -8826,11 +9260,11 @@
 </file>
 
 <file path=ppt/slides/slide5.xml><?xml version="1.0" encoding="utf-8"?>
-<p:sld xmlns:a="http://schemas.openxmlformats.org/drawingml/2006/main" xmlns:r="http://schemas.openxmlformats.org/officeDocument/2006/relationships" xmlns:mc="http://schemas.openxmlformats.org/markup-compatibility/2006" xmlns:mv="urn:schemas-microsoft-com:mac:vml" xmlns:p="http://schemas.openxmlformats.org/presentationml/2006/main" xmlns:c="http://schemas.openxmlformats.org/drawingml/2006/chart" xmlns:dgm="http://schemas.openxmlformats.org/drawingml/2006/diagram" xmlns:o="urn:schemas-microsoft-com:office:office" xmlns:v="urn:schemas-microsoft-com:vml" xmlns:pvml="urn:schemas-microsoft-com:office:powerpoint" xmlns:com="http://schemas.openxmlformats.org/drawingml/2006/compatibility" xmlns:p14="http://schemas.microsoft.com/office/powerpoint/2010/main">
+<p:sld xmlns:a="http://schemas.openxmlformats.org/drawingml/2006/main" xmlns:r="http://schemas.openxmlformats.org/officeDocument/2006/relationships" xmlns:p="http://schemas.openxmlformats.org/presentationml/2006/main">
   <p:cSld>
     <p:spTree>
       <p:nvGrpSpPr>
-        <p:cNvPr id="63" name="Shape 63"/>
+        <p:cNvPr id="1" name="Shape 63"/>
         <p:cNvGrpSpPr/>
         <p:nvPr/>
       </p:nvGrpSpPr>
@@ -8845,7 +9279,9 @@
       <p:sp>
         <p:nvSpPr>
           <p:cNvPr id="64" name="Shape 64"/>
-          <p:cNvSpPr txBox="1"/>
+          <p:cNvSpPr txBox="1">
+            <a:spLocks noGrp="1"/>
+          </p:cNvSpPr>
           <p:nvPr>
             <p:ph type="title"/>
           </p:nvPr>
@@ -8860,7 +9296,7 @@
           </a:prstGeom>
         </p:spPr>
         <p:txBody>
-          <a:bodyPr anchorCtr="0" anchor="b" bIns="91425" lIns="91425" rIns="91425" tIns="91425">
+          <a:bodyPr lIns="91425" tIns="91425" rIns="91425" bIns="91425" anchor="b" anchorCtr="0">
             <a:noAutofit/>
           </a:bodyPr>
           <a:lstStyle/>
@@ -8881,9 +9317,11 @@
       <p:sp>
         <p:nvSpPr>
           <p:cNvPr id="65" name="Shape 65"/>
-          <p:cNvSpPr txBox="1"/>
+          <p:cNvSpPr txBox="1">
+            <a:spLocks noGrp="1"/>
+          </p:cNvSpPr>
           <p:nvPr>
-            <p:ph idx="1" type="body"/>
+            <p:ph type="body" idx="1"/>
           </p:nvPr>
         </p:nvSpPr>
         <p:spPr>
@@ -8896,7 +9334,7 @@
           </a:prstGeom>
         </p:spPr>
         <p:txBody>
-          <a:bodyPr anchorCtr="0" anchor="t" bIns="91425" lIns="91425" rIns="91425" tIns="91425">
+          <a:bodyPr lIns="91425" tIns="91425" rIns="91425" bIns="91425" anchor="t" anchorCtr="0">
             <a:noAutofit/>
           </a:bodyPr>
           <a:lstStyle/>
@@ -8918,7 +9356,7 @@
             </a:r>
           </a:p>
           <a:p>
-            <a:pPr indent="-419100" lvl="0" marL="457200" rtl="0">
+            <a:pPr marL="457200" lvl="0" indent="-419100" rtl="0">
               <a:spcBef>
                 <a:spcPts val="0"/>
               </a:spcBef>
@@ -8935,7 +9373,7 @@
             </a:r>
           </a:p>
           <a:p>
-            <a:pPr indent="-419100" lvl="0" marL="457200" rtl="0">
+            <a:pPr marL="457200" lvl="0" indent="-419100" rtl="0">
               <a:spcBef>
                 <a:spcPts val="0"/>
               </a:spcBef>
@@ -8952,7 +9390,7 @@
             </a:r>
           </a:p>
           <a:p>
-            <a:pPr indent="-381000" lvl="1" marL="914400" rtl="0">
+            <a:pPr marL="914400" lvl="1" indent="-381000" rtl="0">
               <a:spcBef>
                 <a:spcPts val="0"/>
               </a:spcBef>
@@ -8969,7 +9407,7 @@
             </a:r>
           </a:p>
           <a:p>
-            <a:pPr indent="-381000" lvl="1" marL="914400" rtl="0">
+            <a:pPr marL="914400" lvl="1" indent="-381000" rtl="0">
               <a:spcBef>
                 <a:spcPts val="0"/>
               </a:spcBef>
@@ -8986,7 +9424,7 @@
             </a:r>
           </a:p>
           <a:p>
-            <a:pPr indent="-381000" lvl="1" marL="914400" rtl="0">
+            <a:pPr marL="914400" lvl="1" indent="-381000" rtl="0">
               <a:spcBef>
                 <a:spcPts val="0"/>
               </a:spcBef>
@@ -9003,7 +9441,7 @@
             </a:r>
           </a:p>
           <a:p>
-            <a:pPr indent="-381000" lvl="1" marL="914400" rtl="0">
+            <a:pPr marL="914400" lvl="1" indent="-381000" rtl="0">
               <a:spcBef>
                 <a:spcPts val="0"/>
               </a:spcBef>
@@ -9020,7 +9458,7 @@
             </a:r>
           </a:p>
           <a:p>
-            <a:pPr indent="-381000" lvl="1" marL="914400">
+            <a:pPr marL="914400" lvl="1" indent="-381000">
               <a:spcBef>
                 <a:spcPts val="0"/>
               </a:spcBef>
@@ -9050,11 +9488,11 @@
 </file>
 
 <file path=ppt/slides/slide6.xml><?xml version="1.0" encoding="utf-8"?>
-<p:sld xmlns:a="http://schemas.openxmlformats.org/drawingml/2006/main" xmlns:r="http://schemas.openxmlformats.org/officeDocument/2006/relationships" xmlns:mc="http://schemas.openxmlformats.org/markup-compatibility/2006" xmlns:mv="urn:schemas-microsoft-com:mac:vml" xmlns:p="http://schemas.openxmlformats.org/presentationml/2006/main" xmlns:c="http://schemas.openxmlformats.org/drawingml/2006/chart" xmlns:dgm="http://schemas.openxmlformats.org/drawingml/2006/diagram" xmlns:o="urn:schemas-microsoft-com:office:office" xmlns:v="urn:schemas-microsoft-com:vml" xmlns:pvml="urn:schemas-microsoft-com:office:powerpoint" xmlns:com="http://schemas.openxmlformats.org/drawingml/2006/compatibility" xmlns:p14="http://schemas.microsoft.com/office/powerpoint/2010/main">
+<p:sld xmlns:a="http://schemas.openxmlformats.org/drawingml/2006/main" xmlns:r="http://schemas.openxmlformats.org/officeDocument/2006/relationships" xmlns:p="http://schemas.openxmlformats.org/presentationml/2006/main">
   <p:cSld>
     <p:spTree>
       <p:nvGrpSpPr>
-        <p:cNvPr id="69" name="Shape 69"/>
+        <p:cNvPr id="1" name="Shape 69"/>
         <p:cNvGrpSpPr/>
         <p:nvPr/>
       </p:nvGrpSpPr>
@@ -9069,7 +9507,9 @@
       <p:sp>
         <p:nvSpPr>
           <p:cNvPr id="70" name="Shape 70"/>
-          <p:cNvSpPr txBox="1"/>
+          <p:cNvSpPr txBox="1">
+            <a:spLocks noGrp="1"/>
+          </p:cNvSpPr>
           <p:nvPr>
             <p:ph type="title"/>
           </p:nvPr>
@@ -9084,7 +9524,7 @@
           </a:prstGeom>
         </p:spPr>
         <p:txBody>
-          <a:bodyPr anchorCtr="0" anchor="b" bIns="91425" lIns="91425" rIns="91425" tIns="91425">
+          <a:bodyPr lIns="91425" tIns="91425" rIns="91425" bIns="91425" anchor="b" anchorCtr="0">
             <a:noAutofit/>
           </a:bodyPr>
           <a:lstStyle/>
@@ -9105,9 +9545,11 @@
       <p:sp>
         <p:nvSpPr>
           <p:cNvPr id="71" name="Shape 71"/>
-          <p:cNvSpPr txBox="1"/>
+          <p:cNvSpPr txBox="1">
+            <a:spLocks noGrp="1"/>
+          </p:cNvSpPr>
           <p:nvPr>
-            <p:ph idx="1" type="body"/>
+            <p:ph type="body" idx="1"/>
           </p:nvPr>
         </p:nvSpPr>
         <p:spPr>
@@ -9120,12 +9562,12 @@
           </a:prstGeom>
         </p:spPr>
         <p:txBody>
-          <a:bodyPr anchorCtr="0" anchor="t" bIns="91425" lIns="91425" rIns="91425" tIns="91425">
+          <a:bodyPr lIns="91425" tIns="91425" rIns="91425" bIns="91425" anchor="t" anchorCtr="0">
             <a:noAutofit/>
           </a:bodyPr>
           <a:lstStyle/>
           <a:p>
-            <a:pPr indent="-419100" lvl="0" marL="457200" rtl="0">
+            <a:pPr marL="457200" lvl="0" indent="-419100" rtl="0">
               <a:spcBef>
                 <a:spcPts val="0"/>
               </a:spcBef>
@@ -9142,7 +9584,7 @@
             </a:r>
           </a:p>
           <a:p>
-            <a:pPr indent="-381000" lvl="1" marL="914400" rtl="0">
+            <a:pPr marL="914400" lvl="1" indent="-381000" rtl="0">
               <a:spcBef>
                 <a:spcPts val="0"/>
               </a:spcBef>
@@ -9159,7 +9601,7 @@
             </a:r>
           </a:p>
           <a:p>
-            <a:pPr indent="-381000" lvl="1" marL="914400" rtl="0">
+            <a:pPr marL="914400" lvl="1" indent="-381000" rtl="0">
               <a:spcBef>
                 <a:spcPts val="0"/>
               </a:spcBef>
@@ -9181,7 +9623,7 @@
             </a:r>
           </a:p>
           <a:p>
-            <a:pPr indent="-381000" lvl="1" marL="914400" rtl="0">
+            <a:pPr marL="914400" lvl="1" indent="-381000" rtl="0">
               <a:spcBef>
                 <a:spcPts val="0"/>
               </a:spcBef>
@@ -9198,7 +9640,7 @@
             </a:r>
           </a:p>
           <a:p>
-            <a:pPr indent="-381000" lvl="1" marL="914400" rtl="0">
+            <a:pPr marL="914400" lvl="1" indent="-381000" rtl="0">
               <a:spcBef>
                 <a:spcPts val="0"/>
               </a:spcBef>
@@ -9215,7 +9657,7 @@
             </a:r>
           </a:p>
           <a:p>
-            <a:pPr indent="-381000" lvl="2" marL="1371600" rtl="0">
+            <a:pPr marL="1371600" lvl="2" indent="-381000" rtl="0">
               <a:spcBef>
                 <a:spcPts val="0"/>
               </a:spcBef>
@@ -9237,7 +9679,7 @@
             </a:r>
           </a:p>
           <a:p>
-            <a:pPr indent="-381000" lvl="0" marL="457200" rtl="0">
+            <a:pPr marL="457200" lvl="0" indent="-381000" rtl="0">
               <a:spcBef>
                 <a:spcPts val="0"/>
               </a:spcBef>
@@ -9249,7 +9691,7 @@
               <a:buChar char="●"/>
             </a:pPr>
             <a:r>
-              <a:rPr b="1" lang="en" sz="2400"/>
+              <a:rPr lang="en" sz="2400" b="1"/>
               <a:t>Note</a:t>
             </a:r>
             <a:r>
@@ -9271,11 +9713,11 @@
 </file>
 
 <file path=ppt/slides/slide7.xml><?xml version="1.0" encoding="utf-8"?>
-<p:sld xmlns:a="http://schemas.openxmlformats.org/drawingml/2006/main" xmlns:r="http://schemas.openxmlformats.org/officeDocument/2006/relationships" xmlns:mc="http://schemas.openxmlformats.org/markup-compatibility/2006" xmlns:mv="urn:schemas-microsoft-com:mac:vml" xmlns:p="http://schemas.openxmlformats.org/presentationml/2006/main" xmlns:c="http://schemas.openxmlformats.org/drawingml/2006/chart" xmlns:dgm="http://schemas.openxmlformats.org/drawingml/2006/diagram" xmlns:o="urn:schemas-microsoft-com:office:office" xmlns:v="urn:schemas-microsoft-com:vml" xmlns:pvml="urn:schemas-microsoft-com:office:powerpoint" xmlns:com="http://schemas.openxmlformats.org/drawingml/2006/compatibility" xmlns:p14="http://schemas.microsoft.com/office/powerpoint/2010/main">
+<p:sld xmlns:a="http://schemas.openxmlformats.org/drawingml/2006/main" xmlns:r="http://schemas.openxmlformats.org/officeDocument/2006/relationships" xmlns:p="http://schemas.openxmlformats.org/presentationml/2006/main">
   <p:cSld>
     <p:spTree>
       <p:nvGrpSpPr>
-        <p:cNvPr id="75" name="Shape 75"/>
+        <p:cNvPr id="1" name="Shape 75"/>
         <p:cNvGrpSpPr/>
         <p:nvPr/>
       </p:nvGrpSpPr>
@@ -9290,7 +9732,9 @@
       <p:sp>
         <p:nvSpPr>
           <p:cNvPr id="76" name="Shape 76"/>
-          <p:cNvSpPr txBox="1"/>
+          <p:cNvSpPr txBox="1">
+            <a:spLocks noGrp="1"/>
+          </p:cNvSpPr>
           <p:nvPr>
             <p:ph type="title"/>
           </p:nvPr>
@@ -9305,7 +9749,7 @@
           </a:prstGeom>
         </p:spPr>
         <p:txBody>
-          <a:bodyPr anchorCtr="0" anchor="b" bIns="91425" lIns="91425" rIns="91425" tIns="91425">
+          <a:bodyPr lIns="91425" tIns="91425" rIns="91425" bIns="91425" anchor="b" anchorCtr="0">
             <a:noAutofit/>
           </a:bodyPr>
           <a:lstStyle/>
@@ -9326,9 +9770,11 @@
       <p:sp>
         <p:nvSpPr>
           <p:cNvPr id="77" name="Shape 77"/>
-          <p:cNvSpPr txBox="1"/>
+          <p:cNvSpPr txBox="1">
+            <a:spLocks noGrp="1"/>
+          </p:cNvSpPr>
           <p:nvPr>
-            <p:ph idx="1" type="body"/>
+            <p:ph type="body" idx="1"/>
           </p:nvPr>
         </p:nvSpPr>
         <p:spPr>
@@ -9341,12 +9787,12 @@
           </a:prstGeom>
         </p:spPr>
         <p:txBody>
-          <a:bodyPr anchorCtr="0" anchor="t" bIns="91425" lIns="91425" rIns="91425" tIns="91425">
+          <a:bodyPr lIns="91425" tIns="91425" rIns="91425" bIns="91425" anchor="t" anchorCtr="0">
             <a:noAutofit/>
           </a:bodyPr>
           <a:lstStyle/>
           <a:p>
-            <a:pPr indent="-419100" lvl="0" marL="457200" rtl="0">
+            <a:pPr marL="457200" lvl="0" indent="-419100" rtl="0">
               <a:spcBef>
                 <a:spcPts val="0"/>
               </a:spcBef>
@@ -9363,7 +9809,7 @@
             </a:r>
           </a:p>
           <a:p>
-            <a:pPr indent="-381000" lvl="1" marL="914400" rtl="0">
+            <a:pPr marL="914400" lvl="1" indent="-381000" rtl="0">
               <a:spcBef>
                 <a:spcPts val="0"/>
               </a:spcBef>
@@ -9380,7 +9826,7 @@
             </a:r>
           </a:p>
           <a:p>
-            <a:pPr indent="-381000" lvl="1" marL="914400" rtl="0">
+            <a:pPr marL="914400" lvl="1" indent="-381000" rtl="0">
               <a:spcBef>
                 <a:spcPts val="0"/>
               </a:spcBef>
@@ -9402,7 +9848,7 @@
             </a:r>
           </a:p>
           <a:p>
-            <a:pPr indent="-381000" lvl="1" marL="914400" rtl="0">
+            <a:pPr marL="914400" lvl="1" indent="-381000" rtl="0">
               <a:spcBef>
                 <a:spcPts val="0"/>
               </a:spcBef>
@@ -9419,7 +9865,7 @@
             </a:r>
           </a:p>
           <a:p>
-            <a:pPr indent="-381000" lvl="1" marL="914400" rtl="0">
+            <a:pPr marL="914400" lvl="1" indent="-381000" rtl="0">
               <a:spcBef>
                 <a:spcPts val="0"/>
               </a:spcBef>
@@ -9436,7 +9882,7 @@
             </a:r>
           </a:p>
           <a:p>
-            <a:pPr indent="-381000" lvl="2" marL="1371600" rtl="0">
+            <a:pPr marL="1371600" lvl="2" indent="-381000" rtl="0">
               <a:spcBef>
                 <a:spcPts val="0"/>
               </a:spcBef>
@@ -9458,7 +9904,7 @@
             </a:r>
           </a:p>
           <a:p>
-            <a:pPr indent="-381000" lvl="0" marL="457200" rtl="0">
+            <a:pPr marL="457200" lvl="0" indent="-381000" rtl="0">
               <a:spcBef>
                 <a:spcPts val="0"/>
               </a:spcBef>
@@ -9470,7 +9916,7 @@
               <a:buChar char="●"/>
             </a:pPr>
             <a:r>
-              <a:rPr b="1" lang="en" sz="2400"/>
+              <a:rPr lang="en" sz="2400" b="1"/>
               <a:t>Note</a:t>
             </a:r>
             <a:r>
@@ -9492,11 +9938,11 @@
 </file>
 
 <file path=ppt/slides/slide8.xml><?xml version="1.0" encoding="utf-8"?>
-<p:sld xmlns:a="http://schemas.openxmlformats.org/drawingml/2006/main" xmlns:r="http://schemas.openxmlformats.org/officeDocument/2006/relationships" xmlns:mc="http://schemas.openxmlformats.org/markup-compatibility/2006" xmlns:mv="urn:schemas-microsoft-com:mac:vml" xmlns:p="http://schemas.openxmlformats.org/presentationml/2006/main" xmlns:c="http://schemas.openxmlformats.org/drawingml/2006/chart" xmlns:dgm="http://schemas.openxmlformats.org/drawingml/2006/diagram" xmlns:o="urn:schemas-microsoft-com:office:office" xmlns:v="urn:schemas-microsoft-com:vml" xmlns:pvml="urn:schemas-microsoft-com:office:powerpoint" xmlns:com="http://schemas.openxmlformats.org/drawingml/2006/compatibility" xmlns:p14="http://schemas.microsoft.com/office/powerpoint/2010/main">
+<p:sld xmlns:a="http://schemas.openxmlformats.org/drawingml/2006/main" xmlns:r="http://schemas.openxmlformats.org/officeDocument/2006/relationships" xmlns:p="http://schemas.openxmlformats.org/presentationml/2006/main">
   <p:cSld>
     <p:spTree>
       <p:nvGrpSpPr>
-        <p:cNvPr id="81" name="Shape 81"/>
+        <p:cNvPr id="1" name="Shape 81"/>
         <p:cNvGrpSpPr/>
         <p:nvPr/>
       </p:nvGrpSpPr>
@@ -9511,7 +9957,9 @@
       <p:sp>
         <p:nvSpPr>
           <p:cNvPr id="82" name="Shape 82"/>
-          <p:cNvSpPr txBox="1"/>
+          <p:cNvSpPr txBox="1">
+            <a:spLocks noGrp="1"/>
+          </p:cNvSpPr>
           <p:nvPr>
             <p:ph type="title"/>
           </p:nvPr>
@@ -9526,7 +9974,7 @@
           </a:prstGeom>
         </p:spPr>
         <p:txBody>
-          <a:bodyPr anchorCtr="0" anchor="b" bIns="91425" lIns="91425" rIns="91425" tIns="91425">
+          <a:bodyPr lIns="91425" tIns="91425" rIns="91425" bIns="91425" anchor="b" anchorCtr="0">
             <a:noAutofit/>
           </a:bodyPr>
           <a:lstStyle/>
@@ -9567,14 +10015,14 @@
             <a:avLst/>
           </a:prstGeom>
           <a:noFill/>
-          <a:ln cap="flat" w="19050">
+          <a:ln w="19050" cap="flat">
             <a:solidFill>
               <a:srgbClr val="000000"/>
             </a:solidFill>
             <a:prstDash val="solid"/>
             <a:round/>
-            <a:headEnd len="med" w="med" type="none"/>
-            <a:tailEnd len="med" w="med" type="none"/>
+            <a:headEnd type="none" w="med" len="med"/>
+            <a:tailEnd type="none" w="med" len="med"/>
           </a:ln>
         </p:spPr>
       </p:pic>
@@ -9601,14 +10049,14 @@
             <a:avLst/>
           </a:prstGeom>
           <a:noFill/>
-          <a:ln cap="flat" w="19050">
+          <a:ln w="19050" cap="flat">
             <a:solidFill>
               <a:srgbClr val="000000"/>
             </a:solidFill>
             <a:prstDash val="solid"/>
             <a:round/>
-            <a:headEnd len="med" w="med" type="none"/>
-            <a:tailEnd len="med" w="med" type="none"/>
+            <a:headEnd type="none" w="med" len="med"/>
+            <a:tailEnd type="none" w="med" len="med"/>
           </a:ln>
         </p:spPr>
       </p:pic>
@@ -9635,14 +10083,14 @@
             <a:avLst/>
           </a:prstGeom>
           <a:noFill/>
-          <a:ln cap="flat" w="19050">
+          <a:ln w="19050" cap="flat">
             <a:solidFill>
               <a:srgbClr val="000000"/>
             </a:solidFill>
             <a:prstDash val="solid"/>
             <a:round/>
-            <a:headEnd len="med" w="med" type="none"/>
-            <a:tailEnd len="med" w="med" type="none"/>
+            <a:headEnd type="none" w="med" len="med"/>
+            <a:tailEnd type="none" w="med" len="med"/>
           </a:ln>
         </p:spPr>
       </p:pic>
@@ -9658,11 +10106,11 @@
 </file>
 
 <file path=ppt/slides/slide9.xml><?xml version="1.0" encoding="utf-8"?>
-<p:sld xmlns:a="http://schemas.openxmlformats.org/drawingml/2006/main" xmlns:r="http://schemas.openxmlformats.org/officeDocument/2006/relationships" xmlns:mc="http://schemas.openxmlformats.org/markup-compatibility/2006" xmlns:mv="urn:schemas-microsoft-com:mac:vml" xmlns:p="http://schemas.openxmlformats.org/presentationml/2006/main" xmlns:c="http://schemas.openxmlformats.org/drawingml/2006/chart" xmlns:dgm="http://schemas.openxmlformats.org/drawingml/2006/diagram" xmlns:o="urn:schemas-microsoft-com:office:office" xmlns:v="urn:schemas-microsoft-com:vml" xmlns:pvml="urn:schemas-microsoft-com:office:powerpoint" xmlns:com="http://schemas.openxmlformats.org/drawingml/2006/compatibility" xmlns:p14="http://schemas.microsoft.com/office/powerpoint/2010/main">
+<p:sld xmlns:a="http://schemas.openxmlformats.org/drawingml/2006/main" xmlns:r="http://schemas.openxmlformats.org/officeDocument/2006/relationships" xmlns:p="http://schemas.openxmlformats.org/presentationml/2006/main">
   <p:cSld>
     <p:spTree>
       <p:nvGrpSpPr>
-        <p:cNvPr id="89" name="Shape 89"/>
+        <p:cNvPr id="1" name="Shape 89"/>
         <p:cNvGrpSpPr/>
         <p:nvPr/>
       </p:nvGrpSpPr>
@@ -9677,7 +10125,9 @@
       <p:sp>
         <p:nvSpPr>
           <p:cNvPr id="90" name="Shape 90"/>
-          <p:cNvSpPr txBox="1"/>
+          <p:cNvSpPr txBox="1">
+            <a:spLocks noGrp="1"/>
+          </p:cNvSpPr>
           <p:nvPr>
             <p:ph type="title"/>
           </p:nvPr>
@@ -9692,7 +10142,7 @@
           </a:prstGeom>
         </p:spPr>
         <p:txBody>
-          <a:bodyPr anchorCtr="0" anchor="b" bIns="91425" lIns="91425" rIns="91425" tIns="91425">
+          <a:bodyPr lIns="91425" tIns="91425" rIns="91425" bIns="91425" anchor="b" anchorCtr="0">
             <a:noAutofit/>
           </a:bodyPr>
           <a:lstStyle/>
@@ -9713,9 +10163,11 @@
       <p:sp>
         <p:nvSpPr>
           <p:cNvPr id="91" name="Shape 91"/>
-          <p:cNvSpPr txBox="1"/>
+          <p:cNvSpPr txBox="1">
+            <a:spLocks noGrp="1"/>
+          </p:cNvSpPr>
           <p:nvPr>
-            <p:ph idx="1" type="body"/>
+            <p:ph type="body" idx="1"/>
           </p:nvPr>
         </p:nvSpPr>
         <p:spPr>
@@ -9728,7 +10180,7 @@
           </a:prstGeom>
         </p:spPr>
         <p:txBody>
-          <a:bodyPr anchorCtr="0" anchor="t" bIns="91425" lIns="91425" rIns="91425" tIns="91425">
+          <a:bodyPr lIns="91425" tIns="91425" rIns="91425" bIns="91425" anchor="t" anchorCtr="0">
             <a:noAutofit/>
           </a:bodyPr>
           <a:lstStyle/>
@@ -9998,9 +10450,6 @@
               <a:buFont typeface="Arial"/>
               <a:buNone/>
             </a:pPr>
-            <a:r>
-              <a:t/>
-            </a:r>
             <a:endParaRPr sz="1200"/>
           </a:p>
           <a:p>
@@ -10010,9 +10459,6 @@
               </a:spcBef>
               <a:buNone/>
             </a:pPr>
-            <a:r>
-              <a:t/>
-            </a:r>
             <a:endParaRPr/>
           </a:p>
         </p:txBody>
@@ -10029,7 +10475,286 @@
 </file>
 
 <file path=ppt/theme/theme1.xml><?xml version="1.0" encoding="utf-8"?>
-<a:theme xmlns:a="http://schemas.openxmlformats.org/drawingml/2006/main" xmlns:r="http://schemas.openxmlformats.org/officeDocument/2006/relationships" name="Custom Theme">
+<a:theme xmlns:a="http://schemas.openxmlformats.org/drawingml/2006/main" name="biz">
+  <a:themeElements>
+    <a:clrScheme name="Custom 233">
+      <a:dk1>
+        <a:srgbClr val="000000"/>
+      </a:dk1>
+      <a:lt1>
+        <a:srgbClr val="FFFFFF"/>
+      </a:lt1>
+      <a:dk2>
+        <a:srgbClr val="2388DB"/>
+      </a:dk2>
+      <a:lt2>
+        <a:srgbClr val="BBD7F8"/>
+      </a:lt2>
+      <a:accent1>
+        <a:srgbClr val="80B606"/>
+      </a:accent1>
+      <a:accent2>
+        <a:srgbClr val="E29F1D"/>
+      </a:accent2>
+      <a:accent3>
+        <a:srgbClr val="1D6FB2"/>
+      </a:accent3>
+      <a:accent4>
+        <a:srgbClr val="3FAC98"/>
+      </a:accent4>
+      <a:accent5>
+        <a:srgbClr val="5B57BB"/>
+      </a:accent5>
+      <a:accent6>
+        <a:srgbClr val="D1505E"/>
+      </a:accent6>
+      <a:hlink>
+        <a:srgbClr val="185DA2"/>
+      </a:hlink>
+      <a:folHlink>
+        <a:srgbClr val="00487B"/>
+      </a:folHlink>
+    </a:clrScheme>
+    <a:fontScheme name="Office">
+      <a:majorFont>
+        <a:latin typeface="Arial"/>
+        <a:ea typeface=""/>
+        <a:cs typeface=""/>
+        <a:font script="Jpan" typeface="ＭＳ Ｐゴシック"/>
+        <a:font script="Hang" typeface="맑은 고딕"/>
+        <a:font script="Hans" typeface="宋体"/>
+        <a:font script="Hant" typeface="新細明體"/>
+        <a:font script="Arab" typeface="Times New Roman"/>
+        <a:font script="Hebr" typeface="Times New Roman"/>
+        <a:font script="Thai" typeface="Angsana New"/>
+        <a:font script="Ethi" typeface="Nyala"/>
+        <a:font script="Beng" typeface="Vrinda"/>
+        <a:font script="Gujr" typeface="Shruti"/>
+        <a:font script="Khmr" typeface="MoolBoran"/>
+        <a:font script="Knda" typeface="Tunga"/>
+        <a:font script="Guru" typeface="Raavi"/>
+        <a:font script="Cans" typeface="Euphemia"/>
+        <a:font script="Cher" typeface="Plantagenet Cherokee"/>
+        <a:font script="Yiii" typeface="Microsoft Yi Baiti"/>
+        <a:font script="Tibt" typeface="Microsoft Himalaya"/>
+        <a:font script="Thaa" typeface="MV Boli"/>
+        <a:font script="Deva" typeface="Mangal"/>
+        <a:font script="Telu" typeface="Gautami"/>
+        <a:font script="Taml" typeface="Latha"/>
+        <a:font script="Syrc" typeface="Estrangelo Edessa"/>
+        <a:font script="Orya" typeface="Kalinga"/>
+        <a:font script="Mlym" typeface="Kartika"/>
+        <a:font script="Laoo" typeface="DokChampa"/>
+        <a:font script="Sinh" typeface="Iskoola Pota"/>
+        <a:font script="Mong" typeface="Mongolian Baiti"/>
+        <a:font script="Viet" typeface="Times New Roman"/>
+        <a:font script="Uigh" typeface="Microsoft Uighur"/>
+      </a:majorFont>
+      <a:minorFont>
+        <a:latin typeface="Arial"/>
+        <a:ea typeface=""/>
+        <a:cs typeface=""/>
+        <a:font script="Jpan" typeface="ＭＳ Ｐゴシック"/>
+        <a:font script="Hang" typeface="맑은 고딕"/>
+        <a:font script="Hans" typeface="宋体"/>
+        <a:font script="Hant" typeface="新細明體"/>
+        <a:font script="Arab" typeface="Times New Roman"/>
+        <a:font script="Hebr" typeface="Times New Roman"/>
+        <a:font script="Thai" typeface="Angsana New"/>
+        <a:font script="Ethi" typeface="Nyala"/>
+        <a:font script="Beng" typeface="Vrinda"/>
+        <a:font script="Gujr" typeface="Shruti"/>
+        <a:font script="Khmr" typeface="MoolBoran"/>
+        <a:font script="Knda" typeface="Tunga"/>
+        <a:font script="Guru" typeface="Raavi"/>
+        <a:font script="Cans" typeface="Euphemia"/>
+        <a:font script="Cher" typeface="Plantagenet Cherokee"/>
+        <a:font script="Yiii" typeface="Microsoft Yi Baiti"/>
+        <a:font script="Tibt" typeface="Microsoft Himalaya"/>
+        <a:font script="Thaa" typeface="MV Boli"/>
+        <a:font script="Deva" typeface="Mangal"/>
+        <a:font script="Telu" typeface="Gautami"/>
+        <a:font script="Taml" typeface="Latha"/>
+        <a:font script="Syrc" typeface="Estrangelo Edessa"/>
+        <a:font script="Orya" typeface="Kalinga"/>
+        <a:font script="Mlym" typeface="Kartika"/>
+        <a:font script="Laoo" typeface="DokChampa"/>
+        <a:font script="Sinh" typeface="Iskoola Pota"/>
+        <a:font script="Mong" typeface="Mongolian Baiti"/>
+        <a:font script="Viet" typeface="Times New Roman"/>
+        <a:font script="Uigh" typeface="Microsoft Uighur"/>
+      </a:minorFont>
+    </a:fontScheme>
+    <a:fmtScheme name="Office">
+      <a:fillStyleLst>
+        <a:solidFill>
+          <a:schemeClr val="phClr"/>
+        </a:solidFill>
+        <a:gradFill rotWithShape="1">
+          <a:gsLst>
+            <a:gs pos="0">
+              <a:schemeClr val="phClr">
+                <a:tint val="50000"/>
+                <a:satMod val="300000"/>
+              </a:schemeClr>
+            </a:gs>
+            <a:gs pos="35000">
+              <a:schemeClr val="phClr">
+                <a:tint val="37000"/>
+                <a:satMod val="300000"/>
+              </a:schemeClr>
+            </a:gs>
+            <a:gs pos="100000">
+              <a:schemeClr val="phClr">
+                <a:tint val="15000"/>
+                <a:satMod val="350000"/>
+              </a:schemeClr>
+            </a:gs>
+          </a:gsLst>
+          <a:lin ang="16200000" scaled="1"/>
+        </a:gradFill>
+        <a:gradFill rotWithShape="1">
+          <a:gsLst>
+            <a:gs pos="0">
+              <a:schemeClr val="phClr">
+                <a:tint val="100000"/>
+                <a:shade val="100000"/>
+                <a:satMod val="130000"/>
+              </a:schemeClr>
+            </a:gs>
+            <a:gs pos="100000">
+              <a:schemeClr val="phClr">
+                <a:tint val="50000"/>
+                <a:shade val="100000"/>
+                <a:satMod val="350000"/>
+              </a:schemeClr>
+            </a:gs>
+          </a:gsLst>
+          <a:lin ang="16200000" scaled="0"/>
+        </a:gradFill>
+      </a:fillStyleLst>
+      <a:lnStyleLst>
+        <a:ln w="9525" cap="flat" cmpd="sng" algn="ctr">
+          <a:solidFill>
+            <a:schemeClr val="phClr">
+              <a:shade val="95000"/>
+              <a:satMod val="105000"/>
+            </a:schemeClr>
+          </a:solidFill>
+          <a:prstDash val="solid"/>
+        </a:ln>
+        <a:ln w="25400" cap="flat" cmpd="sng" algn="ctr">
+          <a:solidFill>
+            <a:schemeClr val="phClr"/>
+          </a:solidFill>
+          <a:prstDash val="solid"/>
+        </a:ln>
+        <a:ln w="38100" cap="flat" cmpd="sng" algn="ctr">
+          <a:solidFill>
+            <a:schemeClr val="phClr"/>
+          </a:solidFill>
+          <a:prstDash val="solid"/>
+        </a:ln>
+      </a:lnStyleLst>
+      <a:effectStyleLst>
+        <a:effectStyle>
+          <a:effectLst>
+            <a:outerShdw blurRad="40000" dist="20000" dir="5400000" rotWithShape="0">
+              <a:srgbClr val="000000">
+                <a:alpha val="38000"/>
+              </a:srgbClr>
+            </a:outerShdw>
+          </a:effectLst>
+        </a:effectStyle>
+        <a:effectStyle>
+          <a:effectLst>
+            <a:outerShdw blurRad="40000" dist="23000" dir="5400000" rotWithShape="0">
+              <a:srgbClr val="000000">
+                <a:alpha val="35000"/>
+              </a:srgbClr>
+            </a:outerShdw>
+          </a:effectLst>
+        </a:effectStyle>
+        <a:effectStyle>
+          <a:effectLst>
+            <a:outerShdw blurRad="40000" dist="23000" dir="5400000" rotWithShape="0">
+              <a:srgbClr val="000000">
+                <a:alpha val="35000"/>
+              </a:srgbClr>
+            </a:outerShdw>
+          </a:effectLst>
+          <a:scene3d>
+            <a:camera prst="orthographicFront">
+              <a:rot lat="0" lon="0" rev="0"/>
+            </a:camera>
+            <a:lightRig rig="threePt" dir="t">
+              <a:rot lat="0" lon="0" rev="1200000"/>
+            </a:lightRig>
+          </a:scene3d>
+          <a:sp3d>
+            <a:bevelT w="63500" h="25400"/>
+          </a:sp3d>
+        </a:effectStyle>
+      </a:effectStyleLst>
+      <a:bgFillStyleLst>
+        <a:solidFill>
+          <a:schemeClr val="phClr"/>
+        </a:solidFill>
+        <a:gradFill rotWithShape="1">
+          <a:gsLst>
+            <a:gs pos="0">
+              <a:schemeClr val="phClr">
+                <a:tint val="40000"/>
+                <a:satMod val="350000"/>
+              </a:schemeClr>
+            </a:gs>
+            <a:gs pos="40000">
+              <a:schemeClr val="phClr">
+                <a:tint val="45000"/>
+                <a:shade val="99000"/>
+                <a:satMod val="350000"/>
+              </a:schemeClr>
+            </a:gs>
+            <a:gs pos="100000">
+              <a:schemeClr val="phClr">
+                <a:shade val="20000"/>
+                <a:satMod val="255000"/>
+              </a:schemeClr>
+            </a:gs>
+          </a:gsLst>
+          <a:path path="circle">
+            <a:fillToRect l="50000" t="-80000" r="50000" b="180000"/>
+          </a:path>
+        </a:gradFill>
+        <a:gradFill rotWithShape="1">
+          <a:gsLst>
+            <a:gs pos="0">
+              <a:schemeClr val="phClr">
+                <a:tint val="80000"/>
+                <a:satMod val="300000"/>
+              </a:schemeClr>
+            </a:gs>
+            <a:gs pos="100000">
+              <a:schemeClr val="phClr">
+                <a:shade val="30000"/>
+                <a:satMod val="200000"/>
+              </a:schemeClr>
+            </a:gs>
+          </a:gsLst>
+          <a:path path="circle">
+            <a:fillToRect l="50000" t="50000" r="50000" b="50000"/>
+          </a:path>
+        </a:gradFill>
+      </a:bgFillStyleLst>
+    </a:fmtScheme>
+  </a:themeElements>
+  <a:objectDefaults/>
+  <a:extraClrSchemeLst/>
+</a:theme>
+</file>
+
+<file path=ppt/theme/theme2.xml><?xml version="1.0" encoding="utf-8"?>
+<a:theme xmlns:a="http://schemas.openxmlformats.org/drawingml/2006/main" name="Custom Theme">
   <a:themeElements>
     <a:clrScheme name="Default">
       <a:dk1>
@@ -10188,7 +10913,7 @@
         </a:gradFill>
       </a:fillStyleLst>
       <a:lnStyleLst>
-        <a:ln cap="flat" cmpd="sng" w="9525" algn="ctr">
+        <a:ln w="9525" cap="flat" cmpd="sng" algn="ctr">
           <a:solidFill>
             <a:schemeClr val="phClr">
               <a:shade val="95000"/>
@@ -10197,13 +10922,13 @@
           </a:solidFill>
           <a:prstDash val="solid"/>
         </a:ln>
-        <a:ln cap="flat" cmpd="sng" w="25400" algn="ctr">
+        <a:ln w="25400" cap="flat" cmpd="sng" algn="ctr">
           <a:solidFill>
             <a:schemeClr val="phClr"/>
           </a:solidFill>
           <a:prstDash val="solid"/>
         </a:ln>
-        <a:ln cap="flat" cmpd="sng" w="38100" algn="ctr">
+        <a:ln w="38100" cap="flat" cmpd="sng" algn="ctr">
           <a:solidFill>
             <a:schemeClr val="phClr"/>
           </a:solidFill>
@@ -10213,7 +10938,7 @@
       <a:effectStyleLst>
         <a:effectStyle>
           <a:effectLst>
-            <a:outerShdw blurRad="40000" rotWithShape="0" dir="5400000" dist="20000">
+            <a:outerShdw blurRad="40000" dist="20000" dir="5400000" rotWithShape="0">
               <a:srgbClr val="000000">
                 <a:alpha val="38000"/>
               </a:srgbClr>
@@ -10222,7 +10947,7 @@
         </a:effectStyle>
         <a:effectStyle>
           <a:effectLst>
-            <a:outerShdw blurRad="40000" rotWithShape="0" dir="5400000" dist="23000">
+            <a:outerShdw blurRad="40000" dist="23000" dir="5400000" rotWithShape="0">
               <a:srgbClr val="000000">
                 <a:alpha val="35000"/>
               </a:srgbClr>
@@ -10231,7 +10956,7 @@
         </a:effectStyle>
         <a:effectStyle>
           <a:effectLst>
-            <a:outerShdw blurRad="40000" rotWithShape="0" dir="5400000" dist="23000">
+            <a:outerShdw blurRad="40000" dist="23000" dir="5400000" rotWithShape="0">
               <a:srgbClr val="000000">
                 <a:alpha val="35000"/>
               </a:srgbClr>
@@ -10241,12 +10966,12 @@
             <a:camera prst="orthographicFront">
               <a:rot lat="0" lon="0" rev="0"/>
             </a:camera>
-            <a:lightRig dir="t" rig="threePt">
+            <a:lightRig rig="threePt" dir="t">
               <a:rot lat="0" lon="0" rev="1200000"/>
             </a:lightRig>
           </a:scene3d>
           <a:sp3d>
-            <a:bevelT h="25400" w="63500"/>
+            <a:bevelT w="63500" h="25400"/>
           </a:sp3d>
         </a:effectStyle>
       </a:effectStyleLst>
@@ -10277,7 +11002,7 @@
             </a:gs>
           </a:gsLst>
           <a:path path="circle">
-            <a:fillToRect b="180000" l="50000" r="50000" t="-80000"/>
+            <a:fillToRect l="50000" t="-80000" r="50000" b="180000"/>
           </a:path>
         </a:gradFill>
         <a:gradFill rotWithShape="1">
@@ -10296,605 +11021,13 @@
             </a:gs>
           </a:gsLst>
           <a:path path="circle">
-            <a:fillToRect b="50000" l="50000" r="50000" t="50000"/>
+            <a:fillToRect l="50000" t="50000" r="50000" b="50000"/>
           </a:path>
         </a:gradFill>
       </a:bgFillStyleLst>
     </a:fmtScheme>
   </a:themeElements>
-</a:theme>
-</file>
-
-<file path=ppt/theme/theme2.xml><?xml version="1.0" encoding="utf-8"?>
-<a:theme xmlns:a="http://schemas.openxmlformats.org/drawingml/2006/main" xmlns:r="http://schemas.openxmlformats.org/officeDocument/2006/relationships" name="Office Theme">
-  <a:themeElements>
-    <a:clrScheme name="Office">
-      <a:dk1>
-        <a:sysClr lastClr="000000" val="windowText"/>
-      </a:dk1>
-      <a:lt1>
-        <a:sysClr lastClr="FFFFFF" val="window"/>
-      </a:lt1>
-      <a:dk2>
-        <a:srgbClr val="1F497D"/>
-      </a:dk2>
-      <a:lt2>
-        <a:srgbClr val="EEECE1"/>
-      </a:lt2>
-      <a:accent1>
-        <a:srgbClr val="4F81BD"/>
-      </a:accent1>
-      <a:accent2>
-        <a:srgbClr val="C0504D"/>
-      </a:accent2>
-      <a:accent3>
-        <a:srgbClr val="9BBB59"/>
-      </a:accent3>
-      <a:accent4>
-        <a:srgbClr val="8064A2"/>
-      </a:accent4>
-      <a:accent5>
-        <a:srgbClr val="4BACC6"/>
-      </a:accent5>
-      <a:accent6>
-        <a:srgbClr val="F79646"/>
-      </a:accent6>
-      <a:hlink>
-        <a:srgbClr val="0000FF"/>
-      </a:hlink>
-      <a:folHlink>
-        <a:srgbClr val="800080"/>
-      </a:folHlink>
-    </a:clrScheme>
-    <a:fontScheme name="Office">
-      <a:majorFont>
-        <a:latin typeface="Arial"/>
-        <a:ea typeface=""/>
-        <a:cs typeface=""/>
-        <a:font script="Jpan" typeface="ＭＳ Ｐゴシック"/>
-        <a:font script="Hang" typeface="맑은 고딕"/>
-        <a:font script="Hans" typeface="宋体"/>
-        <a:font script="Hant" typeface="新細明體"/>
-        <a:font script="Arab" typeface="Times New Roman"/>
-        <a:font script="Hebr" typeface="Times New Roman"/>
-        <a:font script="Thai" typeface="Angsana New"/>
-        <a:font script="Ethi" typeface="Nyala"/>
-        <a:font script="Beng" typeface="Vrinda"/>
-        <a:font script="Gujr" typeface="Shruti"/>
-        <a:font script="Khmr" typeface="MoolBoran"/>
-        <a:font script="Knda" typeface="Tunga"/>
-        <a:font script="Guru" typeface="Raavi"/>
-        <a:font script="Cans" typeface="Euphemia"/>
-        <a:font script="Cher" typeface="Plantagenet Cherokee"/>
-        <a:font script="Yiii" typeface="Microsoft Yi Baiti"/>
-        <a:font script="Tibt" typeface="Microsoft Himalaya"/>
-        <a:font script="Thaa" typeface="MV Boli"/>
-        <a:font script="Deva" typeface="Mangal"/>
-        <a:font script="Telu" typeface="Gautami"/>
-        <a:font script="Taml" typeface="Latha"/>
-        <a:font script="Syrc" typeface="Estrangelo Edessa"/>
-        <a:font script="Orya" typeface="Kalinga"/>
-        <a:font script="Mlym" typeface="Kartika"/>
-        <a:font script="Laoo" typeface="DokChampa"/>
-        <a:font script="Sinh" typeface="Iskoola Pota"/>
-        <a:font script="Mong" typeface="Mongolian Baiti"/>
-        <a:font script="Viet" typeface="Times New Roman"/>
-        <a:font script="Uigh" typeface="Microsoft Uighur"/>
-      </a:majorFont>
-      <a:minorFont>
-        <a:latin typeface="Arial"/>
-        <a:ea typeface=""/>
-        <a:cs typeface=""/>
-        <a:font script="Jpan" typeface="ＭＳ Ｐゴシック"/>
-        <a:font script="Hang" typeface="맑은 고딕"/>
-        <a:font script="Hans" typeface="宋体"/>
-        <a:font script="Hant" typeface="新細明體"/>
-        <a:font script="Arab" typeface="Times New Roman"/>
-        <a:font script="Hebr" typeface="Times New Roman"/>
-        <a:font script="Thai" typeface="Angsana New"/>
-        <a:font script="Ethi" typeface="Nyala"/>
-        <a:font script="Beng" typeface="Vrinda"/>
-        <a:font script="Gujr" typeface="Shruti"/>
-        <a:font script="Khmr" typeface="MoolBoran"/>
-        <a:font script="Knda" typeface="Tunga"/>
-        <a:font script="Guru" typeface="Raavi"/>
-        <a:font script="Cans" typeface="Euphemia"/>
-        <a:font script="Cher" typeface="Plantagenet Cherokee"/>
-        <a:font script="Yiii" typeface="Microsoft Yi Baiti"/>
-        <a:font script="Tibt" typeface="Microsoft Himalaya"/>
-        <a:font script="Thaa" typeface="MV Boli"/>
-        <a:font script="Deva" typeface="Mangal"/>
-        <a:font script="Telu" typeface="Gautami"/>
-        <a:font script="Taml" typeface="Latha"/>
-        <a:font script="Syrc" typeface="Estrangelo Edessa"/>
-        <a:font script="Orya" typeface="Kalinga"/>
-        <a:font script="Mlym" typeface="Kartika"/>
-        <a:font script="Laoo" typeface="DokChampa"/>
-        <a:font script="Sinh" typeface="Iskoola Pota"/>
-        <a:font script="Mong" typeface="Mongolian Baiti"/>
-        <a:font script="Viet" typeface="Times New Roman"/>
-        <a:font script="Uigh" typeface="Microsoft Uighur"/>
-      </a:minorFont>
-    </a:fontScheme>
-    <a:fmtScheme name="Office">
-      <a:fillStyleLst>
-        <a:solidFill>
-          <a:schemeClr val="phClr"/>
-        </a:solidFill>
-        <a:gradFill rotWithShape="1">
-          <a:gsLst>
-            <a:gs pos="0">
-              <a:schemeClr val="phClr">
-                <a:tint val="50000"/>
-                <a:satMod val="300000"/>
-              </a:schemeClr>
-            </a:gs>
-            <a:gs pos="35000">
-              <a:schemeClr val="phClr">
-                <a:tint val="37000"/>
-                <a:satMod val="300000"/>
-              </a:schemeClr>
-            </a:gs>
-            <a:gs pos="100000">
-              <a:schemeClr val="phClr">
-                <a:tint val="15000"/>
-                <a:satMod val="350000"/>
-              </a:schemeClr>
-            </a:gs>
-          </a:gsLst>
-          <a:lin ang="16200000" scaled="1"/>
-        </a:gradFill>
-        <a:gradFill rotWithShape="1">
-          <a:gsLst>
-            <a:gs pos="0">
-              <a:schemeClr val="phClr">
-                <a:tint val="100000"/>
-                <a:shade val="100000"/>
-                <a:satMod val="130000"/>
-              </a:schemeClr>
-            </a:gs>
-            <a:gs pos="100000">
-              <a:schemeClr val="phClr">
-                <a:tint val="50000"/>
-                <a:shade val="100000"/>
-                <a:satMod val="350000"/>
-              </a:schemeClr>
-            </a:gs>
-          </a:gsLst>
-          <a:lin ang="16200000" scaled="0"/>
-        </a:gradFill>
-      </a:fillStyleLst>
-      <a:lnStyleLst>
-        <a:ln cap="flat" cmpd="sng" w="9525" algn="ctr">
-          <a:solidFill>
-            <a:schemeClr val="phClr">
-              <a:shade val="95000"/>
-              <a:satMod val="105000"/>
-            </a:schemeClr>
-          </a:solidFill>
-          <a:prstDash val="solid"/>
-        </a:ln>
-        <a:ln cap="flat" cmpd="sng" w="25400" algn="ctr">
-          <a:solidFill>
-            <a:schemeClr val="phClr"/>
-          </a:solidFill>
-          <a:prstDash val="solid"/>
-        </a:ln>
-        <a:ln cap="flat" cmpd="sng" w="38100" algn="ctr">
-          <a:solidFill>
-            <a:schemeClr val="phClr"/>
-          </a:solidFill>
-          <a:prstDash val="solid"/>
-        </a:ln>
-      </a:lnStyleLst>
-      <a:effectStyleLst>
-        <a:effectStyle>
-          <a:effectLst>
-            <a:outerShdw blurRad="40000" rotWithShape="0" dir="5400000" dist="20000">
-              <a:srgbClr val="000000">
-                <a:alpha val="38000"/>
-              </a:srgbClr>
-            </a:outerShdw>
-          </a:effectLst>
-        </a:effectStyle>
-        <a:effectStyle>
-          <a:effectLst>
-            <a:outerShdw blurRad="40000" rotWithShape="0" dir="5400000" dist="23000">
-              <a:srgbClr val="000000">
-                <a:alpha val="35000"/>
-              </a:srgbClr>
-            </a:outerShdw>
-          </a:effectLst>
-        </a:effectStyle>
-        <a:effectStyle>
-          <a:effectLst>
-            <a:outerShdw blurRad="40000" rotWithShape="0" dir="5400000" dist="23000">
-              <a:srgbClr val="000000">
-                <a:alpha val="35000"/>
-              </a:srgbClr>
-            </a:outerShdw>
-          </a:effectLst>
-          <a:scene3d>
-            <a:camera prst="orthographicFront">
-              <a:rot lat="0" lon="0" rev="0"/>
-            </a:camera>
-            <a:lightRig dir="t" rig="threePt">
-              <a:rot lat="0" lon="0" rev="1200000"/>
-            </a:lightRig>
-          </a:scene3d>
-          <a:sp3d>
-            <a:bevelT h="25400" w="63500"/>
-          </a:sp3d>
-        </a:effectStyle>
-      </a:effectStyleLst>
-      <a:bgFillStyleLst>
-        <a:solidFill>
-          <a:schemeClr val="phClr"/>
-        </a:solidFill>
-        <a:gradFill rotWithShape="1">
-          <a:gsLst>
-            <a:gs pos="0">
-              <a:schemeClr val="phClr">
-                <a:tint val="40000"/>
-                <a:satMod val="350000"/>
-              </a:schemeClr>
-            </a:gs>
-            <a:gs pos="40000">
-              <a:schemeClr val="phClr">
-                <a:tint val="45000"/>
-                <a:shade val="99000"/>
-                <a:satMod val="350000"/>
-              </a:schemeClr>
-            </a:gs>
-            <a:gs pos="100000">
-              <a:schemeClr val="phClr">
-                <a:shade val="20000"/>
-                <a:satMod val="255000"/>
-              </a:schemeClr>
-            </a:gs>
-          </a:gsLst>
-          <a:path path="circle">
-            <a:fillToRect b="180000" l="50000" r="50000" t="-80000"/>
-          </a:path>
-        </a:gradFill>
-        <a:gradFill rotWithShape="1">
-          <a:gsLst>
-            <a:gs pos="0">
-              <a:schemeClr val="phClr">
-                <a:tint val="80000"/>
-                <a:satMod val="300000"/>
-              </a:schemeClr>
-            </a:gs>
-            <a:gs pos="100000">
-              <a:schemeClr val="phClr">
-                <a:shade val="30000"/>
-                <a:satMod val="200000"/>
-              </a:schemeClr>
-            </a:gs>
-          </a:gsLst>
-          <a:path path="circle">
-            <a:fillToRect b="50000" l="50000" r="50000" t="50000"/>
-          </a:path>
-        </a:gradFill>
-      </a:bgFillStyleLst>
-    </a:fmtScheme>
-  </a:themeElements>
-  <a:objectDefaults>
-    <a:spDef>
-      <a:spPr/>
-      <a:bodyPr/>
-      <a:lstStyle/>
-      <a:style>
-        <a:lnRef idx="1">
-          <a:schemeClr val="accent1"/>
-        </a:lnRef>
-        <a:fillRef idx="3">
-          <a:schemeClr val="accent1"/>
-        </a:fillRef>
-        <a:effectRef idx="2">
-          <a:schemeClr val="accent1"/>
-        </a:effectRef>
-        <a:fontRef idx="minor">
-          <a:schemeClr val="lt1"/>
-        </a:fontRef>
-      </a:style>
-    </a:spDef>
-    <a:lnDef>
-      <a:spPr/>
-      <a:bodyPr/>
-      <a:lstStyle/>
-      <a:style>
-        <a:lnRef idx="2">
-          <a:schemeClr val="accent1"/>
-        </a:lnRef>
-        <a:fillRef idx="0">
-          <a:schemeClr val="accent1"/>
-        </a:fillRef>
-        <a:effectRef idx="1">
-          <a:schemeClr val="accent1"/>
-        </a:effectRef>
-        <a:fontRef idx="minor">
-          <a:schemeClr val="tx1"/>
-        </a:fontRef>
-      </a:style>
-    </a:lnDef>
-  </a:objectDefaults>
-</a:theme>
-</file>
-
-<file path=ppt/theme/theme3.xml><?xml version="1.0" encoding="utf-8"?>
-<a:theme xmlns:a="http://schemas.openxmlformats.org/drawingml/2006/main" xmlns:r="http://schemas.openxmlformats.org/officeDocument/2006/relationships" name="biz">
-  <a:themeElements>
-    <a:clrScheme name="Custom 233">
-      <a:dk1>
-        <a:srgbClr val="000000"/>
-      </a:dk1>
-      <a:lt1>
-        <a:srgbClr val="FFFFFF"/>
-      </a:lt1>
-      <a:dk2>
-        <a:srgbClr val="2388DB"/>
-      </a:dk2>
-      <a:lt2>
-        <a:srgbClr val="BBD7F8"/>
-      </a:lt2>
-      <a:accent1>
-        <a:srgbClr val="80B606"/>
-      </a:accent1>
-      <a:accent2>
-        <a:srgbClr val="E29F1D"/>
-      </a:accent2>
-      <a:accent3>
-        <a:srgbClr val="1D6FB2"/>
-      </a:accent3>
-      <a:accent4>
-        <a:srgbClr val="3FAC98"/>
-      </a:accent4>
-      <a:accent5>
-        <a:srgbClr val="5B57BB"/>
-      </a:accent5>
-      <a:accent6>
-        <a:srgbClr val="D1505E"/>
-      </a:accent6>
-      <a:hlink>
-        <a:srgbClr val="185DA2"/>
-      </a:hlink>
-      <a:folHlink>
-        <a:srgbClr val="00487B"/>
-      </a:folHlink>
-    </a:clrScheme>
-    <a:fontScheme name="Office">
-      <a:majorFont>
-        <a:latin typeface="Arial"/>
-        <a:ea typeface=""/>
-        <a:cs typeface=""/>
-        <a:font script="Jpan" typeface="ＭＳ Ｐゴシック"/>
-        <a:font script="Hang" typeface="맑은 고딕"/>
-        <a:font script="Hans" typeface="宋体"/>
-        <a:font script="Hant" typeface="新細明體"/>
-        <a:font script="Arab" typeface="Times New Roman"/>
-        <a:font script="Hebr" typeface="Times New Roman"/>
-        <a:font script="Thai" typeface="Angsana New"/>
-        <a:font script="Ethi" typeface="Nyala"/>
-        <a:font script="Beng" typeface="Vrinda"/>
-        <a:font script="Gujr" typeface="Shruti"/>
-        <a:font script="Khmr" typeface="MoolBoran"/>
-        <a:font script="Knda" typeface="Tunga"/>
-        <a:font script="Guru" typeface="Raavi"/>
-        <a:font script="Cans" typeface="Euphemia"/>
-        <a:font script="Cher" typeface="Plantagenet Cherokee"/>
-        <a:font script="Yiii" typeface="Microsoft Yi Baiti"/>
-        <a:font script="Tibt" typeface="Microsoft Himalaya"/>
-        <a:font script="Thaa" typeface="MV Boli"/>
-        <a:font script="Deva" typeface="Mangal"/>
-        <a:font script="Telu" typeface="Gautami"/>
-        <a:font script="Taml" typeface="Latha"/>
-        <a:font script="Syrc" typeface="Estrangelo Edessa"/>
-        <a:font script="Orya" typeface="Kalinga"/>
-        <a:font script="Mlym" typeface="Kartika"/>
-        <a:font script="Laoo" typeface="DokChampa"/>
-        <a:font script="Sinh" typeface="Iskoola Pota"/>
-        <a:font script="Mong" typeface="Mongolian Baiti"/>
-        <a:font script="Viet" typeface="Times New Roman"/>
-        <a:font script="Uigh" typeface="Microsoft Uighur"/>
-      </a:majorFont>
-      <a:minorFont>
-        <a:latin typeface="Arial"/>
-        <a:ea typeface=""/>
-        <a:cs typeface=""/>
-        <a:font script="Jpan" typeface="ＭＳ Ｐゴシック"/>
-        <a:font script="Hang" typeface="맑은 고딕"/>
-        <a:font script="Hans" typeface="宋体"/>
-        <a:font script="Hant" typeface="新細明體"/>
-        <a:font script="Arab" typeface="Times New Roman"/>
-        <a:font script="Hebr" typeface="Times New Roman"/>
-        <a:font script="Thai" typeface="Angsana New"/>
-        <a:font script="Ethi" typeface="Nyala"/>
-        <a:font script="Beng" typeface="Vrinda"/>
-        <a:font script="Gujr" typeface="Shruti"/>
-        <a:font script="Khmr" typeface="MoolBoran"/>
-        <a:font script="Knda" typeface="Tunga"/>
-        <a:font script="Guru" typeface="Raavi"/>
-        <a:font script="Cans" typeface="Euphemia"/>
-        <a:font script="Cher" typeface="Plantagenet Cherokee"/>
-        <a:font script="Yiii" typeface="Microsoft Yi Baiti"/>
-        <a:font script="Tibt" typeface="Microsoft Himalaya"/>
-        <a:font script="Thaa" typeface="MV Boli"/>
-        <a:font script="Deva" typeface="Mangal"/>
-        <a:font script="Telu" typeface="Gautami"/>
-        <a:font script="Taml" typeface="Latha"/>
-        <a:font script="Syrc" typeface="Estrangelo Edessa"/>
-        <a:font script="Orya" typeface="Kalinga"/>
-        <a:font script="Mlym" typeface="Kartika"/>
-        <a:font script="Laoo" typeface="DokChampa"/>
-        <a:font script="Sinh" typeface="Iskoola Pota"/>
-        <a:font script="Mong" typeface="Mongolian Baiti"/>
-        <a:font script="Viet" typeface="Times New Roman"/>
-        <a:font script="Uigh" typeface="Microsoft Uighur"/>
-      </a:minorFont>
-    </a:fontScheme>
-    <a:fmtScheme name="Office">
-      <a:fillStyleLst>
-        <a:solidFill>
-          <a:schemeClr val="phClr"/>
-        </a:solidFill>
-        <a:gradFill rotWithShape="1">
-          <a:gsLst>
-            <a:gs pos="0">
-              <a:schemeClr val="phClr">
-                <a:tint val="50000"/>
-                <a:satMod val="300000"/>
-              </a:schemeClr>
-            </a:gs>
-            <a:gs pos="35000">
-              <a:schemeClr val="phClr">
-                <a:tint val="37000"/>
-                <a:satMod val="300000"/>
-              </a:schemeClr>
-            </a:gs>
-            <a:gs pos="100000">
-              <a:schemeClr val="phClr">
-                <a:tint val="15000"/>
-                <a:satMod val="350000"/>
-              </a:schemeClr>
-            </a:gs>
-          </a:gsLst>
-          <a:lin ang="16200000" scaled="1"/>
-        </a:gradFill>
-        <a:gradFill rotWithShape="1">
-          <a:gsLst>
-            <a:gs pos="0">
-              <a:schemeClr val="phClr">
-                <a:tint val="100000"/>
-                <a:shade val="100000"/>
-                <a:satMod val="130000"/>
-              </a:schemeClr>
-            </a:gs>
-            <a:gs pos="100000">
-              <a:schemeClr val="phClr">
-                <a:tint val="50000"/>
-                <a:shade val="100000"/>
-                <a:satMod val="350000"/>
-              </a:schemeClr>
-            </a:gs>
-          </a:gsLst>
-          <a:lin ang="16200000" scaled="0"/>
-        </a:gradFill>
-      </a:fillStyleLst>
-      <a:lnStyleLst>
-        <a:ln cap="flat" cmpd="sng" w="9525" algn="ctr">
-          <a:solidFill>
-            <a:schemeClr val="phClr">
-              <a:shade val="95000"/>
-              <a:satMod val="105000"/>
-            </a:schemeClr>
-          </a:solidFill>
-          <a:prstDash val="solid"/>
-        </a:ln>
-        <a:ln cap="flat" cmpd="sng" w="25400" algn="ctr">
-          <a:solidFill>
-            <a:schemeClr val="phClr"/>
-          </a:solidFill>
-          <a:prstDash val="solid"/>
-        </a:ln>
-        <a:ln cap="flat" cmpd="sng" w="38100" algn="ctr">
-          <a:solidFill>
-            <a:schemeClr val="phClr"/>
-          </a:solidFill>
-          <a:prstDash val="solid"/>
-        </a:ln>
-      </a:lnStyleLst>
-      <a:effectStyleLst>
-        <a:effectStyle>
-          <a:effectLst>
-            <a:outerShdw blurRad="40000" rotWithShape="0" dir="5400000" dist="20000">
-              <a:srgbClr val="000000">
-                <a:alpha val="38000"/>
-              </a:srgbClr>
-            </a:outerShdw>
-          </a:effectLst>
-        </a:effectStyle>
-        <a:effectStyle>
-          <a:effectLst>
-            <a:outerShdw blurRad="40000" rotWithShape="0" dir="5400000" dist="23000">
-              <a:srgbClr val="000000">
-                <a:alpha val="35000"/>
-              </a:srgbClr>
-            </a:outerShdw>
-          </a:effectLst>
-        </a:effectStyle>
-        <a:effectStyle>
-          <a:effectLst>
-            <a:outerShdw blurRad="40000" rotWithShape="0" dir="5400000" dist="23000">
-              <a:srgbClr val="000000">
-                <a:alpha val="35000"/>
-              </a:srgbClr>
-            </a:outerShdw>
-          </a:effectLst>
-          <a:scene3d>
-            <a:camera prst="orthographicFront">
-              <a:rot lat="0" lon="0" rev="0"/>
-            </a:camera>
-            <a:lightRig dir="t" rig="threePt">
-              <a:rot lat="0" lon="0" rev="1200000"/>
-            </a:lightRig>
-          </a:scene3d>
-          <a:sp3d>
-            <a:bevelT h="25400" w="63500"/>
-          </a:sp3d>
-        </a:effectStyle>
-      </a:effectStyleLst>
-      <a:bgFillStyleLst>
-        <a:solidFill>
-          <a:schemeClr val="phClr"/>
-        </a:solidFill>
-        <a:gradFill rotWithShape="1">
-          <a:gsLst>
-            <a:gs pos="0">
-              <a:schemeClr val="phClr">
-                <a:tint val="40000"/>
-                <a:satMod val="350000"/>
-              </a:schemeClr>
-            </a:gs>
-            <a:gs pos="40000">
-              <a:schemeClr val="phClr">
-                <a:tint val="45000"/>
-                <a:shade val="99000"/>
-                <a:satMod val="350000"/>
-              </a:schemeClr>
-            </a:gs>
-            <a:gs pos="100000">
-              <a:schemeClr val="phClr">
-                <a:shade val="20000"/>
-                <a:satMod val="255000"/>
-              </a:schemeClr>
-            </a:gs>
-          </a:gsLst>
-          <a:path path="circle">
-            <a:fillToRect b="180000" l="50000" r="50000" t="-80000"/>
-          </a:path>
-        </a:gradFill>
-        <a:gradFill rotWithShape="1">
-          <a:gsLst>
-            <a:gs pos="0">
-              <a:schemeClr val="phClr">
-                <a:tint val="80000"/>
-                <a:satMod val="300000"/>
-              </a:schemeClr>
-            </a:gs>
-            <a:gs pos="100000">
-              <a:schemeClr val="phClr">
-                <a:shade val="30000"/>
-                <a:satMod val="200000"/>
-              </a:schemeClr>
-            </a:gs>
-          </a:gsLst>
-          <a:path path="circle">
-            <a:fillToRect b="50000" l="50000" r="50000" t="50000"/>
-          </a:path>
-        </a:gradFill>
-      </a:bgFillStyleLst>
-    </a:fmtScheme>
-  </a:themeElements>
+  <a:objectDefaults/>
+  <a:extraClrSchemeLst/>
 </a:theme>
 </file>